--- a/Risk-aware UAV-UGV rendezvous via CMDP.pptx
+++ b/Risk-aware UAV-UGV rendezvous via CMDP.pptx
@@ -5,7 +5,7 @@
     <p:sldMasterId id="2147483660" r:id="rId1"/>
   </p:sldMasterIdLst>
   <p:notesMasterIdLst>
-    <p:notesMasterId r:id="rId25"/>
+    <p:notesMasterId r:id="rId26"/>
   </p:notesMasterIdLst>
   <p:sldIdLst>
     <p:sldId id="256" r:id="rId2"/>
@@ -29,8 +29,9 @@
     <p:sldId id="284" r:id="rId20"/>
     <p:sldId id="285" r:id="rId21"/>
     <p:sldId id="286" r:id="rId22"/>
-    <p:sldId id="275" r:id="rId23"/>
-    <p:sldId id="273" r:id="rId24"/>
+    <p:sldId id="287" r:id="rId23"/>
+    <p:sldId id="275" r:id="rId24"/>
+    <p:sldId id="273" r:id="rId25"/>
   </p:sldIdLst>
   <p:sldSz cx="9144000" cy="6858000" type="screen4x3"/>
   <p:notesSz cx="6858000" cy="9144000"/>
@@ -12102,6 +12103,161 @@
       </p:grpSpPr>
       <p:sp>
         <p:nvSpPr>
+          <p:cNvPr id="2" name="TextBox 1">
+            <a:extLst>
+              <a:ext uri="{FF2B5EF4-FFF2-40B4-BE49-F238E27FC236}">
+                <a16:creationId xmlns:a16="http://schemas.microsoft.com/office/drawing/2014/main" id="{B0FDE397-B84E-421D-9C4F-37AB0A7DF879}"/>
+              </a:ext>
+            </a:extLst>
+          </p:cNvPr>
+          <p:cNvSpPr txBox="1"/>
+          <p:nvPr/>
+        </p:nvSpPr>
+        <p:spPr>
+          <a:xfrm>
+            <a:off x="1071154" y="775063"/>
+            <a:ext cx="6226629" cy="2308324"/>
+          </a:xfrm>
+          <a:prstGeom prst="rect">
+            <a:avLst/>
+          </a:prstGeom>
+          <a:noFill/>
+        </p:spPr>
+        <p:txBody>
+          <a:bodyPr wrap="square" rtlCol="0">
+            <a:spAutoFit/>
+          </a:bodyPr>
+          <a:lstStyle/>
+          <a:p>
+            <a:pPr marL="285750" indent="-285750">
+              <a:buFont typeface="Arial" panose="020B0604020202020204" pitchFamily="34" charset="0"/>
+              <a:buChar char="•"/>
+            </a:pPr>
+            <a:r>
+              <a:rPr lang="en-US" altLang="zh-CN" dirty="0"/>
+              <a:t>Same Algorithm and test for rendezvous problem</a:t>
+            </a:r>
+          </a:p>
+          <a:p>
+            <a:pPr marL="285750" indent="-285750">
+              <a:buFont typeface="Arial" panose="020B0604020202020204" pitchFamily="34" charset="0"/>
+              <a:buChar char="•"/>
+            </a:pPr>
+            <a:endParaRPr lang="en-US" dirty="0"/>
+          </a:p>
+          <a:p>
+            <a:endParaRPr lang="en-US" dirty="0"/>
+          </a:p>
+          <a:p>
+            <a:pPr marL="285750" indent="-285750">
+              <a:buFont typeface="Arial" panose="020B0604020202020204" pitchFamily="34" charset="0"/>
+              <a:buChar char="•"/>
+            </a:pPr>
+            <a:r>
+              <a:rPr lang="en-US" dirty="0"/>
+              <a:t>LP, approximate LP, heuristic search </a:t>
+            </a:r>
+          </a:p>
+          <a:p>
+            <a:pPr marL="285750" indent="-285750">
+              <a:buFont typeface="Arial" panose="020B0604020202020204" pitchFamily="34" charset="0"/>
+              <a:buChar char="•"/>
+            </a:pPr>
+            <a:endParaRPr lang="en-US" dirty="0"/>
+          </a:p>
+          <a:p>
+            <a:pPr marL="285750" indent="-285750">
+              <a:buFont typeface="Arial" panose="020B0604020202020204" pitchFamily="34" charset="0"/>
+              <a:buChar char="•"/>
+            </a:pPr>
+            <a:endParaRPr lang="en-US" dirty="0"/>
+          </a:p>
+          <a:p>
+            <a:pPr marL="285750" indent="-285750">
+              <a:buFont typeface="Arial" panose="020B0604020202020204" pitchFamily="34" charset="0"/>
+              <a:buChar char="•"/>
+            </a:pPr>
+            <a:r>
+              <a:rPr lang="en-US" dirty="0"/>
+              <a:t>Multi-objective MCTS</a:t>
+            </a:r>
+          </a:p>
+          <a:p>
+            <a:endParaRPr lang="en-US" dirty="0"/>
+          </a:p>
+        </p:txBody>
+      </p:sp>
+      <p:sp>
+        <p:nvSpPr>
+          <p:cNvPr id="3" name="TextBox 2">
+            <a:extLst>
+              <a:ext uri="{FF2B5EF4-FFF2-40B4-BE49-F238E27FC236}">
+                <a16:creationId xmlns:a16="http://schemas.microsoft.com/office/drawing/2014/main" id="{3895924C-6BA6-4252-A19C-4D5FC59E4562}"/>
+              </a:ext>
+            </a:extLst>
+          </p:cNvPr>
+          <p:cNvSpPr txBox="1"/>
+          <p:nvPr/>
+        </p:nvSpPr>
+        <p:spPr>
+          <a:xfrm>
+            <a:off x="1776549" y="2926080"/>
+            <a:ext cx="3788228" cy="369332"/>
+          </a:xfrm>
+          <a:prstGeom prst="rect">
+            <a:avLst/>
+          </a:prstGeom>
+          <a:noFill/>
+        </p:spPr>
+        <p:txBody>
+          <a:bodyPr wrap="square" rtlCol="0">
+            <a:spAutoFit/>
+          </a:bodyPr>
+          <a:lstStyle/>
+          <a:p>
+            <a:pPr marL="285750" indent="-285750">
+              <a:buFont typeface="Wingdings" panose="05000000000000000000" pitchFamily="2" charset="2"/>
+              <a:buChar char="§"/>
+            </a:pPr>
+            <a:r>
+              <a:rPr lang="en-US" dirty="0"/>
+              <a:t>Trade off performance with risk</a:t>
+            </a:r>
+          </a:p>
+        </p:txBody>
+      </p:sp>
+    </p:spTree>
+    <p:extLst>
+      <p:ext uri="{BB962C8B-B14F-4D97-AF65-F5344CB8AC3E}">
+        <p14:creationId xmlns:p14="http://schemas.microsoft.com/office/powerpoint/2010/main" val="2701278147"/>
+      </p:ext>
+    </p:extLst>
+  </p:cSld>
+  <p:clrMapOvr>
+    <a:masterClrMapping/>
+  </p:clrMapOvr>
+</p:sld>
+</file>
+
+<file path=ppt/slides/slide23.xml><?xml version="1.0" encoding="utf-8"?>
+<p:sld xmlns:a="http://schemas.openxmlformats.org/drawingml/2006/main" xmlns:r="http://schemas.openxmlformats.org/officeDocument/2006/relationships" xmlns:p="http://schemas.openxmlformats.org/presentationml/2006/main">
+  <p:cSld>
+    <p:spTree>
+      <p:nvGrpSpPr>
+        <p:cNvPr id="1" name=""/>
+        <p:cNvGrpSpPr/>
+        <p:nvPr/>
+      </p:nvGrpSpPr>
+      <p:grpSpPr>
+        <a:xfrm>
+          <a:off x="0" y="0"/>
+          <a:ext cx="0" cy="0"/>
+          <a:chOff x="0" y="0"/>
+          <a:chExt cx="0" cy="0"/>
+        </a:xfrm>
+      </p:grpSpPr>
+      <p:sp>
+        <p:nvSpPr>
           <p:cNvPr id="4" name="TextBox 3"/>
           <p:cNvSpPr txBox="1"/>
           <p:nvPr/>
@@ -13999,7 +14155,7 @@
 </p:sld>
 </file>
 
-<file path=ppt/slides/slide23.xml><?xml version="1.0" encoding="utf-8"?>
+<file path=ppt/slides/slide24.xml><?xml version="1.0" encoding="utf-8"?>
 <p:sld xmlns:a="http://schemas.openxmlformats.org/drawingml/2006/main" xmlns:r="http://schemas.openxmlformats.org/officeDocument/2006/relationships" xmlns:p="http://schemas.openxmlformats.org/presentationml/2006/main">
   <p:cSld>
     <p:spTree>

--- a/Risk-aware UAV-UGV rendezvous via CMDP.pptx
+++ b/Risk-aware UAV-UGV rendezvous via CMDP.pptx
@@ -12184,45 +12184,6 @@
           </a:p>
           <a:p>
             <a:endParaRPr lang="en-US" dirty="0"/>
-          </a:p>
-        </p:txBody>
-      </p:sp>
-      <p:sp>
-        <p:nvSpPr>
-          <p:cNvPr id="3" name="TextBox 2">
-            <a:extLst>
-              <a:ext uri="{FF2B5EF4-FFF2-40B4-BE49-F238E27FC236}">
-                <a16:creationId xmlns:a16="http://schemas.microsoft.com/office/drawing/2014/main" id="{3895924C-6BA6-4252-A19C-4D5FC59E4562}"/>
-              </a:ext>
-            </a:extLst>
-          </p:cNvPr>
-          <p:cNvSpPr txBox="1"/>
-          <p:nvPr/>
-        </p:nvSpPr>
-        <p:spPr>
-          <a:xfrm>
-            <a:off x="1776549" y="2926080"/>
-            <a:ext cx="3788228" cy="369332"/>
-          </a:xfrm>
-          <a:prstGeom prst="rect">
-            <a:avLst/>
-          </a:prstGeom>
-          <a:noFill/>
-        </p:spPr>
-        <p:txBody>
-          <a:bodyPr wrap="square" rtlCol="0">
-            <a:spAutoFit/>
-          </a:bodyPr>
-          <a:lstStyle/>
-          <a:p>
-            <a:pPr marL="285750" indent="-285750">
-              <a:buFont typeface="Wingdings" panose="05000000000000000000" pitchFamily="2" charset="2"/>
-              <a:buChar char="§"/>
-            </a:pPr>
-            <a:r>
-              <a:rPr lang="en-US" dirty="0"/>
-              <a:t>Trade off performance with risk</a:t>
-            </a:r>
           </a:p>
         </p:txBody>
       </p:sp>

--- a/Risk-aware UAV-UGV rendezvous via CMDP.pptx
+++ b/Risk-aware UAV-UGV rendezvous via CMDP.pptx
@@ -5,7 +5,7 @@
     <p:sldMasterId id="2147483660" r:id="rId1"/>
   </p:sldMasterIdLst>
   <p:notesMasterIdLst>
-    <p:notesMasterId r:id="rId25"/>
+    <p:notesMasterId r:id="rId26"/>
   </p:notesMasterIdLst>
   <p:sldIdLst>
     <p:sldId id="256" r:id="rId2"/>
@@ -29,8 +29,9 @@
     <p:sldId id="284" r:id="rId20"/>
     <p:sldId id="285" r:id="rId21"/>
     <p:sldId id="286" r:id="rId22"/>
-    <p:sldId id="275" r:id="rId23"/>
-    <p:sldId id="273" r:id="rId24"/>
+    <p:sldId id="287" r:id="rId23"/>
+    <p:sldId id="275" r:id="rId24"/>
+    <p:sldId id="273" r:id="rId25"/>
   </p:sldIdLst>
   <p:sldSz cx="9144000" cy="6858000" type="screen4x3"/>
   <p:notesSz cx="6858000" cy="9144000"/>
@@ -230,7 +231,7 @@
           <a:p>
             <a:fld id="{C7283B10-4AFC-444E-A2FB-9E8E149BD40A}" type="datetimeFigureOut">
               <a:rPr lang="en-US" smtClean="0"/>
-              <a:t>1/3/2022</a:t>
+              <a:t>1/17/2022</a:t>
             </a:fld>
             <a:endParaRPr lang="en-US"/>
           </a:p>
@@ -776,6 +777,181 @@
 </p:notes>
 </file>
 
+<file path=ppt/notesSlides/notesSlide4.xml><?xml version="1.0" encoding="utf-8"?>
+<p:notes xmlns:a="http://schemas.openxmlformats.org/drawingml/2006/main" xmlns:r="http://schemas.openxmlformats.org/officeDocument/2006/relationships" xmlns:p="http://schemas.openxmlformats.org/presentationml/2006/main">
+  <p:cSld>
+    <p:spTree>
+      <p:nvGrpSpPr>
+        <p:cNvPr id="1" name=""/>
+        <p:cNvGrpSpPr/>
+        <p:nvPr/>
+      </p:nvGrpSpPr>
+      <p:grpSpPr>
+        <a:xfrm>
+          <a:off x="0" y="0"/>
+          <a:ext cx="0" cy="0"/>
+          <a:chOff x="0" y="0"/>
+          <a:chExt cx="0" cy="0"/>
+        </a:xfrm>
+      </p:grpSpPr>
+      <p:sp>
+        <p:nvSpPr>
+          <p:cNvPr id="2" name="Slide Image Placeholder 1"/>
+          <p:cNvSpPr>
+            <a:spLocks noGrp="1" noRot="1" noChangeAspect="1"/>
+          </p:cNvSpPr>
+          <p:nvPr>
+            <p:ph type="sldImg"/>
+          </p:nvPr>
+        </p:nvSpPr>
+        <p:spPr/>
+      </p:sp>
+      <p:sp>
+        <p:nvSpPr>
+          <p:cNvPr id="3" name="Notes Placeholder 2"/>
+          <p:cNvSpPr>
+            <a:spLocks noGrp="1"/>
+          </p:cNvSpPr>
+          <p:nvPr>
+            <p:ph type="body" idx="1"/>
+          </p:nvPr>
+        </p:nvSpPr>
+        <p:spPr/>
+        <p:txBody>
+          <a:bodyPr/>
+          <a:lstStyle/>
+          <a:p>
+            <a:pPr marL="0" marR="0" lvl="0" indent="0" algn="l" defTabSz="914400" rtl="0" eaLnBrk="1" fontAlgn="auto" latinLnBrk="0" hangingPunct="1">
+              <a:lnSpc>
+                <a:spcPct val="100000"/>
+              </a:lnSpc>
+              <a:spcBef>
+                <a:spcPts val="0"/>
+              </a:spcBef>
+              <a:spcAft>
+                <a:spcPts val="0"/>
+              </a:spcAft>
+              <a:buClrTx/>
+              <a:buSzTx/>
+              <a:buFontTx/>
+              <a:buNone/>
+              <a:tabLst/>
+              <a:defRPr/>
+            </a:pPr>
+            <a:r>
+              <a:rPr lang="en-US" dirty="0"/>
+              <a:t>Parameters, Input map: some file</a:t>
+            </a:r>
+          </a:p>
+          <a:p>
+            <a:pPr marL="0" marR="0" lvl="0" indent="0" algn="l" defTabSz="914400" rtl="0" eaLnBrk="1" fontAlgn="auto" latinLnBrk="0" hangingPunct="1">
+              <a:lnSpc>
+                <a:spcPct val="100000"/>
+              </a:lnSpc>
+              <a:spcBef>
+                <a:spcPts val="0"/>
+              </a:spcBef>
+              <a:spcAft>
+                <a:spcPts val="0"/>
+              </a:spcAft>
+              <a:buClrTx/>
+              <a:buSzTx/>
+              <a:buFontTx/>
+              <a:buNone/>
+              <a:tabLst/>
+              <a:defRPr/>
+            </a:pPr>
+            <a:endParaRPr lang="en-US" dirty="0"/>
+          </a:p>
+          <a:p>
+            <a:pPr marL="228600" marR="0" lvl="0" indent="-228600" algn="l" defTabSz="914400" rtl="0" eaLnBrk="1" fontAlgn="auto" latinLnBrk="0" hangingPunct="1">
+              <a:lnSpc>
+                <a:spcPct val="100000"/>
+              </a:lnSpc>
+              <a:spcBef>
+                <a:spcPts val="0"/>
+              </a:spcBef>
+              <a:spcAft>
+                <a:spcPts val="0"/>
+              </a:spcAft>
+              <a:buClrTx/>
+              <a:buSzTx/>
+              <a:buFontTx/>
+              <a:buAutoNum type="arabicPeriod"/>
+              <a:tabLst/>
+              <a:defRPr/>
+            </a:pPr>
+            <a:r>
+              <a:rPr lang="en-US" dirty="0"/>
+              <a:t>Continuous state</a:t>
+            </a:r>
+          </a:p>
+          <a:p>
+            <a:pPr marL="228600" marR="0" lvl="0" indent="-228600" algn="l" defTabSz="914400" rtl="0" eaLnBrk="1" fontAlgn="auto" latinLnBrk="0" hangingPunct="1">
+              <a:lnSpc>
+                <a:spcPct val="100000"/>
+              </a:lnSpc>
+              <a:spcBef>
+                <a:spcPts val="0"/>
+              </a:spcBef>
+              <a:spcAft>
+                <a:spcPts val="0"/>
+              </a:spcAft>
+              <a:buClrTx/>
+              <a:buSzTx/>
+              <a:buFontTx/>
+              <a:buAutoNum type="arabicPeriod"/>
+              <a:tabLst/>
+              <a:defRPr/>
+            </a:pPr>
+            <a:r>
+              <a:rPr lang="en-US" dirty="0"/>
+              <a:t>Collision </a:t>
+            </a:r>
+            <a:r>
+              <a:rPr lang="en-US"/>
+              <a:t>state penalty?</a:t>
+            </a:r>
+            <a:endParaRPr lang="en-US" dirty="0"/>
+          </a:p>
+        </p:txBody>
+      </p:sp>
+      <p:sp>
+        <p:nvSpPr>
+          <p:cNvPr id="4" name="Slide Number Placeholder 3"/>
+          <p:cNvSpPr>
+            <a:spLocks noGrp="1"/>
+          </p:cNvSpPr>
+          <p:nvPr>
+            <p:ph type="sldNum" sz="quarter" idx="5"/>
+          </p:nvPr>
+        </p:nvSpPr>
+        <p:spPr/>
+        <p:txBody>
+          <a:bodyPr/>
+          <a:lstStyle/>
+          <a:p>
+            <a:fld id="{C1BFEB3D-3DA2-4474-AB58-9A7D56BBFD54}" type="slidenum">
+              <a:rPr lang="en-US" smtClean="0"/>
+              <a:t>23</a:t>
+            </a:fld>
+            <a:endParaRPr lang="en-US"/>
+          </a:p>
+        </p:txBody>
+      </p:sp>
+    </p:spTree>
+    <p:extLst>
+      <p:ext uri="{BB962C8B-B14F-4D97-AF65-F5344CB8AC3E}">
+        <p14:creationId xmlns:p14="http://schemas.microsoft.com/office/powerpoint/2010/main" val="1065892096"/>
+      </p:ext>
+    </p:extLst>
+  </p:cSld>
+  <p:clrMapOvr>
+    <a:masterClrMapping/>
+  </p:clrMapOvr>
+</p:notes>
+</file>
+
 <file path=ppt/slideLayouts/slideLayout1.xml><?xml version="1.0" encoding="utf-8"?>
 <p:sldLayout xmlns:a="http://schemas.openxmlformats.org/drawingml/2006/main" xmlns:r="http://schemas.openxmlformats.org/officeDocument/2006/relationships" xmlns:p="http://schemas.openxmlformats.org/presentationml/2006/main" type="title" preserve="1">
   <p:cSld name="Title Slide">
@@ -907,7 +1083,7 @@
           <a:p>
             <a:fld id="{93E4A2CB-AB09-4F27-B9F7-C28CCE07D0C8}" type="datetimeFigureOut">
               <a:rPr lang="en-US" smtClean="0"/>
-              <a:t>1/3/2022</a:t>
+              <a:t>1/17/2022</a:t>
             </a:fld>
             <a:endParaRPr lang="en-US"/>
           </a:p>
@@ -1077,7 +1253,7 @@
           <a:p>
             <a:fld id="{93E4A2CB-AB09-4F27-B9F7-C28CCE07D0C8}" type="datetimeFigureOut">
               <a:rPr lang="en-US" smtClean="0"/>
-              <a:t>1/3/2022</a:t>
+              <a:t>1/17/2022</a:t>
             </a:fld>
             <a:endParaRPr lang="en-US"/>
           </a:p>
@@ -1257,7 +1433,7 @@
           <a:p>
             <a:fld id="{93E4A2CB-AB09-4F27-B9F7-C28CCE07D0C8}" type="datetimeFigureOut">
               <a:rPr lang="en-US" smtClean="0"/>
-              <a:t>1/3/2022</a:t>
+              <a:t>1/17/2022</a:t>
             </a:fld>
             <a:endParaRPr lang="en-US"/>
           </a:p>
@@ -1427,7 +1603,7 @@
           <a:p>
             <a:fld id="{93E4A2CB-AB09-4F27-B9F7-C28CCE07D0C8}" type="datetimeFigureOut">
               <a:rPr lang="en-US" smtClean="0"/>
-              <a:t>1/3/2022</a:t>
+              <a:t>1/17/2022</a:t>
             </a:fld>
             <a:endParaRPr lang="en-US"/>
           </a:p>
@@ -1671,7 +1847,7 @@
           <a:p>
             <a:fld id="{93E4A2CB-AB09-4F27-B9F7-C28CCE07D0C8}" type="datetimeFigureOut">
               <a:rPr lang="en-US" smtClean="0"/>
-              <a:t>1/3/2022</a:t>
+              <a:t>1/17/2022</a:t>
             </a:fld>
             <a:endParaRPr lang="en-US"/>
           </a:p>
@@ -1903,7 +2079,7 @@
           <a:p>
             <a:fld id="{93E4A2CB-AB09-4F27-B9F7-C28CCE07D0C8}" type="datetimeFigureOut">
               <a:rPr lang="en-US" smtClean="0"/>
-              <a:t>1/3/2022</a:t>
+              <a:t>1/17/2022</a:t>
             </a:fld>
             <a:endParaRPr lang="en-US"/>
           </a:p>
@@ -2270,7 +2446,7 @@
           <a:p>
             <a:fld id="{93E4A2CB-AB09-4F27-B9F7-C28CCE07D0C8}" type="datetimeFigureOut">
               <a:rPr lang="en-US" smtClean="0"/>
-              <a:t>1/3/2022</a:t>
+              <a:t>1/17/2022</a:t>
             </a:fld>
             <a:endParaRPr lang="en-US"/>
           </a:p>
@@ -2388,7 +2564,7 @@
           <a:p>
             <a:fld id="{93E4A2CB-AB09-4F27-B9F7-C28CCE07D0C8}" type="datetimeFigureOut">
               <a:rPr lang="en-US" smtClean="0"/>
-              <a:t>1/3/2022</a:t>
+              <a:t>1/17/2022</a:t>
             </a:fld>
             <a:endParaRPr lang="en-US"/>
           </a:p>
@@ -2483,7 +2659,7 @@
           <a:p>
             <a:fld id="{93E4A2CB-AB09-4F27-B9F7-C28CCE07D0C8}" type="datetimeFigureOut">
               <a:rPr lang="en-US" smtClean="0"/>
-              <a:t>1/3/2022</a:t>
+              <a:t>1/17/2022</a:t>
             </a:fld>
             <a:endParaRPr lang="en-US"/>
           </a:p>
@@ -2760,7 +2936,7 @@
           <a:p>
             <a:fld id="{93E4A2CB-AB09-4F27-B9F7-C28CCE07D0C8}" type="datetimeFigureOut">
               <a:rPr lang="en-US" smtClean="0"/>
-              <a:t>1/3/2022</a:t>
+              <a:t>1/17/2022</a:t>
             </a:fld>
             <a:endParaRPr lang="en-US"/>
           </a:p>
@@ -3017,7 +3193,7 @@
           <a:p>
             <a:fld id="{93E4A2CB-AB09-4F27-B9F7-C28CCE07D0C8}" type="datetimeFigureOut">
               <a:rPr lang="en-US" smtClean="0"/>
-              <a:t>1/3/2022</a:t>
+              <a:t>1/17/2022</a:t>
             </a:fld>
             <a:endParaRPr lang="en-US"/>
           </a:p>
@@ -3230,7 +3406,7 @@
           <a:p>
             <a:fld id="{93E4A2CB-AB09-4F27-B9F7-C28CCE07D0C8}" type="datetimeFigureOut">
               <a:rPr lang="en-US" smtClean="0"/>
-              <a:t>1/3/2022</a:t>
+              <a:t>1/17/2022</a:t>
             </a:fld>
             <a:endParaRPr lang="en-US"/>
           </a:p>
@@ -12102,6 +12278,144 @@
       </p:grpSpPr>
       <p:sp>
         <p:nvSpPr>
+          <p:cNvPr id="4" name="TextBox 3">
+            <a:extLst>
+              <a:ext uri="{FF2B5EF4-FFF2-40B4-BE49-F238E27FC236}">
+                <a16:creationId xmlns:a16="http://schemas.microsoft.com/office/drawing/2014/main" id="{73A19C90-6F79-419A-A693-B7959168BF19}"/>
+              </a:ext>
+            </a:extLst>
+          </p:cNvPr>
+          <p:cNvSpPr txBox="1"/>
+          <p:nvPr/>
+        </p:nvSpPr>
+        <p:spPr>
+          <a:xfrm>
+            <a:off x="1158240" y="940525"/>
+            <a:ext cx="6984274" cy="369332"/>
+          </a:xfrm>
+          <a:prstGeom prst="rect">
+            <a:avLst/>
+          </a:prstGeom>
+          <a:noFill/>
+        </p:spPr>
+        <p:txBody>
+          <a:bodyPr wrap="square" rtlCol="0">
+            <a:spAutoFit/>
+          </a:bodyPr>
+          <a:lstStyle/>
+          <a:p>
+            <a:r>
+              <a:rPr lang="en-US" altLang="zh-CN" dirty="0"/>
+              <a:t>LP for standard CMDP – prove correctness of the formulation</a:t>
+            </a:r>
+            <a:endParaRPr lang="en-US" dirty="0"/>
+          </a:p>
+        </p:txBody>
+      </p:sp>
+      <p:sp>
+        <p:nvSpPr>
+          <p:cNvPr id="5" name="TextBox 4">
+            <a:extLst>
+              <a:ext uri="{FF2B5EF4-FFF2-40B4-BE49-F238E27FC236}">
+                <a16:creationId xmlns:a16="http://schemas.microsoft.com/office/drawing/2014/main" id="{2153E86A-C2AF-40C5-8D68-6FFC90B5D6AE}"/>
+              </a:ext>
+            </a:extLst>
+          </p:cNvPr>
+          <p:cNvSpPr txBox="1"/>
+          <p:nvPr/>
+        </p:nvSpPr>
+        <p:spPr>
+          <a:xfrm>
+            <a:off x="1158240" y="1885405"/>
+            <a:ext cx="6984274" cy="369332"/>
+          </a:xfrm>
+          <a:prstGeom prst="rect">
+            <a:avLst/>
+          </a:prstGeom>
+          <a:noFill/>
+        </p:spPr>
+        <p:txBody>
+          <a:bodyPr wrap="square" rtlCol="0">
+            <a:spAutoFit/>
+          </a:bodyPr>
+          <a:lstStyle/>
+          <a:p>
+            <a:r>
+              <a:rPr lang="en-US" altLang="zh-CN" dirty="0"/>
+              <a:t>Problems show up when parameters are uncertain (e.g., time varying)</a:t>
+            </a:r>
+            <a:endParaRPr lang="en-US" dirty="0"/>
+          </a:p>
+        </p:txBody>
+      </p:sp>
+      <p:sp>
+        <p:nvSpPr>
+          <p:cNvPr id="6" name="TextBox 5">
+            <a:extLst>
+              <a:ext uri="{FF2B5EF4-FFF2-40B4-BE49-F238E27FC236}">
+                <a16:creationId xmlns:a16="http://schemas.microsoft.com/office/drawing/2014/main" id="{E2DFC9E8-EF54-40CC-9C1F-53ABDFFF4690}"/>
+              </a:ext>
+            </a:extLst>
+          </p:cNvPr>
+          <p:cNvSpPr txBox="1"/>
+          <p:nvPr/>
+        </p:nvSpPr>
+        <p:spPr>
+          <a:xfrm>
+            <a:off x="1158240" y="2715288"/>
+            <a:ext cx="6984274" cy="369332"/>
+          </a:xfrm>
+          <a:prstGeom prst="rect">
+            <a:avLst/>
+          </a:prstGeom>
+          <a:noFill/>
+        </p:spPr>
+        <p:txBody>
+          <a:bodyPr wrap="square" rtlCol="0">
+            <a:spAutoFit/>
+          </a:bodyPr>
+          <a:lstStyle/>
+          <a:p>
+            <a:r>
+              <a:rPr lang="en-US" altLang="zh-CN" dirty="0"/>
+              <a:t>Improved algorithm</a:t>
+            </a:r>
+            <a:endParaRPr lang="en-US" dirty="0"/>
+          </a:p>
+        </p:txBody>
+      </p:sp>
+    </p:spTree>
+    <p:extLst>
+      <p:ext uri="{BB962C8B-B14F-4D97-AF65-F5344CB8AC3E}">
+        <p14:creationId xmlns:p14="http://schemas.microsoft.com/office/powerpoint/2010/main" val="3369818458"/>
+      </p:ext>
+    </p:extLst>
+  </p:cSld>
+  <p:clrMapOvr>
+    <a:masterClrMapping/>
+  </p:clrMapOvr>
+</p:sld>
+</file>
+
+<file path=ppt/slides/slide23.xml><?xml version="1.0" encoding="utf-8"?>
+<p:sld xmlns:a="http://schemas.openxmlformats.org/drawingml/2006/main" xmlns:r="http://schemas.openxmlformats.org/officeDocument/2006/relationships" xmlns:p="http://schemas.openxmlformats.org/presentationml/2006/main">
+  <p:cSld>
+    <p:spTree>
+      <p:nvGrpSpPr>
+        <p:cNvPr id="1" name=""/>
+        <p:cNvGrpSpPr/>
+        <p:nvPr/>
+      </p:nvGrpSpPr>
+      <p:grpSpPr>
+        <a:xfrm>
+          <a:off x="0" y="0"/>
+          <a:ext cx="0" cy="0"/>
+          <a:chOff x="0" y="0"/>
+          <a:chExt cx="0" cy="0"/>
+        </a:xfrm>
+      </p:grpSpPr>
+      <p:sp>
+        <p:nvSpPr>
           <p:cNvPr id="4" name="TextBox 3"/>
           <p:cNvSpPr txBox="1"/>
           <p:nvPr/>
@@ -13999,7 +14313,7 @@
 </p:sld>
 </file>
 
-<file path=ppt/slides/slide23.xml><?xml version="1.0" encoding="utf-8"?>
+<file path=ppt/slides/slide24.xml><?xml version="1.0" encoding="utf-8"?>
 <p:sld xmlns:a="http://schemas.openxmlformats.org/drawingml/2006/main" xmlns:r="http://schemas.openxmlformats.org/officeDocument/2006/relationships" xmlns:p="http://schemas.openxmlformats.org/presentationml/2006/main">
   <p:cSld>
     <p:spTree>

--- a/Risk-aware UAV-UGV rendezvous via CMDP.pptx
+++ b/Risk-aware UAV-UGV rendezvous via CMDP.pptx
@@ -231,7 +231,7 @@
           <a:p>
             <a:fld id="{C7283B10-4AFC-444E-A2FB-9E8E149BD40A}" type="datetimeFigureOut">
               <a:rPr lang="en-US" smtClean="0"/>
-              <a:t>1/17/2022</a:t>
+              <a:t>1/21/2022</a:t>
             </a:fld>
             <a:endParaRPr lang="en-US"/>
           </a:p>
@@ -906,12 +906,107 @@
             </a:pPr>
             <a:r>
               <a:rPr lang="en-US" dirty="0"/>
-              <a:t>Collision </a:t>
+              <a:t>Collision state penalty?</a:t>
             </a:r>
-            <a:r>
-              <a:rPr lang="en-US"/>
-              <a:t>state penalty?</a:t>
-            </a:r>
+          </a:p>
+          <a:p>
+            <a:pPr marL="228600" marR="0" lvl="0" indent="-228600" algn="l" defTabSz="914400" rtl="0" eaLnBrk="1" fontAlgn="auto" latinLnBrk="0" hangingPunct="1">
+              <a:lnSpc>
+                <a:spcPct val="100000"/>
+              </a:lnSpc>
+              <a:spcBef>
+                <a:spcPts val="0"/>
+              </a:spcBef>
+              <a:spcAft>
+                <a:spcPts val="0"/>
+              </a:spcAft>
+              <a:buClrTx/>
+              <a:buSzTx/>
+              <a:buFontTx/>
+              <a:buAutoNum type="arabicPeriod"/>
+              <a:tabLst/>
+              <a:defRPr/>
+            </a:pPr>
+            <a:endParaRPr lang="en-US" dirty="0"/>
+          </a:p>
+          <a:p>
+            <a:pPr marL="0" marR="0" lvl="0" indent="0" algn="l" defTabSz="914400" rtl="0" eaLnBrk="1" fontAlgn="auto" latinLnBrk="0" hangingPunct="1">
+              <a:lnSpc>
+                <a:spcPct val="100000"/>
+              </a:lnSpc>
+              <a:spcBef>
+                <a:spcPts val="0"/>
+              </a:spcBef>
+              <a:spcAft>
+                <a:spcPts val="0"/>
+              </a:spcAft>
+              <a:buClrTx/>
+              <a:buSzTx/>
+              <a:buFontTx/>
+              <a:buNone/>
+              <a:tabLst/>
+              <a:defRPr/>
+            </a:pPr>
+            <a:endParaRPr lang="en-US" dirty="0"/>
+          </a:p>
+          <a:p>
+            <a:pPr marL="0" marR="0" lvl="0" indent="0" algn="l" defTabSz="914400" rtl="0" eaLnBrk="1" fontAlgn="auto" latinLnBrk="0" hangingPunct="1">
+              <a:lnSpc>
+                <a:spcPct val="100000"/>
+              </a:lnSpc>
+              <a:spcBef>
+                <a:spcPts val="0"/>
+              </a:spcBef>
+              <a:spcAft>
+                <a:spcPts val="0"/>
+              </a:spcAft>
+              <a:buClrTx/>
+              <a:buSzTx/>
+              <a:buFontTx/>
+              <a:buNone/>
+              <a:tabLst/>
+              <a:defRPr/>
+            </a:pPr>
+            <a:endParaRPr lang="en-US" dirty="0"/>
+          </a:p>
+          <a:p>
+            <a:pPr marL="0" marR="0" lvl="0" indent="0" algn="l" defTabSz="914400" rtl="0" eaLnBrk="1" fontAlgn="auto" latinLnBrk="0" hangingPunct="1">
+              <a:lnSpc>
+                <a:spcPct val="100000"/>
+              </a:lnSpc>
+              <a:spcBef>
+                <a:spcPts val="0"/>
+              </a:spcBef>
+              <a:spcAft>
+                <a:spcPts val="0"/>
+              </a:spcAft>
+              <a:buClrTx/>
+              <a:buSzTx/>
+              <a:buFontTx/>
+              <a:buNone/>
+              <a:tabLst/>
+              <a:defRPr/>
+            </a:pPr>
+            <a:endParaRPr lang="en-US"/>
+          </a:p>
+          <a:p>
+            <a:pPr marL="0" marR="0" lvl="0" indent="0" algn="l" defTabSz="914400" rtl="0" eaLnBrk="1" fontAlgn="auto" latinLnBrk="0" hangingPunct="1">
+              <a:lnSpc>
+                <a:spcPct val="100000"/>
+              </a:lnSpc>
+              <a:spcBef>
+                <a:spcPts val="0"/>
+              </a:spcBef>
+              <a:spcAft>
+                <a:spcPts val="0"/>
+              </a:spcAft>
+              <a:buClrTx/>
+              <a:buSzTx/>
+              <a:buFontTx/>
+              <a:buNone/>
+              <a:tabLst/>
+              <a:defRPr/>
+            </a:pPr>
             <a:endParaRPr lang="en-US" dirty="0"/>
           </a:p>
         </p:txBody>
@@ -1083,7 +1178,7 @@
           <a:p>
             <a:fld id="{93E4A2CB-AB09-4F27-B9F7-C28CCE07D0C8}" type="datetimeFigureOut">
               <a:rPr lang="en-US" smtClean="0"/>
-              <a:t>1/17/2022</a:t>
+              <a:t>1/21/2022</a:t>
             </a:fld>
             <a:endParaRPr lang="en-US"/>
           </a:p>
@@ -1253,7 +1348,7 @@
           <a:p>
             <a:fld id="{93E4A2CB-AB09-4F27-B9F7-C28CCE07D0C8}" type="datetimeFigureOut">
               <a:rPr lang="en-US" smtClean="0"/>
-              <a:t>1/17/2022</a:t>
+              <a:t>1/21/2022</a:t>
             </a:fld>
             <a:endParaRPr lang="en-US"/>
           </a:p>
@@ -1433,7 +1528,7 @@
           <a:p>
             <a:fld id="{93E4A2CB-AB09-4F27-B9F7-C28CCE07D0C8}" type="datetimeFigureOut">
               <a:rPr lang="en-US" smtClean="0"/>
-              <a:t>1/17/2022</a:t>
+              <a:t>1/21/2022</a:t>
             </a:fld>
             <a:endParaRPr lang="en-US"/>
           </a:p>
@@ -1603,7 +1698,7 @@
           <a:p>
             <a:fld id="{93E4A2CB-AB09-4F27-B9F7-C28CCE07D0C8}" type="datetimeFigureOut">
               <a:rPr lang="en-US" smtClean="0"/>
-              <a:t>1/17/2022</a:t>
+              <a:t>1/21/2022</a:t>
             </a:fld>
             <a:endParaRPr lang="en-US"/>
           </a:p>
@@ -1847,7 +1942,7 @@
           <a:p>
             <a:fld id="{93E4A2CB-AB09-4F27-B9F7-C28CCE07D0C8}" type="datetimeFigureOut">
               <a:rPr lang="en-US" smtClean="0"/>
-              <a:t>1/17/2022</a:t>
+              <a:t>1/21/2022</a:t>
             </a:fld>
             <a:endParaRPr lang="en-US"/>
           </a:p>
@@ -2079,7 +2174,7 @@
           <a:p>
             <a:fld id="{93E4A2CB-AB09-4F27-B9F7-C28CCE07D0C8}" type="datetimeFigureOut">
               <a:rPr lang="en-US" smtClean="0"/>
-              <a:t>1/17/2022</a:t>
+              <a:t>1/21/2022</a:t>
             </a:fld>
             <a:endParaRPr lang="en-US"/>
           </a:p>
@@ -2446,7 +2541,7 @@
           <a:p>
             <a:fld id="{93E4A2CB-AB09-4F27-B9F7-C28CCE07D0C8}" type="datetimeFigureOut">
               <a:rPr lang="en-US" smtClean="0"/>
-              <a:t>1/17/2022</a:t>
+              <a:t>1/21/2022</a:t>
             </a:fld>
             <a:endParaRPr lang="en-US"/>
           </a:p>
@@ -2564,7 +2659,7 @@
           <a:p>
             <a:fld id="{93E4A2CB-AB09-4F27-B9F7-C28CCE07D0C8}" type="datetimeFigureOut">
               <a:rPr lang="en-US" smtClean="0"/>
-              <a:t>1/17/2022</a:t>
+              <a:t>1/21/2022</a:t>
             </a:fld>
             <a:endParaRPr lang="en-US"/>
           </a:p>
@@ -2659,7 +2754,7 @@
           <a:p>
             <a:fld id="{93E4A2CB-AB09-4F27-B9F7-C28CCE07D0C8}" type="datetimeFigureOut">
               <a:rPr lang="en-US" smtClean="0"/>
-              <a:t>1/17/2022</a:t>
+              <a:t>1/21/2022</a:t>
             </a:fld>
             <a:endParaRPr lang="en-US"/>
           </a:p>
@@ -2936,7 +3031,7 @@
           <a:p>
             <a:fld id="{93E4A2CB-AB09-4F27-B9F7-C28CCE07D0C8}" type="datetimeFigureOut">
               <a:rPr lang="en-US" smtClean="0"/>
-              <a:t>1/17/2022</a:t>
+              <a:t>1/21/2022</a:t>
             </a:fld>
             <a:endParaRPr lang="en-US"/>
           </a:p>
@@ -3193,7 +3288,7 @@
           <a:p>
             <a:fld id="{93E4A2CB-AB09-4F27-B9F7-C28CCE07D0C8}" type="datetimeFigureOut">
               <a:rPr lang="en-US" smtClean="0"/>
-              <a:t>1/17/2022</a:t>
+              <a:t>1/21/2022</a:t>
             </a:fld>
             <a:endParaRPr lang="en-US"/>
           </a:p>
@@ -3406,7 +3501,7 @@
           <a:p>
             <a:fld id="{93E4A2CB-AB09-4F27-B9F7-C28CCE07D0C8}" type="datetimeFigureOut">
               <a:rPr lang="en-US" smtClean="0"/>
-              <a:t>1/17/2022</a:t>
+              <a:t>1/21/2022</a:t>
             </a:fld>
             <a:endParaRPr lang="en-US"/>
           </a:p>

--- a/Risk-aware UAV-UGV rendezvous via CMDP.pptx
+++ b/Risk-aware UAV-UGV rendezvous via CMDP.pptx
@@ -5,7 +5,7 @@
     <p:sldMasterId id="2147483660" r:id="rId1"/>
   </p:sldMasterIdLst>
   <p:notesMasterIdLst>
-    <p:notesMasterId r:id="rId26"/>
+    <p:notesMasterId r:id="rId28"/>
   </p:notesMasterIdLst>
   <p:sldIdLst>
     <p:sldId id="256" r:id="rId2"/>
@@ -31,7 +31,9 @@
     <p:sldId id="286" r:id="rId22"/>
     <p:sldId id="287" r:id="rId23"/>
     <p:sldId id="275" r:id="rId24"/>
-    <p:sldId id="273" r:id="rId25"/>
+    <p:sldId id="288" r:id="rId25"/>
+    <p:sldId id="289" r:id="rId26"/>
+    <p:sldId id="273" r:id="rId27"/>
   </p:sldIdLst>
   <p:sldSz cx="9144000" cy="6858000" type="screen4x3"/>
   <p:notesSz cx="6858000" cy="9144000"/>
@@ -1038,6 +1040,546 @@
     <p:extLst>
       <p:ext uri="{BB962C8B-B14F-4D97-AF65-F5344CB8AC3E}">
         <p14:creationId xmlns:p14="http://schemas.microsoft.com/office/powerpoint/2010/main" val="1065892096"/>
+      </p:ext>
+    </p:extLst>
+  </p:cSld>
+  <p:clrMapOvr>
+    <a:masterClrMapping/>
+  </p:clrMapOvr>
+</p:notes>
+</file>
+
+<file path=ppt/notesSlides/notesSlide5.xml><?xml version="1.0" encoding="utf-8"?>
+<p:notes xmlns:a="http://schemas.openxmlformats.org/drawingml/2006/main" xmlns:r="http://schemas.openxmlformats.org/officeDocument/2006/relationships" xmlns:p="http://schemas.openxmlformats.org/presentationml/2006/main">
+  <p:cSld>
+    <p:spTree>
+      <p:nvGrpSpPr>
+        <p:cNvPr id="1" name=""/>
+        <p:cNvGrpSpPr/>
+        <p:nvPr/>
+      </p:nvGrpSpPr>
+      <p:grpSpPr>
+        <a:xfrm>
+          <a:off x="0" y="0"/>
+          <a:ext cx="0" cy="0"/>
+          <a:chOff x="0" y="0"/>
+          <a:chExt cx="0" cy="0"/>
+        </a:xfrm>
+      </p:grpSpPr>
+      <p:sp>
+        <p:nvSpPr>
+          <p:cNvPr id="2" name="Slide Image Placeholder 1"/>
+          <p:cNvSpPr>
+            <a:spLocks noGrp="1" noRot="1" noChangeAspect="1"/>
+          </p:cNvSpPr>
+          <p:nvPr>
+            <p:ph type="sldImg"/>
+          </p:nvPr>
+        </p:nvSpPr>
+        <p:spPr/>
+      </p:sp>
+      <p:sp>
+        <p:nvSpPr>
+          <p:cNvPr id="3" name="Notes Placeholder 2"/>
+          <p:cNvSpPr>
+            <a:spLocks noGrp="1"/>
+          </p:cNvSpPr>
+          <p:nvPr>
+            <p:ph type="body" idx="1"/>
+          </p:nvPr>
+        </p:nvSpPr>
+        <p:spPr/>
+        <p:txBody>
+          <a:bodyPr/>
+          <a:lstStyle/>
+          <a:p>
+            <a:pPr marL="0" marR="0" lvl="0" indent="0" algn="l" defTabSz="914400" rtl="0" eaLnBrk="1" fontAlgn="auto" latinLnBrk="0" hangingPunct="1">
+              <a:lnSpc>
+                <a:spcPct val="100000"/>
+              </a:lnSpc>
+              <a:spcBef>
+                <a:spcPts val="0"/>
+              </a:spcBef>
+              <a:spcAft>
+                <a:spcPts val="0"/>
+              </a:spcAft>
+              <a:buClrTx/>
+              <a:buSzTx/>
+              <a:buFontTx/>
+              <a:buNone/>
+              <a:tabLst/>
+              <a:defRPr/>
+            </a:pPr>
+            <a:r>
+              <a:rPr lang="en-US" dirty="0"/>
+              <a:t>Parameters, Input map: some file</a:t>
+            </a:r>
+          </a:p>
+          <a:p>
+            <a:pPr marL="0" marR="0" lvl="0" indent="0" algn="l" defTabSz="914400" rtl="0" eaLnBrk="1" fontAlgn="auto" latinLnBrk="0" hangingPunct="1">
+              <a:lnSpc>
+                <a:spcPct val="100000"/>
+              </a:lnSpc>
+              <a:spcBef>
+                <a:spcPts val="0"/>
+              </a:spcBef>
+              <a:spcAft>
+                <a:spcPts val="0"/>
+              </a:spcAft>
+              <a:buClrTx/>
+              <a:buSzTx/>
+              <a:buFontTx/>
+              <a:buNone/>
+              <a:tabLst/>
+              <a:defRPr/>
+            </a:pPr>
+            <a:endParaRPr lang="en-US" dirty="0"/>
+          </a:p>
+          <a:p>
+            <a:pPr marL="228600" marR="0" lvl="0" indent="-228600" algn="l" defTabSz="914400" rtl="0" eaLnBrk="1" fontAlgn="auto" latinLnBrk="0" hangingPunct="1">
+              <a:lnSpc>
+                <a:spcPct val="100000"/>
+              </a:lnSpc>
+              <a:spcBef>
+                <a:spcPts val="0"/>
+              </a:spcBef>
+              <a:spcAft>
+                <a:spcPts val="0"/>
+              </a:spcAft>
+              <a:buClrTx/>
+              <a:buSzTx/>
+              <a:buFontTx/>
+              <a:buAutoNum type="arabicPeriod"/>
+              <a:tabLst/>
+              <a:defRPr/>
+            </a:pPr>
+            <a:r>
+              <a:rPr lang="en-US" dirty="0"/>
+              <a:t>Continuous state</a:t>
+            </a:r>
+          </a:p>
+          <a:p>
+            <a:pPr marL="228600" marR="0" lvl="0" indent="-228600" algn="l" defTabSz="914400" rtl="0" eaLnBrk="1" fontAlgn="auto" latinLnBrk="0" hangingPunct="1">
+              <a:lnSpc>
+                <a:spcPct val="100000"/>
+              </a:lnSpc>
+              <a:spcBef>
+                <a:spcPts val="0"/>
+              </a:spcBef>
+              <a:spcAft>
+                <a:spcPts val="0"/>
+              </a:spcAft>
+              <a:buClrTx/>
+              <a:buSzTx/>
+              <a:buFontTx/>
+              <a:buAutoNum type="arabicPeriod"/>
+              <a:tabLst/>
+              <a:defRPr/>
+            </a:pPr>
+            <a:r>
+              <a:rPr lang="en-US" dirty="0"/>
+              <a:t>Collision state penalty?</a:t>
+            </a:r>
+          </a:p>
+          <a:p>
+            <a:pPr marL="228600" marR="0" lvl="0" indent="-228600" algn="l" defTabSz="914400" rtl="0" eaLnBrk="1" fontAlgn="auto" latinLnBrk="0" hangingPunct="1">
+              <a:lnSpc>
+                <a:spcPct val="100000"/>
+              </a:lnSpc>
+              <a:spcBef>
+                <a:spcPts val="0"/>
+              </a:spcBef>
+              <a:spcAft>
+                <a:spcPts val="0"/>
+              </a:spcAft>
+              <a:buClrTx/>
+              <a:buSzTx/>
+              <a:buFontTx/>
+              <a:buAutoNum type="arabicPeriod"/>
+              <a:tabLst/>
+              <a:defRPr/>
+            </a:pPr>
+            <a:endParaRPr lang="en-US" dirty="0"/>
+          </a:p>
+          <a:p>
+            <a:pPr marL="0" marR="0" lvl="0" indent="0" algn="l" defTabSz="914400" rtl="0" eaLnBrk="1" fontAlgn="auto" latinLnBrk="0" hangingPunct="1">
+              <a:lnSpc>
+                <a:spcPct val="100000"/>
+              </a:lnSpc>
+              <a:spcBef>
+                <a:spcPts val="0"/>
+              </a:spcBef>
+              <a:spcAft>
+                <a:spcPts val="0"/>
+              </a:spcAft>
+              <a:buClrTx/>
+              <a:buSzTx/>
+              <a:buFontTx/>
+              <a:buNone/>
+              <a:tabLst/>
+              <a:defRPr/>
+            </a:pPr>
+            <a:endParaRPr lang="en-US" dirty="0"/>
+          </a:p>
+          <a:p>
+            <a:pPr marL="0" marR="0" lvl="0" indent="0" algn="l" defTabSz="914400" rtl="0" eaLnBrk="1" fontAlgn="auto" latinLnBrk="0" hangingPunct="1">
+              <a:lnSpc>
+                <a:spcPct val="100000"/>
+              </a:lnSpc>
+              <a:spcBef>
+                <a:spcPts val="0"/>
+              </a:spcBef>
+              <a:spcAft>
+                <a:spcPts val="0"/>
+              </a:spcAft>
+              <a:buClrTx/>
+              <a:buSzTx/>
+              <a:buFontTx/>
+              <a:buNone/>
+              <a:tabLst/>
+              <a:defRPr/>
+            </a:pPr>
+            <a:endParaRPr lang="en-US" dirty="0"/>
+          </a:p>
+          <a:p>
+            <a:pPr marL="0" marR="0" lvl="0" indent="0" algn="l" defTabSz="914400" rtl="0" eaLnBrk="1" fontAlgn="auto" latinLnBrk="0" hangingPunct="1">
+              <a:lnSpc>
+                <a:spcPct val="100000"/>
+              </a:lnSpc>
+              <a:spcBef>
+                <a:spcPts val="0"/>
+              </a:spcBef>
+              <a:spcAft>
+                <a:spcPts val="0"/>
+              </a:spcAft>
+              <a:buClrTx/>
+              <a:buSzTx/>
+              <a:buFontTx/>
+              <a:buNone/>
+              <a:tabLst/>
+              <a:defRPr/>
+            </a:pPr>
+            <a:endParaRPr lang="en-US"/>
+          </a:p>
+          <a:p>
+            <a:pPr marL="0" marR="0" lvl="0" indent="0" algn="l" defTabSz="914400" rtl="0" eaLnBrk="1" fontAlgn="auto" latinLnBrk="0" hangingPunct="1">
+              <a:lnSpc>
+                <a:spcPct val="100000"/>
+              </a:lnSpc>
+              <a:spcBef>
+                <a:spcPts val="0"/>
+              </a:spcBef>
+              <a:spcAft>
+                <a:spcPts val="0"/>
+              </a:spcAft>
+              <a:buClrTx/>
+              <a:buSzTx/>
+              <a:buFontTx/>
+              <a:buNone/>
+              <a:tabLst/>
+              <a:defRPr/>
+            </a:pPr>
+            <a:endParaRPr lang="en-US" dirty="0"/>
+          </a:p>
+        </p:txBody>
+      </p:sp>
+      <p:sp>
+        <p:nvSpPr>
+          <p:cNvPr id="4" name="Slide Number Placeholder 3"/>
+          <p:cNvSpPr>
+            <a:spLocks noGrp="1"/>
+          </p:cNvSpPr>
+          <p:nvPr>
+            <p:ph type="sldNum" sz="quarter" idx="5"/>
+          </p:nvPr>
+        </p:nvSpPr>
+        <p:spPr/>
+        <p:txBody>
+          <a:bodyPr/>
+          <a:lstStyle/>
+          <a:p>
+            <a:fld id="{C1BFEB3D-3DA2-4474-AB58-9A7D56BBFD54}" type="slidenum">
+              <a:rPr lang="en-US" smtClean="0"/>
+              <a:t>24</a:t>
+            </a:fld>
+            <a:endParaRPr lang="en-US"/>
+          </a:p>
+        </p:txBody>
+      </p:sp>
+    </p:spTree>
+    <p:extLst>
+      <p:ext uri="{BB962C8B-B14F-4D97-AF65-F5344CB8AC3E}">
+        <p14:creationId xmlns:p14="http://schemas.microsoft.com/office/powerpoint/2010/main" val="3401035893"/>
+      </p:ext>
+    </p:extLst>
+  </p:cSld>
+  <p:clrMapOvr>
+    <a:masterClrMapping/>
+  </p:clrMapOvr>
+</p:notes>
+</file>
+
+<file path=ppt/notesSlides/notesSlide6.xml><?xml version="1.0" encoding="utf-8"?>
+<p:notes xmlns:a="http://schemas.openxmlformats.org/drawingml/2006/main" xmlns:r="http://schemas.openxmlformats.org/officeDocument/2006/relationships" xmlns:p="http://schemas.openxmlformats.org/presentationml/2006/main">
+  <p:cSld>
+    <p:spTree>
+      <p:nvGrpSpPr>
+        <p:cNvPr id="1" name=""/>
+        <p:cNvGrpSpPr/>
+        <p:nvPr/>
+      </p:nvGrpSpPr>
+      <p:grpSpPr>
+        <a:xfrm>
+          <a:off x="0" y="0"/>
+          <a:ext cx="0" cy="0"/>
+          <a:chOff x="0" y="0"/>
+          <a:chExt cx="0" cy="0"/>
+        </a:xfrm>
+      </p:grpSpPr>
+      <p:sp>
+        <p:nvSpPr>
+          <p:cNvPr id="2" name="Slide Image Placeholder 1"/>
+          <p:cNvSpPr>
+            <a:spLocks noGrp="1" noRot="1" noChangeAspect="1"/>
+          </p:cNvSpPr>
+          <p:nvPr>
+            <p:ph type="sldImg"/>
+          </p:nvPr>
+        </p:nvSpPr>
+        <p:spPr/>
+      </p:sp>
+      <p:sp>
+        <p:nvSpPr>
+          <p:cNvPr id="3" name="Notes Placeholder 2"/>
+          <p:cNvSpPr>
+            <a:spLocks noGrp="1"/>
+          </p:cNvSpPr>
+          <p:nvPr>
+            <p:ph type="body" idx="1"/>
+          </p:nvPr>
+        </p:nvSpPr>
+        <p:spPr/>
+        <p:txBody>
+          <a:bodyPr/>
+          <a:lstStyle/>
+          <a:p>
+            <a:pPr marL="0" marR="0" lvl="0" indent="0" algn="l" defTabSz="914400" rtl="0" eaLnBrk="1" fontAlgn="auto" latinLnBrk="0" hangingPunct="1">
+              <a:lnSpc>
+                <a:spcPct val="100000"/>
+              </a:lnSpc>
+              <a:spcBef>
+                <a:spcPts val="0"/>
+              </a:spcBef>
+              <a:spcAft>
+                <a:spcPts val="0"/>
+              </a:spcAft>
+              <a:buClrTx/>
+              <a:buSzTx/>
+              <a:buFontTx/>
+              <a:buNone/>
+              <a:tabLst/>
+              <a:defRPr/>
+            </a:pPr>
+            <a:r>
+              <a:rPr lang="en-US" dirty="0"/>
+              <a:t>Parameters, Input map: some file</a:t>
+            </a:r>
+          </a:p>
+          <a:p>
+            <a:pPr marL="0" marR="0" lvl="0" indent="0" algn="l" defTabSz="914400" rtl="0" eaLnBrk="1" fontAlgn="auto" latinLnBrk="0" hangingPunct="1">
+              <a:lnSpc>
+                <a:spcPct val="100000"/>
+              </a:lnSpc>
+              <a:spcBef>
+                <a:spcPts val="0"/>
+              </a:spcBef>
+              <a:spcAft>
+                <a:spcPts val="0"/>
+              </a:spcAft>
+              <a:buClrTx/>
+              <a:buSzTx/>
+              <a:buFontTx/>
+              <a:buNone/>
+              <a:tabLst/>
+              <a:defRPr/>
+            </a:pPr>
+            <a:endParaRPr lang="en-US" dirty="0"/>
+          </a:p>
+          <a:p>
+            <a:pPr marL="228600" marR="0" lvl="0" indent="-228600" algn="l" defTabSz="914400" rtl="0" eaLnBrk="1" fontAlgn="auto" latinLnBrk="0" hangingPunct="1">
+              <a:lnSpc>
+                <a:spcPct val="100000"/>
+              </a:lnSpc>
+              <a:spcBef>
+                <a:spcPts val="0"/>
+              </a:spcBef>
+              <a:spcAft>
+                <a:spcPts val="0"/>
+              </a:spcAft>
+              <a:buClrTx/>
+              <a:buSzTx/>
+              <a:buFontTx/>
+              <a:buAutoNum type="arabicPeriod"/>
+              <a:tabLst/>
+              <a:defRPr/>
+            </a:pPr>
+            <a:r>
+              <a:rPr lang="en-US" dirty="0"/>
+              <a:t>Continuous state</a:t>
+            </a:r>
+          </a:p>
+          <a:p>
+            <a:pPr marL="228600" marR="0" lvl="0" indent="-228600" algn="l" defTabSz="914400" rtl="0" eaLnBrk="1" fontAlgn="auto" latinLnBrk="0" hangingPunct="1">
+              <a:lnSpc>
+                <a:spcPct val="100000"/>
+              </a:lnSpc>
+              <a:spcBef>
+                <a:spcPts val="0"/>
+              </a:spcBef>
+              <a:spcAft>
+                <a:spcPts val="0"/>
+              </a:spcAft>
+              <a:buClrTx/>
+              <a:buSzTx/>
+              <a:buFontTx/>
+              <a:buAutoNum type="arabicPeriod"/>
+              <a:tabLst/>
+              <a:defRPr/>
+            </a:pPr>
+            <a:r>
+              <a:rPr lang="en-US" dirty="0"/>
+              <a:t>Collision state penalty?</a:t>
+            </a:r>
+          </a:p>
+          <a:p>
+            <a:pPr marL="228600" marR="0" lvl="0" indent="-228600" algn="l" defTabSz="914400" rtl="0" eaLnBrk="1" fontAlgn="auto" latinLnBrk="0" hangingPunct="1">
+              <a:lnSpc>
+                <a:spcPct val="100000"/>
+              </a:lnSpc>
+              <a:spcBef>
+                <a:spcPts val="0"/>
+              </a:spcBef>
+              <a:spcAft>
+                <a:spcPts val="0"/>
+              </a:spcAft>
+              <a:buClrTx/>
+              <a:buSzTx/>
+              <a:buFontTx/>
+              <a:buAutoNum type="arabicPeriod"/>
+              <a:tabLst/>
+              <a:defRPr/>
+            </a:pPr>
+            <a:endParaRPr lang="en-US" dirty="0"/>
+          </a:p>
+          <a:p>
+            <a:pPr marL="0" marR="0" lvl="0" indent="0" algn="l" defTabSz="914400" rtl="0" eaLnBrk="1" fontAlgn="auto" latinLnBrk="0" hangingPunct="1">
+              <a:lnSpc>
+                <a:spcPct val="100000"/>
+              </a:lnSpc>
+              <a:spcBef>
+                <a:spcPts val="0"/>
+              </a:spcBef>
+              <a:spcAft>
+                <a:spcPts val="0"/>
+              </a:spcAft>
+              <a:buClrTx/>
+              <a:buSzTx/>
+              <a:buFontTx/>
+              <a:buNone/>
+              <a:tabLst/>
+              <a:defRPr/>
+            </a:pPr>
+            <a:endParaRPr lang="en-US" dirty="0"/>
+          </a:p>
+          <a:p>
+            <a:pPr marL="0" marR="0" lvl="0" indent="0" algn="l" defTabSz="914400" rtl="0" eaLnBrk="1" fontAlgn="auto" latinLnBrk="0" hangingPunct="1">
+              <a:lnSpc>
+                <a:spcPct val="100000"/>
+              </a:lnSpc>
+              <a:spcBef>
+                <a:spcPts val="0"/>
+              </a:spcBef>
+              <a:spcAft>
+                <a:spcPts val="0"/>
+              </a:spcAft>
+              <a:buClrTx/>
+              <a:buSzTx/>
+              <a:buFontTx/>
+              <a:buNone/>
+              <a:tabLst/>
+              <a:defRPr/>
+            </a:pPr>
+            <a:endParaRPr lang="en-US" dirty="0"/>
+          </a:p>
+          <a:p>
+            <a:pPr marL="0" marR="0" lvl="0" indent="0" algn="l" defTabSz="914400" rtl="0" eaLnBrk="1" fontAlgn="auto" latinLnBrk="0" hangingPunct="1">
+              <a:lnSpc>
+                <a:spcPct val="100000"/>
+              </a:lnSpc>
+              <a:spcBef>
+                <a:spcPts val="0"/>
+              </a:spcBef>
+              <a:spcAft>
+                <a:spcPts val="0"/>
+              </a:spcAft>
+              <a:buClrTx/>
+              <a:buSzTx/>
+              <a:buFontTx/>
+              <a:buNone/>
+              <a:tabLst/>
+              <a:defRPr/>
+            </a:pPr>
+            <a:endParaRPr lang="en-US"/>
+          </a:p>
+          <a:p>
+            <a:pPr marL="0" marR="0" lvl="0" indent="0" algn="l" defTabSz="914400" rtl="0" eaLnBrk="1" fontAlgn="auto" latinLnBrk="0" hangingPunct="1">
+              <a:lnSpc>
+                <a:spcPct val="100000"/>
+              </a:lnSpc>
+              <a:spcBef>
+                <a:spcPts val="0"/>
+              </a:spcBef>
+              <a:spcAft>
+                <a:spcPts val="0"/>
+              </a:spcAft>
+              <a:buClrTx/>
+              <a:buSzTx/>
+              <a:buFontTx/>
+              <a:buNone/>
+              <a:tabLst/>
+              <a:defRPr/>
+            </a:pPr>
+            <a:endParaRPr lang="en-US" dirty="0"/>
+          </a:p>
+        </p:txBody>
+      </p:sp>
+      <p:sp>
+        <p:nvSpPr>
+          <p:cNvPr id="4" name="Slide Number Placeholder 3"/>
+          <p:cNvSpPr>
+            <a:spLocks noGrp="1"/>
+          </p:cNvSpPr>
+          <p:nvPr>
+            <p:ph type="sldNum" sz="quarter" idx="5"/>
+          </p:nvPr>
+        </p:nvSpPr>
+        <p:spPr/>
+        <p:txBody>
+          <a:bodyPr/>
+          <a:lstStyle/>
+          <a:p>
+            <a:fld id="{C1BFEB3D-3DA2-4474-AB58-9A7D56BBFD54}" type="slidenum">
+              <a:rPr lang="en-US" smtClean="0"/>
+              <a:t>25</a:t>
+            </a:fld>
+            <a:endParaRPr lang="en-US"/>
+          </a:p>
+        </p:txBody>
+      </p:sp>
+    </p:spTree>
+    <p:extLst>
+      <p:ext uri="{BB962C8B-B14F-4D97-AF65-F5344CB8AC3E}">
+        <p14:creationId xmlns:p14="http://schemas.microsoft.com/office/powerpoint/2010/main" val="130571702"/>
       </p:ext>
     </p:extLst>
   </p:cSld>
@@ -12517,8 +13059,8 @@
         </p:nvSpPr>
         <p:spPr>
           <a:xfrm>
-            <a:off x="569344" y="379562"/>
-            <a:ext cx="5848709" cy="369332"/>
+            <a:off x="67708" y="118918"/>
+            <a:ext cx="5848709" cy="646331"/>
           </a:xfrm>
           <a:prstGeom prst="rect">
             <a:avLst/>
@@ -12533,8 +13075,18 @@
           <a:p>
             <a:r>
               <a:rPr lang="en-US" dirty="0"/>
-              <a:t>Example 2   Rendezvous</a:t>
+              <a:t>Rendezvous </a:t>
             </a:r>
+            <a:r>
+              <a:rPr lang="en-US" altLang="zh-CN" dirty="0"/>
+              <a:t>example</a:t>
+            </a:r>
+          </a:p>
+          <a:p>
+            <a:r>
+              <a:rPr lang="en-US" dirty="0"/>
+              <a:t>   (Top-down view)</a:t>
+            </a:r>
           </a:p>
         </p:txBody>
       </p:sp>
@@ -12546,7 +13098,7 @@
         </p:nvSpPr>
         <p:spPr>
           <a:xfrm>
-            <a:off x="1828800" y="1285480"/>
+            <a:off x="3387634" y="226015"/>
             <a:ext cx="5477774" cy="3631720"/>
           </a:xfrm>
           <a:prstGeom prst="rect">
@@ -12590,7 +13142,7 @@
         </p:nvCxnSpPr>
         <p:spPr>
           <a:xfrm>
-            <a:off x="1828800" y="3101340"/>
+            <a:off x="3387634" y="2041875"/>
             <a:ext cx="5477774" cy="0"/>
           </a:xfrm>
           <a:prstGeom prst="line">
@@ -12627,7 +13179,7 @@
         </p:nvCxnSpPr>
         <p:spPr>
           <a:xfrm>
-            <a:off x="1835150" y="1285480"/>
+            <a:off x="3393984" y="226015"/>
             <a:ext cx="414068" cy="3592901"/>
           </a:xfrm>
           <a:prstGeom prst="line">
@@ -12657,7 +13209,7 @@
         </p:nvSpPr>
         <p:spPr>
           <a:xfrm>
-            <a:off x="1789981" y="1250974"/>
+            <a:off x="3348815" y="191509"/>
             <a:ext cx="77638" cy="77638"/>
           </a:xfrm>
           <a:prstGeom prst="ellipse">
@@ -12697,7 +13249,7 @@
         </p:nvSpPr>
         <p:spPr>
           <a:xfrm>
-            <a:off x="2210399" y="4878381"/>
+            <a:off x="3769233" y="3818916"/>
             <a:ext cx="77638" cy="77638"/>
           </a:xfrm>
           <a:prstGeom prst="ellipse">
@@ -12737,7 +13289,7 @@
         </p:nvSpPr>
         <p:spPr>
           <a:xfrm>
-            <a:off x="2697672" y="1250974"/>
+            <a:off x="4256506" y="191509"/>
             <a:ext cx="77638" cy="77638"/>
           </a:xfrm>
           <a:prstGeom prst="ellipse">
@@ -12777,7 +13329,7 @@
         </p:nvSpPr>
         <p:spPr>
           <a:xfrm>
-            <a:off x="3175599" y="4874068"/>
+            <a:off x="4734433" y="3814603"/>
             <a:ext cx="77638" cy="77638"/>
           </a:xfrm>
           <a:prstGeom prst="ellipse">
@@ -12817,7 +13369,7 @@
         </p:nvSpPr>
         <p:spPr>
           <a:xfrm>
-            <a:off x="4063161" y="4874068"/>
+            <a:off x="5621995" y="3814603"/>
             <a:ext cx="77638" cy="77638"/>
           </a:xfrm>
           <a:prstGeom prst="ellipse">
@@ -12857,7 +13409,7 @@
         </p:nvSpPr>
         <p:spPr>
           <a:xfrm>
-            <a:off x="4950723" y="4882215"/>
+            <a:off x="6509557" y="3822750"/>
             <a:ext cx="77638" cy="77638"/>
           </a:xfrm>
           <a:prstGeom prst="ellipse">
@@ -12897,7 +13449,7 @@
         </p:nvSpPr>
         <p:spPr>
           <a:xfrm>
-            <a:off x="3608179" y="1246661"/>
+            <a:off x="5167013" y="187196"/>
             <a:ext cx="77638" cy="77638"/>
           </a:xfrm>
           <a:prstGeom prst="ellipse">
@@ -12937,7 +13489,7 @@
         </p:nvSpPr>
         <p:spPr>
           <a:xfrm>
-            <a:off x="4535548" y="1253143"/>
+            <a:off x="6094382" y="193678"/>
             <a:ext cx="77638" cy="77638"/>
           </a:xfrm>
           <a:prstGeom prst="ellipse">
@@ -12977,7 +13529,7 @@
         </p:nvSpPr>
         <p:spPr>
           <a:xfrm>
-            <a:off x="5462917" y="1242827"/>
+            <a:off x="7021751" y="183362"/>
             <a:ext cx="77638" cy="77638"/>
           </a:xfrm>
           <a:prstGeom prst="ellipse">
@@ -13017,7 +13569,7 @@
         </p:nvSpPr>
         <p:spPr>
           <a:xfrm>
-            <a:off x="6385793" y="1247170"/>
+            <a:off x="7944627" y="187705"/>
             <a:ext cx="77638" cy="77638"/>
           </a:xfrm>
           <a:prstGeom prst="ellipse">
@@ -13060,7 +13612,7 @@
         </p:nvCxnSpPr>
         <p:spPr>
           <a:xfrm flipH="1">
-            <a:off x="2276667" y="1328612"/>
+            <a:off x="3835501" y="269147"/>
             <a:ext cx="459824" cy="3561139"/>
           </a:xfrm>
           <a:prstGeom prst="line">
@@ -13093,7 +13645,7 @@
         </p:nvCxnSpPr>
         <p:spPr>
           <a:xfrm>
-            <a:off x="2763940" y="1317242"/>
+            <a:off x="4322774" y="257777"/>
             <a:ext cx="450478" cy="3556826"/>
           </a:xfrm>
           <a:prstGeom prst="line">
@@ -13126,7 +13678,7 @@
         </p:nvCxnSpPr>
         <p:spPr>
           <a:xfrm flipH="1">
-            <a:off x="3253237" y="1324299"/>
+            <a:off x="4812071" y="264834"/>
             <a:ext cx="393761" cy="3588588"/>
           </a:xfrm>
           <a:prstGeom prst="line">
@@ -13159,7 +13711,7 @@
         </p:nvCxnSpPr>
         <p:spPr>
           <a:xfrm>
-            <a:off x="3646998" y="1324299"/>
+            <a:off x="5205832" y="264834"/>
             <a:ext cx="454982" cy="3549769"/>
           </a:xfrm>
           <a:prstGeom prst="line">
@@ -13192,7 +13744,7 @@
         </p:nvCxnSpPr>
         <p:spPr>
           <a:xfrm flipH="1">
-            <a:off x="4101980" y="1330781"/>
+            <a:off x="5660814" y="271316"/>
             <a:ext cx="472387" cy="3543287"/>
           </a:xfrm>
           <a:prstGeom prst="line">
@@ -13225,7 +13777,7 @@
         </p:nvCxnSpPr>
         <p:spPr>
           <a:xfrm>
-            <a:off x="4574367" y="1330781"/>
+            <a:off x="6133201" y="271316"/>
             <a:ext cx="415175" cy="3551434"/>
           </a:xfrm>
           <a:prstGeom prst="line">
@@ -13258,7 +13810,7 @@
         </p:nvCxnSpPr>
         <p:spPr>
           <a:xfrm flipH="1">
-            <a:off x="5016991" y="1320465"/>
+            <a:off x="6575825" y="261000"/>
             <a:ext cx="484745" cy="3573120"/>
           </a:xfrm>
           <a:prstGeom prst="line">
@@ -13288,7 +13840,7 @@
         </p:nvSpPr>
         <p:spPr>
           <a:xfrm>
-            <a:off x="5915923" y="4874068"/>
+            <a:off x="7474757" y="3814603"/>
             <a:ext cx="77638" cy="77638"/>
           </a:xfrm>
           <a:prstGeom prst="ellipse">
@@ -13331,7 +13883,7 @@
         </p:nvCxnSpPr>
         <p:spPr>
           <a:xfrm>
-            <a:off x="5501736" y="1320465"/>
+            <a:off x="7060570" y="261000"/>
             <a:ext cx="453006" cy="3553603"/>
           </a:xfrm>
           <a:prstGeom prst="line">
@@ -13364,7 +13916,7 @@
         </p:nvCxnSpPr>
         <p:spPr>
           <a:xfrm flipH="1">
-            <a:off x="5954742" y="1324808"/>
+            <a:off x="7513576" y="265343"/>
             <a:ext cx="469870" cy="3549260"/>
           </a:xfrm>
           <a:prstGeom prst="line">
@@ -13394,7 +13946,7 @@
         </p:nvCxnSpPr>
         <p:spPr>
           <a:xfrm>
-            <a:off x="2249218" y="3103617"/>
+            <a:off x="3808052" y="2044152"/>
             <a:ext cx="166178" cy="0"/>
           </a:xfrm>
           <a:prstGeom prst="straightConnector1">
@@ -13430,7 +13982,7 @@
         </p:nvCxnSpPr>
         <p:spPr>
           <a:xfrm>
-            <a:off x="3170148" y="3101340"/>
+            <a:off x="4728982" y="2041875"/>
             <a:ext cx="166178" cy="0"/>
           </a:xfrm>
           <a:prstGeom prst="straightConnector1">
@@ -13466,7 +14018,7 @@
         </p:nvCxnSpPr>
         <p:spPr>
           <a:xfrm>
-            <a:off x="4057710" y="3103880"/>
+            <a:off x="5616544" y="2044415"/>
             <a:ext cx="166178" cy="0"/>
           </a:xfrm>
           <a:prstGeom prst="straightConnector1">
@@ -13502,7 +14054,7 @@
         </p:nvCxnSpPr>
         <p:spPr>
           <a:xfrm>
-            <a:off x="4912276" y="3104832"/>
+            <a:off x="6471110" y="2045367"/>
             <a:ext cx="166178" cy="0"/>
           </a:xfrm>
           <a:prstGeom prst="straightConnector1">
@@ -13538,7 +14090,7 @@
         </p:nvSpPr>
         <p:spPr>
           <a:xfrm>
-            <a:off x="1237073" y="2897264"/>
+            <a:off x="2795907" y="1837799"/>
             <a:ext cx="787400" cy="369332"/>
           </a:xfrm>
           <a:prstGeom prst="rect">
@@ -13576,7 +14128,7 @@
         </p:nvCxnSpPr>
         <p:spPr>
           <a:xfrm>
-            <a:off x="1931518" y="2129610"/>
+            <a:off x="3490352" y="1070145"/>
             <a:ext cx="33013" cy="296884"/>
           </a:xfrm>
           <a:prstGeom prst="straightConnector1">
@@ -13609,7 +14161,7 @@
         </p:nvCxnSpPr>
         <p:spPr>
           <a:xfrm>
-            <a:off x="2104825" y="3637927"/>
+            <a:off x="3663659" y="2578462"/>
             <a:ext cx="33013" cy="296884"/>
           </a:xfrm>
           <a:prstGeom prst="straightConnector1">
@@ -13642,7 +14194,7 @@
         </p:nvCxnSpPr>
         <p:spPr>
           <a:xfrm flipV="1">
-            <a:off x="2399156" y="3581400"/>
+            <a:off x="3957990" y="2521935"/>
             <a:ext cx="47886" cy="353411"/>
           </a:xfrm>
           <a:prstGeom prst="straightConnector1">
@@ -13675,7 +14227,7 @@
         </p:nvCxnSpPr>
         <p:spPr>
           <a:xfrm flipV="1">
-            <a:off x="2543952" y="2451122"/>
+            <a:off x="4102786" y="1391657"/>
             <a:ext cx="47886" cy="353411"/>
           </a:xfrm>
           <a:prstGeom prst="straightConnector1">
@@ -13708,7 +14260,7 @@
         </p:nvCxnSpPr>
         <p:spPr>
           <a:xfrm>
-            <a:off x="2908833" y="2444794"/>
+            <a:off x="4467667" y="1385329"/>
             <a:ext cx="33013" cy="296884"/>
           </a:xfrm>
           <a:prstGeom prst="straightConnector1">
@@ -13741,7 +14293,7 @@
         </p:nvCxnSpPr>
         <p:spPr>
           <a:xfrm>
-            <a:off x="3078651" y="3826606"/>
+            <a:off x="4637485" y="2767141"/>
             <a:ext cx="33013" cy="296884"/>
           </a:xfrm>
           <a:prstGeom prst="straightConnector1">
@@ -13774,7 +14326,7 @@
         </p:nvCxnSpPr>
         <p:spPr>
           <a:xfrm flipV="1">
-            <a:off x="3352800" y="3714752"/>
+            <a:off x="4911634" y="2655287"/>
             <a:ext cx="31412" cy="345279"/>
           </a:xfrm>
           <a:prstGeom prst="straightConnector1">
@@ -13807,7 +14359,7 @@
         </p:nvCxnSpPr>
         <p:spPr>
           <a:xfrm flipV="1">
-            <a:off x="3473231" y="2479636"/>
+            <a:off x="5032065" y="1420171"/>
             <a:ext cx="47886" cy="353411"/>
           </a:xfrm>
           <a:prstGeom prst="straightConnector1">
@@ -13840,7 +14392,7 @@
         </p:nvSpPr>
         <p:spPr>
           <a:xfrm>
-            <a:off x="1088475" y="1204864"/>
+            <a:off x="2647309" y="145399"/>
             <a:ext cx="937353" cy="369332"/>
           </a:xfrm>
           <a:prstGeom prst="rect">
@@ -13864,14 +14416,500 @@
       </p:sp>
       <p:sp>
         <p:nvSpPr>
-          <p:cNvPr id="86" name="TextBox 85"/>
+          <p:cNvPr id="87" name="Oval 86"/>
+          <p:cNvSpPr/>
+          <p:nvPr/>
+        </p:nvSpPr>
+        <p:spPr>
+          <a:xfrm>
+            <a:off x="3506865" y="1511639"/>
+            <a:ext cx="77638" cy="77638"/>
+          </a:xfrm>
+          <a:prstGeom prst="ellipse">
+            <a:avLst/>
+          </a:prstGeom>
+        </p:spPr>
+        <p:style>
+          <a:lnRef idx="2">
+            <a:schemeClr val="accent1">
+              <a:shade val="50000"/>
+            </a:schemeClr>
+          </a:lnRef>
+          <a:fillRef idx="1">
+            <a:schemeClr val="accent1"/>
+          </a:fillRef>
+          <a:effectRef idx="0">
+            <a:schemeClr val="accent1"/>
+          </a:effectRef>
+          <a:fontRef idx="minor">
+            <a:schemeClr val="lt1"/>
+          </a:fontRef>
+        </p:style>
+        <p:txBody>
+          <a:bodyPr rtlCol="0" anchor="ctr"/>
+          <a:lstStyle/>
+          <a:p>
+            <a:pPr algn="ctr"/>
+            <a:endParaRPr lang="en-US"/>
+          </a:p>
+        </p:txBody>
+      </p:sp>
+      <p:sp>
+        <p:nvSpPr>
+          <p:cNvPr id="88" name="Oval 87"/>
+          <p:cNvSpPr/>
+          <p:nvPr/>
+        </p:nvSpPr>
+        <p:spPr>
+          <a:xfrm>
+            <a:off x="3624749" y="2474842"/>
+            <a:ext cx="77638" cy="77638"/>
+          </a:xfrm>
+          <a:prstGeom prst="ellipse">
+            <a:avLst/>
+          </a:prstGeom>
+        </p:spPr>
+        <p:style>
+          <a:lnRef idx="2">
+            <a:schemeClr val="accent1">
+              <a:shade val="50000"/>
+            </a:schemeClr>
+          </a:lnRef>
+          <a:fillRef idx="1">
+            <a:schemeClr val="accent1"/>
+          </a:fillRef>
+          <a:effectRef idx="0">
+            <a:schemeClr val="accent1"/>
+          </a:effectRef>
+          <a:fontRef idx="minor">
+            <a:schemeClr val="lt1"/>
+          </a:fontRef>
+        </p:style>
+        <p:txBody>
+          <a:bodyPr rtlCol="0" anchor="ctr"/>
+          <a:lstStyle/>
+          <a:p>
+            <a:pPr algn="ctr"/>
+            <a:endParaRPr lang="en-US"/>
+          </a:p>
+        </p:txBody>
+      </p:sp>
+      <p:sp>
+        <p:nvSpPr>
+          <p:cNvPr id="89" name="Oval 88"/>
+          <p:cNvSpPr/>
+          <p:nvPr/>
+        </p:nvSpPr>
+        <p:spPr>
+          <a:xfrm>
+            <a:off x="3923799" y="2825648"/>
+            <a:ext cx="77638" cy="77638"/>
+          </a:xfrm>
+          <a:prstGeom prst="ellipse">
+            <a:avLst/>
+          </a:prstGeom>
+        </p:spPr>
+        <p:style>
+          <a:lnRef idx="2">
+            <a:schemeClr val="accent1">
+              <a:shade val="50000"/>
+            </a:schemeClr>
+          </a:lnRef>
+          <a:fillRef idx="1">
+            <a:schemeClr val="accent1"/>
+          </a:fillRef>
+          <a:effectRef idx="0">
+            <a:schemeClr val="accent1"/>
+          </a:effectRef>
+          <a:fontRef idx="minor">
+            <a:schemeClr val="lt1"/>
+          </a:fontRef>
+        </p:style>
+        <p:txBody>
+          <a:bodyPr rtlCol="0" anchor="ctr"/>
+          <a:lstStyle/>
+          <a:p>
+            <a:pPr algn="ctr"/>
+            <a:endParaRPr lang="en-US"/>
+          </a:p>
+        </p:txBody>
+      </p:sp>
+      <p:sp>
+        <p:nvSpPr>
+          <p:cNvPr id="90" name="Oval 89"/>
+          <p:cNvSpPr/>
+          <p:nvPr/>
+        </p:nvSpPr>
+        <p:spPr>
+          <a:xfrm>
+            <a:off x="4079905" y="1660425"/>
+            <a:ext cx="77638" cy="77638"/>
+          </a:xfrm>
+          <a:prstGeom prst="ellipse">
+            <a:avLst/>
+          </a:prstGeom>
+        </p:spPr>
+        <p:style>
+          <a:lnRef idx="2">
+            <a:schemeClr val="accent1">
+              <a:shade val="50000"/>
+            </a:schemeClr>
+          </a:lnRef>
+          <a:fillRef idx="1">
+            <a:schemeClr val="accent1"/>
+          </a:fillRef>
+          <a:effectRef idx="0">
+            <a:schemeClr val="accent1"/>
+          </a:effectRef>
+          <a:fontRef idx="minor">
+            <a:schemeClr val="lt1"/>
+          </a:fontRef>
+        </p:style>
+        <p:txBody>
+          <a:bodyPr rtlCol="0" anchor="ctr"/>
+          <a:lstStyle/>
+          <a:p>
+            <a:pPr algn="ctr"/>
+            <a:endParaRPr lang="en-US"/>
+          </a:p>
+        </p:txBody>
+      </p:sp>
+      <p:sp>
+        <p:nvSpPr>
+          <p:cNvPr id="91" name="Oval 90"/>
+          <p:cNvSpPr/>
+          <p:nvPr/>
+        </p:nvSpPr>
+        <p:spPr>
+          <a:xfrm>
+            <a:off x="4431082" y="1306246"/>
+            <a:ext cx="77638" cy="77638"/>
+          </a:xfrm>
+          <a:prstGeom prst="ellipse">
+            <a:avLst/>
+          </a:prstGeom>
+        </p:spPr>
+        <p:style>
+          <a:lnRef idx="2">
+            <a:schemeClr val="accent1">
+              <a:shade val="50000"/>
+            </a:schemeClr>
+          </a:lnRef>
+          <a:fillRef idx="1">
+            <a:schemeClr val="accent1"/>
+          </a:fillRef>
+          <a:effectRef idx="0">
+            <a:schemeClr val="accent1"/>
+          </a:effectRef>
+          <a:fontRef idx="minor">
+            <a:schemeClr val="lt1"/>
+          </a:fontRef>
+        </p:style>
+        <p:txBody>
+          <a:bodyPr rtlCol="0" anchor="ctr"/>
+          <a:lstStyle/>
+          <a:p>
+            <a:pPr algn="ctr"/>
+            <a:endParaRPr lang="en-US"/>
+          </a:p>
+        </p:txBody>
+      </p:sp>
+      <p:sp>
+        <p:nvSpPr>
+          <p:cNvPr id="92" name="Oval 91"/>
+          <p:cNvSpPr/>
+          <p:nvPr/>
+        </p:nvSpPr>
+        <p:spPr>
+          <a:xfrm>
+            <a:off x="4566159" y="2500178"/>
+            <a:ext cx="77638" cy="77638"/>
+          </a:xfrm>
+          <a:prstGeom prst="ellipse">
+            <a:avLst/>
+          </a:prstGeom>
+        </p:spPr>
+        <p:style>
+          <a:lnRef idx="2">
+            <a:schemeClr val="accent1">
+              <a:shade val="50000"/>
+            </a:schemeClr>
+          </a:lnRef>
+          <a:fillRef idx="1">
+            <a:schemeClr val="accent1"/>
+          </a:fillRef>
+          <a:effectRef idx="0">
+            <a:schemeClr val="accent1"/>
+          </a:effectRef>
+          <a:fontRef idx="minor">
+            <a:schemeClr val="lt1"/>
+          </a:fontRef>
+        </p:style>
+        <p:txBody>
+          <a:bodyPr rtlCol="0" anchor="ctr"/>
+          <a:lstStyle/>
+          <a:p>
+            <a:pPr algn="ctr"/>
+            <a:endParaRPr lang="en-US"/>
+          </a:p>
+        </p:txBody>
+      </p:sp>
+      <p:sp>
+        <p:nvSpPr>
+          <p:cNvPr id="93" name="Oval 92"/>
+          <p:cNvSpPr/>
+          <p:nvPr/>
+        </p:nvSpPr>
+        <p:spPr>
+          <a:xfrm>
+            <a:off x="3867792" y="3250329"/>
+            <a:ext cx="77638" cy="77638"/>
+          </a:xfrm>
+          <a:prstGeom prst="ellipse">
+            <a:avLst/>
+          </a:prstGeom>
+        </p:spPr>
+        <p:style>
+          <a:lnRef idx="2">
+            <a:schemeClr val="accent1">
+              <a:shade val="50000"/>
+            </a:schemeClr>
+          </a:lnRef>
+          <a:fillRef idx="1">
+            <a:schemeClr val="accent1"/>
+          </a:fillRef>
+          <a:effectRef idx="0">
+            <a:schemeClr val="accent1"/>
+          </a:effectRef>
+          <a:fontRef idx="minor">
+            <a:schemeClr val="lt1"/>
+          </a:fontRef>
+        </p:style>
+        <p:txBody>
+          <a:bodyPr rtlCol="0" anchor="ctr"/>
+          <a:lstStyle/>
+          <a:p>
+            <a:pPr algn="ctr"/>
+            <a:endParaRPr lang="en-US"/>
+          </a:p>
+        </p:txBody>
+      </p:sp>
+      <p:sp>
+        <p:nvSpPr>
+          <p:cNvPr id="94" name="Oval 93"/>
+          <p:cNvSpPr/>
+          <p:nvPr/>
+        </p:nvSpPr>
+        <p:spPr>
+          <a:xfrm>
+            <a:off x="3696672" y="3172691"/>
+            <a:ext cx="77638" cy="77638"/>
+          </a:xfrm>
+          <a:prstGeom prst="ellipse">
+            <a:avLst/>
+          </a:prstGeom>
+        </p:spPr>
+        <p:style>
+          <a:lnRef idx="2">
+            <a:schemeClr val="accent1">
+              <a:shade val="50000"/>
+            </a:schemeClr>
+          </a:lnRef>
+          <a:fillRef idx="1">
+            <a:schemeClr val="accent1"/>
+          </a:fillRef>
+          <a:effectRef idx="0">
+            <a:schemeClr val="accent1"/>
+          </a:effectRef>
+          <a:fontRef idx="minor">
+            <a:schemeClr val="lt1"/>
+          </a:fontRef>
+        </p:style>
+        <p:txBody>
+          <a:bodyPr rtlCol="0" anchor="ctr"/>
+          <a:lstStyle/>
+          <a:p>
+            <a:pPr algn="ctr"/>
+            <a:endParaRPr lang="en-US"/>
+          </a:p>
+        </p:txBody>
+      </p:sp>
+      <p:sp>
+        <p:nvSpPr>
+          <p:cNvPr id="95" name="Oval 94"/>
+          <p:cNvSpPr/>
+          <p:nvPr/>
+        </p:nvSpPr>
+        <p:spPr>
+          <a:xfrm>
+            <a:off x="3452423" y="957770"/>
+            <a:ext cx="77638" cy="77638"/>
+          </a:xfrm>
+          <a:prstGeom prst="ellipse">
+            <a:avLst/>
+          </a:prstGeom>
+        </p:spPr>
+        <p:style>
+          <a:lnRef idx="2">
+            <a:schemeClr val="accent1">
+              <a:shade val="50000"/>
+            </a:schemeClr>
+          </a:lnRef>
+          <a:fillRef idx="1">
+            <a:schemeClr val="accent1"/>
+          </a:fillRef>
+          <a:effectRef idx="0">
+            <a:schemeClr val="accent1"/>
+          </a:effectRef>
+          <a:fontRef idx="minor">
+            <a:schemeClr val="lt1"/>
+          </a:fontRef>
+        </p:style>
+        <p:txBody>
+          <a:bodyPr rtlCol="0" anchor="ctr"/>
+          <a:lstStyle/>
+          <a:p>
+            <a:pPr algn="ctr"/>
+            <a:endParaRPr lang="en-US"/>
+          </a:p>
+        </p:txBody>
+      </p:sp>
+      <p:sp>
+        <p:nvSpPr>
+          <p:cNvPr id="96" name="Oval 95"/>
+          <p:cNvSpPr/>
+          <p:nvPr/>
+        </p:nvSpPr>
+        <p:spPr>
+          <a:xfrm>
+            <a:off x="4150619" y="1070145"/>
+            <a:ext cx="77638" cy="77638"/>
+          </a:xfrm>
+          <a:prstGeom prst="ellipse">
+            <a:avLst/>
+          </a:prstGeom>
+        </p:spPr>
+        <p:style>
+          <a:lnRef idx="2">
+            <a:schemeClr val="accent1">
+              <a:shade val="50000"/>
+            </a:schemeClr>
+          </a:lnRef>
+          <a:fillRef idx="1">
+            <a:schemeClr val="accent1"/>
+          </a:fillRef>
+          <a:effectRef idx="0">
+            <a:schemeClr val="accent1"/>
+          </a:effectRef>
+          <a:fontRef idx="minor">
+            <a:schemeClr val="lt1"/>
+          </a:fontRef>
+        </p:style>
+        <p:txBody>
+          <a:bodyPr rtlCol="0" anchor="ctr"/>
+          <a:lstStyle/>
+          <a:p>
+            <a:pPr algn="ctr"/>
+            <a:endParaRPr lang="en-US"/>
+          </a:p>
+        </p:txBody>
+      </p:sp>
+      <p:sp>
+        <p:nvSpPr>
+          <p:cNvPr id="97" name="Oval 96"/>
+          <p:cNvSpPr/>
+          <p:nvPr/>
+        </p:nvSpPr>
+        <p:spPr>
+          <a:xfrm>
+            <a:off x="4364271" y="847944"/>
+            <a:ext cx="77638" cy="77638"/>
+          </a:xfrm>
+          <a:prstGeom prst="ellipse">
+            <a:avLst/>
+          </a:prstGeom>
+        </p:spPr>
+        <p:style>
+          <a:lnRef idx="2">
+            <a:schemeClr val="accent1">
+              <a:shade val="50000"/>
+            </a:schemeClr>
+          </a:lnRef>
+          <a:fillRef idx="1">
+            <a:schemeClr val="accent1"/>
+          </a:fillRef>
+          <a:effectRef idx="0">
+            <a:schemeClr val="accent1"/>
+          </a:effectRef>
+          <a:fontRef idx="minor">
+            <a:schemeClr val="lt1"/>
+          </a:fontRef>
+        </p:style>
+        <p:txBody>
+          <a:bodyPr rtlCol="0" anchor="ctr"/>
+          <a:lstStyle/>
+          <a:p>
+            <a:pPr algn="ctr"/>
+            <a:endParaRPr lang="en-US"/>
+          </a:p>
+        </p:txBody>
+      </p:sp>
+      <p:sp>
+        <p:nvSpPr>
+          <p:cNvPr id="98" name="Oval 97"/>
+          <p:cNvSpPr/>
+          <p:nvPr/>
+        </p:nvSpPr>
+        <p:spPr>
+          <a:xfrm>
+            <a:off x="4654285" y="3211510"/>
+            <a:ext cx="77638" cy="77638"/>
+          </a:xfrm>
+          <a:prstGeom prst="ellipse">
+            <a:avLst/>
+          </a:prstGeom>
+        </p:spPr>
+        <p:style>
+          <a:lnRef idx="2">
+            <a:schemeClr val="accent1">
+              <a:shade val="50000"/>
+            </a:schemeClr>
+          </a:lnRef>
+          <a:fillRef idx="1">
+            <a:schemeClr val="accent1"/>
+          </a:fillRef>
+          <a:effectRef idx="0">
+            <a:schemeClr val="accent1"/>
+          </a:effectRef>
+          <a:fontRef idx="minor">
+            <a:schemeClr val="lt1"/>
+          </a:fontRef>
+        </p:style>
+        <p:txBody>
+          <a:bodyPr rtlCol="0" anchor="ctr"/>
+          <a:lstStyle/>
+          <a:p>
+            <a:pPr algn="ctr"/>
+            <a:endParaRPr lang="en-US"/>
+          </a:p>
+        </p:txBody>
+      </p:sp>
+      <p:sp>
+        <p:nvSpPr>
+          <p:cNvPr id="2" name="TextBox 1">
+            <a:extLst>
+              <a:ext uri="{FF2B5EF4-FFF2-40B4-BE49-F238E27FC236}">
+                <a16:creationId xmlns:a16="http://schemas.microsoft.com/office/drawing/2014/main" id="{BB43AC5C-9F06-43F7-87CE-091A6E990C07}"/>
+              </a:ext>
+            </a:extLst>
+          </p:cNvPr>
           <p:cNvSpPr txBox="1"/>
           <p:nvPr/>
         </p:nvSpPr>
         <p:spPr>
           <a:xfrm>
-            <a:off x="477766" y="5185493"/>
-            <a:ext cx="8179842" cy="1477328"/>
+            <a:off x="482177" y="4224306"/>
+            <a:ext cx="6428989" cy="1754326"/>
           </a:xfrm>
           <a:prstGeom prst="rect">
             <a:avLst/>
@@ -13890,7 +14928,7 @@
             </a:pPr>
             <a:r>
               <a:rPr lang="en-US" dirty="0"/>
-              <a:t>Energy range: enough to go from top to bottom and then go back </a:t>
+              <a:t>Move to next task with best endurance velocity</a:t>
             </a:r>
           </a:p>
           <a:p>
@@ -13900,7 +14938,7 @@
             </a:pPr>
             <a:r>
               <a:rPr lang="en-US" dirty="0"/>
-              <a:t>If UAV flies with best endurance velocity, the horizontal velocity will be slower than that of UGV</a:t>
+              <a:t>Move to next task with best range velocity</a:t>
             </a:r>
           </a:p>
           <a:p>
@@ -13910,488 +14948,510 @@
             </a:pPr>
             <a:r>
               <a:rPr lang="en-US" dirty="0"/>
-              <a:t>If UAV flies with best range velocity, the horizontal velocity will be faster than that of UGV</a:t>
+              <a:t>Rendezvous with        and return to task with</a:t>
             </a:r>
           </a:p>
-        </p:txBody>
-      </p:sp>
-      <p:sp>
-        <p:nvSpPr>
-          <p:cNvPr id="87" name="Oval 86"/>
-          <p:cNvSpPr/>
-          <p:nvPr/>
-        </p:nvSpPr>
-        <p:spPr>
-          <a:xfrm>
-            <a:off x="1948031" y="2571104"/>
-            <a:ext cx="77638" cy="77638"/>
-          </a:xfrm>
-          <a:prstGeom prst="ellipse">
-            <a:avLst/>
-          </a:prstGeom>
-        </p:spPr>
-        <p:style>
-          <a:lnRef idx="2">
-            <a:schemeClr val="accent1">
-              <a:shade val="50000"/>
-            </a:schemeClr>
-          </a:lnRef>
-          <a:fillRef idx="1">
-            <a:schemeClr val="accent1"/>
-          </a:fillRef>
-          <a:effectRef idx="0">
-            <a:schemeClr val="accent1"/>
-          </a:effectRef>
-          <a:fontRef idx="minor">
-            <a:schemeClr val="lt1"/>
-          </a:fontRef>
-        </p:style>
-        <p:txBody>
-          <a:bodyPr rtlCol="0" anchor="ctr"/>
-          <a:lstStyle/>
-          <a:p>
-            <a:pPr algn="ctr"/>
-            <a:endParaRPr lang="en-US"/>
-          </a:p>
-        </p:txBody>
-      </p:sp>
-      <p:sp>
-        <p:nvSpPr>
-          <p:cNvPr id="88" name="Oval 87"/>
-          <p:cNvSpPr/>
-          <p:nvPr/>
-        </p:nvSpPr>
-        <p:spPr>
-          <a:xfrm>
-            <a:off x="2065915" y="3534307"/>
-            <a:ext cx="77638" cy="77638"/>
-          </a:xfrm>
-          <a:prstGeom prst="ellipse">
-            <a:avLst/>
-          </a:prstGeom>
-        </p:spPr>
-        <p:style>
-          <a:lnRef idx="2">
-            <a:schemeClr val="accent1">
-              <a:shade val="50000"/>
-            </a:schemeClr>
-          </a:lnRef>
-          <a:fillRef idx="1">
-            <a:schemeClr val="accent1"/>
-          </a:fillRef>
-          <a:effectRef idx="0">
-            <a:schemeClr val="accent1"/>
-          </a:effectRef>
-          <a:fontRef idx="minor">
-            <a:schemeClr val="lt1"/>
-          </a:fontRef>
-        </p:style>
-        <p:txBody>
-          <a:bodyPr rtlCol="0" anchor="ctr"/>
-          <a:lstStyle/>
-          <a:p>
-            <a:pPr algn="ctr"/>
-            <a:endParaRPr lang="en-US"/>
-          </a:p>
-        </p:txBody>
-      </p:sp>
-      <p:sp>
-        <p:nvSpPr>
-          <p:cNvPr id="89" name="Oval 88"/>
-          <p:cNvSpPr/>
-          <p:nvPr/>
-        </p:nvSpPr>
-        <p:spPr>
-          <a:xfrm>
-            <a:off x="2364965" y="3885113"/>
-            <a:ext cx="77638" cy="77638"/>
-          </a:xfrm>
-          <a:prstGeom prst="ellipse">
-            <a:avLst/>
-          </a:prstGeom>
-        </p:spPr>
-        <p:style>
-          <a:lnRef idx="2">
-            <a:schemeClr val="accent1">
-              <a:shade val="50000"/>
-            </a:schemeClr>
-          </a:lnRef>
-          <a:fillRef idx="1">
-            <a:schemeClr val="accent1"/>
-          </a:fillRef>
-          <a:effectRef idx="0">
-            <a:schemeClr val="accent1"/>
-          </a:effectRef>
-          <a:fontRef idx="minor">
-            <a:schemeClr val="lt1"/>
-          </a:fontRef>
-        </p:style>
-        <p:txBody>
-          <a:bodyPr rtlCol="0" anchor="ctr"/>
-          <a:lstStyle/>
-          <a:p>
-            <a:pPr algn="ctr"/>
-            <a:endParaRPr lang="en-US"/>
-          </a:p>
-        </p:txBody>
-      </p:sp>
-      <p:sp>
-        <p:nvSpPr>
-          <p:cNvPr id="90" name="Oval 89"/>
-          <p:cNvSpPr/>
-          <p:nvPr/>
-        </p:nvSpPr>
-        <p:spPr>
-          <a:xfrm>
-            <a:off x="2521071" y="2719890"/>
-            <a:ext cx="77638" cy="77638"/>
-          </a:xfrm>
-          <a:prstGeom prst="ellipse">
-            <a:avLst/>
-          </a:prstGeom>
-        </p:spPr>
-        <p:style>
-          <a:lnRef idx="2">
-            <a:schemeClr val="accent1">
-              <a:shade val="50000"/>
-            </a:schemeClr>
-          </a:lnRef>
-          <a:fillRef idx="1">
-            <a:schemeClr val="accent1"/>
-          </a:fillRef>
-          <a:effectRef idx="0">
-            <a:schemeClr val="accent1"/>
-          </a:effectRef>
-          <a:fontRef idx="minor">
-            <a:schemeClr val="lt1"/>
-          </a:fontRef>
-        </p:style>
-        <p:txBody>
-          <a:bodyPr rtlCol="0" anchor="ctr"/>
-          <a:lstStyle/>
-          <a:p>
-            <a:pPr algn="ctr"/>
-            <a:endParaRPr lang="en-US"/>
-          </a:p>
-        </p:txBody>
-      </p:sp>
-      <p:sp>
-        <p:nvSpPr>
-          <p:cNvPr id="91" name="Oval 90"/>
-          <p:cNvSpPr/>
-          <p:nvPr/>
-        </p:nvSpPr>
-        <p:spPr>
-          <a:xfrm>
-            <a:off x="2872248" y="2365711"/>
-            <a:ext cx="77638" cy="77638"/>
-          </a:xfrm>
-          <a:prstGeom prst="ellipse">
-            <a:avLst/>
-          </a:prstGeom>
-        </p:spPr>
-        <p:style>
-          <a:lnRef idx="2">
-            <a:schemeClr val="accent1">
-              <a:shade val="50000"/>
-            </a:schemeClr>
-          </a:lnRef>
-          <a:fillRef idx="1">
-            <a:schemeClr val="accent1"/>
-          </a:fillRef>
-          <a:effectRef idx="0">
-            <a:schemeClr val="accent1"/>
-          </a:effectRef>
-          <a:fontRef idx="minor">
-            <a:schemeClr val="lt1"/>
-          </a:fontRef>
-        </p:style>
-        <p:txBody>
-          <a:bodyPr rtlCol="0" anchor="ctr"/>
-          <a:lstStyle/>
-          <a:p>
-            <a:pPr algn="ctr"/>
-            <a:endParaRPr lang="en-US"/>
-          </a:p>
-        </p:txBody>
-      </p:sp>
-      <p:sp>
-        <p:nvSpPr>
-          <p:cNvPr id="92" name="Oval 91"/>
-          <p:cNvSpPr/>
-          <p:nvPr/>
-        </p:nvSpPr>
-        <p:spPr>
-          <a:xfrm>
-            <a:off x="3007325" y="3559643"/>
-            <a:ext cx="77638" cy="77638"/>
-          </a:xfrm>
-          <a:prstGeom prst="ellipse">
-            <a:avLst/>
-          </a:prstGeom>
-        </p:spPr>
-        <p:style>
-          <a:lnRef idx="2">
-            <a:schemeClr val="accent1">
-              <a:shade val="50000"/>
-            </a:schemeClr>
-          </a:lnRef>
-          <a:fillRef idx="1">
-            <a:schemeClr val="accent1"/>
-          </a:fillRef>
-          <a:effectRef idx="0">
-            <a:schemeClr val="accent1"/>
-          </a:effectRef>
-          <a:fontRef idx="minor">
-            <a:schemeClr val="lt1"/>
-          </a:fontRef>
-        </p:style>
-        <p:txBody>
-          <a:bodyPr rtlCol="0" anchor="ctr"/>
-          <a:lstStyle/>
-          <a:p>
-            <a:pPr algn="ctr"/>
-            <a:endParaRPr lang="en-US"/>
-          </a:p>
-        </p:txBody>
-      </p:sp>
-      <p:sp>
-        <p:nvSpPr>
-          <p:cNvPr id="93" name="Oval 92"/>
-          <p:cNvSpPr/>
-          <p:nvPr/>
-        </p:nvSpPr>
-        <p:spPr>
-          <a:xfrm>
-            <a:off x="2308958" y="4309794"/>
-            <a:ext cx="77638" cy="77638"/>
-          </a:xfrm>
-          <a:prstGeom prst="ellipse">
-            <a:avLst/>
-          </a:prstGeom>
-        </p:spPr>
-        <p:style>
-          <a:lnRef idx="2">
-            <a:schemeClr val="accent1">
-              <a:shade val="50000"/>
-            </a:schemeClr>
-          </a:lnRef>
-          <a:fillRef idx="1">
-            <a:schemeClr val="accent1"/>
-          </a:fillRef>
-          <a:effectRef idx="0">
-            <a:schemeClr val="accent1"/>
-          </a:effectRef>
-          <a:fontRef idx="minor">
-            <a:schemeClr val="lt1"/>
-          </a:fontRef>
-        </p:style>
-        <p:txBody>
-          <a:bodyPr rtlCol="0" anchor="ctr"/>
-          <a:lstStyle/>
-          <a:p>
-            <a:pPr algn="ctr"/>
-            <a:endParaRPr lang="en-US"/>
-          </a:p>
-        </p:txBody>
-      </p:sp>
-      <p:sp>
-        <p:nvSpPr>
-          <p:cNvPr id="94" name="Oval 93"/>
-          <p:cNvSpPr/>
-          <p:nvPr/>
-        </p:nvSpPr>
-        <p:spPr>
-          <a:xfrm>
-            <a:off x="2137838" y="4232156"/>
-            <a:ext cx="77638" cy="77638"/>
-          </a:xfrm>
-          <a:prstGeom prst="ellipse">
-            <a:avLst/>
-          </a:prstGeom>
-        </p:spPr>
-        <p:style>
-          <a:lnRef idx="2">
-            <a:schemeClr val="accent1">
-              <a:shade val="50000"/>
-            </a:schemeClr>
-          </a:lnRef>
-          <a:fillRef idx="1">
-            <a:schemeClr val="accent1"/>
-          </a:fillRef>
-          <a:effectRef idx="0">
-            <a:schemeClr val="accent1"/>
-          </a:effectRef>
-          <a:fontRef idx="minor">
-            <a:schemeClr val="lt1"/>
-          </a:fontRef>
-        </p:style>
-        <p:txBody>
-          <a:bodyPr rtlCol="0" anchor="ctr"/>
-          <a:lstStyle/>
-          <a:p>
-            <a:pPr algn="ctr"/>
-            <a:endParaRPr lang="en-US"/>
-          </a:p>
-        </p:txBody>
-      </p:sp>
-      <p:sp>
-        <p:nvSpPr>
-          <p:cNvPr id="95" name="Oval 94"/>
-          <p:cNvSpPr/>
-          <p:nvPr/>
-        </p:nvSpPr>
-        <p:spPr>
-          <a:xfrm>
-            <a:off x="1893589" y="2017235"/>
-            <a:ext cx="77638" cy="77638"/>
-          </a:xfrm>
-          <a:prstGeom prst="ellipse">
-            <a:avLst/>
-          </a:prstGeom>
-        </p:spPr>
-        <p:style>
-          <a:lnRef idx="2">
-            <a:schemeClr val="accent1">
-              <a:shade val="50000"/>
-            </a:schemeClr>
-          </a:lnRef>
-          <a:fillRef idx="1">
-            <a:schemeClr val="accent1"/>
-          </a:fillRef>
-          <a:effectRef idx="0">
-            <a:schemeClr val="accent1"/>
-          </a:effectRef>
-          <a:fontRef idx="minor">
-            <a:schemeClr val="lt1"/>
-          </a:fontRef>
-        </p:style>
-        <p:txBody>
-          <a:bodyPr rtlCol="0" anchor="ctr"/>
-          <a:lstStyle/>
-          <a:p>
-            <a:pPr algn="ctr"/>
-            <a:endParaRPr lang="en-US"/>
-          </a:p>
-        </p:txBody>
-      </p:sp>
-      <p:sp>
-        <p:nvSpPr>
-          <p:cNvPr id="96" name="Oval 95"/>
-          <p:cNvSpPr/>
-          <p:nvPr/>
-        </p:nvSpPr>
-        <p:spPr>
-          <a:xfrm>
-            <a:off x="2591785" y="2129610"/>
-            <a:ext cx="77638" cy="77638"/>
-          </a:xfrm>
-          <a:prstGeom prst="ellipse">
-            <a:avLst/>
-          </a:prstGeom>
-        </p:spPr>
-        <p:style>
-          <a:lnRef idx="2">
-            <a:schemeClr val="accent1">
-              <a:shade val="50000"/>
-            </a:schemeClr>
-          </a:lnRef>
-          <a:fillRef idx="1">
-            <a:schemeClr val="accent1"/>
-          </a:fillRef>
-          <a:effectRef idx="0">
-            <a:schemeClr val="accent1"/>
-          </a:effectRef>
-          <a:fontRef idx="minor">
-            <a:schemeClr val="lt1"/>
-          </a:fontRef>
-        </p:style>
-        <p:txBody>
-          <a:bodyPr rtlCol="0" anchor="ctr"/>
-          <a:lstStyle/>
-          <a:p>
-            <a:pPr algn="ctr"/>
-            <a:endParaRPr lang="en-US"/>
-          </a:p>
-        </p:txBody>
-      </p:sp>
-      <p:sp>
-        <p:nvSpPr>
-          <p:cNvPr id="97" name="Oval 96"/>
-          <p:cNvSpPr/>
-          <p:nvPr/>
-        </p:nvSpPr>
-        <p:spPr>
-          <a:xfrm>
-            <a:off x="2805437" y="1907409"/>
-            <a:ext cx="77638" cy="77638"/>
-          </a:xfrm>
-          <a:prstGeom prst="ellipse">
-            <a:avLst/>
-          </a:prstGeom>
-        </p:spPr>
-        <p:style>
-          <a:lnRef idx="2">
-            <a:schemeClr val="accent1">
-              <a:shade val="50000"/>
-            </a:schemeClr>
-          </a:lnRef>
-          <a:fillRef idx="1">
-            <a:schemeClr val="accent1"/>
-          </a:fillRef>
-          <a:effectRef idx="0">
-            <a:schemeClr val="accent1"/>
-          </a:effectRef>
-          <a:fontRef idx="minor">
-            <a:schemeClr val="lt1"/>
-          </a:fontRef>
-        </p:style>
-        <p:txBody>
-          <a:bodyPr rtlCol="0" anchor="ctr"/>
-          <a:lstStyle/>
-          <a:p>
-            <a:pPr algn="ctr"/>
-            <a:endParaRPr lang="en-US"/>
-          </a:p>
-        </p:txBody>
-      </p:sp>
-      <p:sp>
-        <p:nvSpPr>
-          <p:cNvPr id="98" name="Oval 97"/>
-          <p:cNvSpPr/>
-          <p:nvPr/>
-        </p:nvSpPr>
-        <p:spPr>
-          <a:xfrm>
-            <a:off x="3095451" y="4270975"/>
-            <a:ext cx="77638" cy="77638"/>
-          </a:xfrm>
-          <a:prstGeom prst="ellipse">
-            <a:avLst/>
-          </a:prstGeom>
-        </p:spPr>
-        <p:style>
-          <a:lnRef idx="2">
-            <a:schemeClr val="accent1">
-              <a:shade val="50000"/>
-            </a:schemeClr>
-          </a:lnRef>
-          <a:fillRef idx="1">
-            <a:schemeClr val="accent1"/>
-          </a:fillRef>
-          <a:effectRef idx="0">
-            <a:schemeClr val="accent1"/>
-          </a:effectRef>
-          <a:fontRef idx="minor">
-            <a:schemeClr val="lt1"/>
-          </a:fontRef>
-        </p:style>
-        <p:txBody>
-          <a:bodyPr rtlCol="0" anchor="ctr"/>
-          <a:lstStyle/>
-          <a:p>
-            <a:pPr algn="ctr"/>
-            <a:endParaRPr lang="en-US"/>
+          <a:p>
+            <a:pPr marL="285750" indent="-285750">
+              <a:buFont typeface="Arial" panose="020B0604020202020204" pitchFamily="34" charset="0"/>
+              <a:buChar char="•"/>
+            </a:pPr>
+            <a:r>
+              <a:rPr lang="en-US" dirty="0"/>
+              <a:t>Rendezvous with        and return to task with</a:t>
+            </a:r>
+          </a:p>
+          <a:p>
+            <a:pPr marL="285750" indent="-285750">
+              <a:buFont typeface="Arial" panose="020B0604020202020204" pitchFamily="34" charset="0"/>
+              <a:buChar char="•"/>
+            </a:pPr>
+            <a:r>
+              <a:rPr lang="en-US" dirty="0"/>
+              <a:t>Rendezvous with        and return to task with</a:t>
+            </a:r>
+          </a:p>
+          <a:p>
+            <a:pPr marL="285750" indent="-285750">
+              <a:buFont typeface="Arial" panose="020B0604020202020204" pitchFamily="34" charset="0"/>
+              <a:buChar char="•"/>
+            </a:pPr>
+            <a:r>
+              <a:rPr lang="en-US" dirty="0"/>
+              <a:t>Rendezvous with        and return to task with</a:t>
+            </a:r>
+          </a:p>
+        </p:txBody>
+      </p:sp>
+      <p:sp>
+        <p:nvSpPr>
+          <p:cNvPr id="3" name="TextBox 2">
+            <a:extLst>
+              <a:ext uri="{FF2B5EF4-FFF2-40B4-BE49-F238E27FC236}">
+                <a16:creationId xmlns:a16="http://schemas.microsoft.com/office/drawing/2014/main" id="{83AC73A8-C76C-4DEA-8A43-28A522C33ECF}"/>
+              </a:ext>
+            </a:extLst>
+          </p:cNvPr>
+          <p:cNvSpPr txBox="1"/>
+          <p:nvPr/>
+        </p:nvSpPr>
+        <p:spPr>
+          <a:xfrm>
+            <a:off x="374336" y="3814603"/>
+            <a:ext cx="2891389" cy="369332"/>
+          </a:xfrm>
+          <a:prstGeom prst="rect">
+            <a:avLst/>
+          </a:prstGeom>
+          <a:noFill/>
+        </p:spPr>
+        <p:txBody>
+          <a:bodyPr wrap="square" rtlCol="0">
+            <a:spAutoFit/>
+          </a:bodyPr>
+          <a:lstStyle/>
+          <a:p>
+            <a:r>
+              <a:rPr lang="en-US" altLang="zh-CN" dirty="0"/>
+              <a:t>UAV actions at each node:</a:t>
+            </a:r>
+            <a:endParaRPr lang="en-US" dirty="0"/>
+          </a:p>
+        </p:txBody>
+      </p:sp>
+      <p:pic>
+        <p:nvPicPr>
+          <p:cNvPr id="7" name="Picture 6">
+            <a:extLst>
+              <a:ext uri="{FF2B5EF4-FFF2-40B4-BE49-F238E27FC236}">
+                <a16:creationId xmlns:a16="http://schemas.microsoft.com/office/drawing/2014/main" id="{63EAD178-65EB-4928-A51E-603F852612F9}"/>
+              </a:ext>
+            </a:extLst>
+          </p:cNvPr>
+          <p:cNvPicPr>
+            <a:picLocks noChangeAspect="1"/>
+          </p:cNvPicPr>
+          <p:nvPr>
+            <p:custDataLst>
+              <p:tags r:id="rId1"/>
+            </p:custDataLst>
+          </p:nvPr>
+        </p:nvPicPr>
+        <p:blipFill>
+          <a:blip r:embed="rId13" cstate="print">
+            <a:extLst>
+              <a:ext uri="{28A0092B-C50C-407E-A947-70E740481C1C}">
+                <a14:useLocalDpi xmlns:a14="http://schemas.microsoft.com/office/drawing/2010/main" val="0"/>
+              </a:ext>
+            </a:extLst>
+          </a:blip>
+          <a:stretch>
+            <a:fillRect/>
+          </a:stretch>
+        </p:blipFill>
+        <p:spPr>
+          <a:xfrm>
+            <a:off x="5387494" y="4374666"/>
+            <a:ext cx="262491" cy="135771"/>
+          </a:xfrm>
+          <a:prstGeom prst="rect">
+            <a:avLst/>
+          </a:prstGeom>
+        </p:spPr>
+      </p:pic>
+      <p:pic>
+        <p:nvPicPr>
+          <p:cNvPr id="9" name="Picture 8">
+            <a:extLst>
+              <a:ext uri="{FF2B5EF4-FFF2-40B4-BE49-F238E27FC236}">
+                <a16:creationId xmlns:a16="http://schemas.microsoft.com/office/drawing/2014/main" id="{2B9B0C0E-8CCF-4D1A-B5B7-C06A02744209}"/>
+              </a:ext>
+            </a:extLst>
+          </p:cNvPr>
+          <p:cNvPicPr>
+            <a:picLocks noChangeAspect="1"/>
+          </p:cNvPicPr>
+          <p:nvPr>
+            <p:custDataLst>
+              <p:tags r:id="rId2"/>
+            </p:custDataLst>
+          </p:nvPr>
+        </p:nvPicPr>
+        <p:blipFill>
+          <a:blip r:embed="rId14" cstate="print">
+            <a:extLst>
+              <a:ext uri="{28A0092B-C50C-407E-A947-70E740481C1C}">
+                <a14:useLocalDpi xmlns:a14="http://schemas.microsoft.com/office/drawing/2010/main" val="0"/>
+              </a:ext>
+            </a:extLst>
+          </a:blip>
+          <a:stretch>
+            <a:fillRect/>
+          </a:stretch>
+        </p:blipFill>
+        <p:spPr>
+          <a:xfrm>
+            <a:off x="4911634" y="4657168"/>
+            <a:ext cx="265782" cy="135771"/>
+          </a:xfrm>
+          <a:prstGeom prst="rect">
+            <a:avLst/>
+          </a:prstGeom>
+        </p:spPr>
+      </p:pic>
+      <p:pic>
+        <p:nvPicPr>
+          <p:cNvPr id="60" name="Picture 59">
+            <a:extLst>
+              <a:ext uri="{FF2B5EF4-FFF2-40B4-BE49-F238E27FC236}">
+                <a16:creationId xmlns:a16="http://schemas.microsoft.com/office/drawing/2014/main" id="{A946FB58-05A1-4D70-96F5-45381A18439F}"/>
+              </a:ext>
+            </a:extLst>
+          </p:cNvPr>
+          <p:cNvPicPr>
+            <a:picLocks noChangeAspect="1"/>
+          </p:cNvPicPr>
+          <p:nvPr>
+            <p:custDataLst>
+              <p:tags r:id="rId3"/>
+            </p:custDataLst>
+          </p:nvPr>
+        </p:nvPicPr>
+        <p:blipFill>
+          <a:blip r:embed="rId13" cstate="print">
+            <a:extLst>
+              <a:ext uri="{28A0092B-C50C-407E-A947-70E740481C1C}">
+                <a14:useLocalDpi xmlns:a14="http://schemas.microsoft.com/office/drawing/2010/main" val="0"/>
+              </a:ext>
+            </a:extLst>
+          </a:blip>
+          <a:stretch>
+            <a:fillRect/>
+          </a:stretch>
+        </p:blipFill>
+        <p:spPr>
+          <a:xfrm>
+            <a:off x="2516063" y="4909664"/>
+            <a:ext cx="262491" cy="135771"/>
+          </a:xfrm>
+          <a:prstGeom prst="rect">
+            <a:avLst/>
+          </a:prstGeom>
+        </p:spPr>
+      </p:pic>
+      <p:pic>
+        <p:nvPicPr>
+          <p:cNvPr id="62" name="Picture 61">
+            <a:extLst>
+              <a:ext uri="{FF2B5EF4-FFF2-40B4-BE49-F238E27FC236}">
+                <a16:creationId xmlns:a16="http://schemas.microsoft.com/office/drawing/2014/main" id="{15DDD408-86F3-431C-A337-307D55CFA23F}"/>
+              </a:ext>
+            </a:extLst>
+          </p:cNvPr>
+          <p:cNvPicPr>
+            <a:picLocks noChangeAspect="1"/>
+          </p:cNvPicPr>
+          <p:nvPr>
+            <p:custDataLst>
+              <p:tags r:id="rId4"/>
+            </p:custDataLst>
+          </p:nvPr>
+        </p:nvPicPr>
+        <p:blipFill>
+          <a:blip r:embed="rId13" cstate="print">
+            <a:extLst>
+              <a:ext uri="{28A0092B-C50C-407E-A947-70E740481C1C}">
+                <a14:useLocalDpi xmlns:a14="http://schemas.microsoft.com/office/drawing/2010/main" val="0"/>
+              </a:ext>
+            </a:extLst>
+          </a:blip>
+          <a:stretch>
+            <a:fillRect/>
+          </a:stretch>
+        </p:blipFill>
+        <p:spPr>
+          <a:xfrm>
+            <a:off x="5043787" y="4910538"/>
+            <a:ext cx="262491" cy="135771"/>
+          </a:xfrm>
+          <a:prstGeom prst="rect">
+            <a:avLst/>
+          </a:prstGeom>
+        </p:spPr>
+      </p:pic>
+      <p:pic>
+        <p:nvPicPr>
+          <p:cNvPr id="63" name="Picture 62">
+            <a:extLst>
+              <a:ext uri="{FF2B5EF4-FFF2-40B4-BE49-F238E27FC236}">
+                <a16:creationId xmlns:a16="http://schemas.microsoft.com/office/drawing/2014/main" id="{EB2D25DC-6664-4E20-BAD7-7CB53083C14D}"/>
+              </a:ext>
+            </a:extLst>
+          </p:cNvPr>
+          <p:cNvPicPr>
+            <a:picLocks noChangeAspect="1"/>
+          </p:cNvPicPr>
+          <p:nvPr>
+            <p:custDataLst>
+              <p:tags r:id="rId5"/>
+            </p:custDataLst>
+          </p:nvPr>
+        </p:nvPicPr>
+        <p:blipFill>
+          <a:blip r:embed="rId13" cstate="print">
+            <a:extLst>
+              <a:ext uri="{28A0092B-C50C-407E-A947-70E740481C1C}">
+                <a14:useLocalDpi xmlns:a14="http://schemas.microsoft.com/office/drawing/2010/main" val="0"/>
+              </a:ext>
+            </a:extLst>
+          </a:blip>
+          <a:stretch>
+            <a:fillRect/>
+          </a:stretch>
+        </p:blipFill>
+        <p:spPr>
+          <a:xfrm>
+            <a:off x="2507808" y="5196993"/>
+            <a:ext cx="262491" cy="135771"/>
+          </a:xfrm>
+          <a:prstGeom prst="rect">
+            <a:avLst/>
+          </a:prstGeom>
+        </p:spPr>
+      </p:pic>
+      <p:pic>
+        <p:nvPicPr>
+          <p:cNvPr id="64" name="Picture 63">
+            <a:extLst>
+              <a:ext uri="{FF2B5EF4-FFF2-40B4-BE49-F238E27FC236}">
+                <a16:creationId xmlns:a16="http://schemas.microsoft.com/office/drawing/2014/main" id="{E01E7500-5519-4CFE-8757-8FD707511E5C}"/>
+              </a:ext>
+            </a:extLst>
+          </p:cNvPr>
+          <p:cNvPicPr>
+            <a:picLocks noChangeAspect="1"/>
+          </p:cNvPicPr>
+          <p:nvPr>
+            <p:custDataLst>
+              <p:tags r:id="rId6"/>
+            </p:custDataLst>
+          </p:nvPr>
+        </p:nvPicPr>
+        <p:blipFill>
+          <a:blip r:embed="rId14" cstate="print">
+            <a:extLst>
+              <a:ext uri="{28A0092B-C50C-407E-A947-70E740481C1C}">
+                <a14:useLocalDpi xmlns:a14="http://schemas.microsoft.com/office/drawing/2010/main" val="0"/>
+              </a:ext>
+            </a:extLst>
+          </a:blip>
+          <a:stretch>
+            <a:fillRect/>
+          </a:stretch>
+        </p:blipFill>
+        <p:spPr>
+          <a:xfrm>
+            <a:off x="5063962" y="5204576"/>
+            <a:ext cx="265782" cy="135771"/>
+          </a:xfrm>
+          <a:prstGeom prst="rect">
+            <a:avLst/>
+          </a:prstGeom>
+        </p:spPr>
+      </p:pic>
+      <p:pic>
+        <p:nvPicPr>
+          <p:cNvPr id="65" name="Picture 64">
+            <a:extLst>
+              <a:ext uri="{FF2B5EF4-FFF2-40B4-BE49-F238E27FC236}">
+                <a16:creationId xmlns:a16="http://schemas.microsoft.com/office/drawing/2014/main" id="{625F7D67-FF10-49B0-885D-649303EED7F4}"/>
+              </a:ext>
+            </a:extLst>
+          </p:cNvPr>
+          <p:cNvPicPr>
+            <a:picLocks noChangeAspect="1"/>
+          </p:cNvPicPr>
+          <p:nvPr>
+            <p:custDataLst>
+              <p:tags r:id="rId7"/>
+            </p:custDataLst>
+          </p:nvPr>
+        </p:nvPicPr>
+        <p:blipFill>
+          <a:blip r:embed="rId14" cstate="print">
+            <a:extLst>
+              <a:ext uri="{28A0092B-C50C-407E-A947-70E740481C1C}">
+                <a14:useLocalDpi xmlns:a14="http://schemas.microsoft.com/office/drawing/2010/main" val="0"/>
+              </a:ext>
+            </a:extLst>
+          </a:blip>
+          <a:stretch>
+            <a:fillRect/>
+          </a:stretch>
+        </p:blipFill>
+        <p:spPr>
+          <a:xfrm>
+            <a:off x="2483988" y="5489179"/>
+            <a:ext cx="265782" cy="135771"/>
+          </a:xfrm>
+          <a:prstGeom prst="rect">
+            <a:avLst/>
+          </a:prstGeom>
+        </p:spPr>
+      </p:pic>
+      <p:pic>
+        <p:nvPicPr>
+          <p:cNvPr id="71" name="Picture 70">
+            <a:extLst>
+              <a:ext uri="{FF2B5EF4-FFF2-40B4-BE49-F238E27FC236}">
+                <a16:creationId xmlns:a16="http://schemas.microsoft.com/office/drawing/2014/main" id="{0C35437F-3EB2-4AB4-9C87-74251E4FC279}"/>
+              </a:ext>
+            </a:extLst>
+          </p:cNvPr>
+          <p:cNvPicPr>
+            <a:picLocks noChangeAspect="1"/>
+          </p:cNvPicPr>
+          <p:nvPr>
+            <p:custDataLst>
+              <p:tags r:id="rId8"/>
+            </p:custDataLst>
+          </p:nvPr>
+        </p:nvPicPr>
+        <p:blipFill>
+          <a:blip r:embed="rId14" cstate="print">
+            <a:extLst>
+              <a:ext uri="{28A0092B-C50C-407E-A947-70E740481C1C}">
+                <a14:useLocalDpi xmlns:a14="http://schemas.microsoft.com/office/drawing/2010/main" val="0"/>
+              </a:ext>
+            </a:extLst>
+          </a:blip>
+          <a:stretch>
+            <a:fillRect/>
+          </a:stretch>
+        </p:blipFill>
+        <p:spPr>
+          <a:xfrm>
+            <a:off x="2488336" y="5737378"/>
+            <a:ext cx="265782" cy="135771"/>
+          </a:xfrm>
+          <a:prstGeom prst="rect">
+            <a:avLst/>
+          </a:prstGeom>
+        </p:spPr>
+      </p:pic>
+      <p:pic>
+        <p:nvPicPr>
+          <p:cNvPr id="73" name="Picture 72">
+            <a:extLst>
+              <a:ext uri="{FF2B5EF4-FFF2-40B4-BE49-F238E27FC236}">
+                <a16:creationId xmlns:a16="http://schemas.microsoft.com/office/drawing/2014/main" id="{C6B34E10-BB6C-4028-B29C-A4A2478CEA4D}"/>
+              </a:ext>
+            </a:extLst>
+          </p:cNvPr>
+          <p:cNvPicPr>
+            <a:picLocks noChangeAspect="1"/>
+          </p:cNvPicPr>
+          <p:nvPr>
+            <p:custDataLst>
+              <p:tags r:id="rId9"/>
+            </p:custDataLst>
+          </p:nvPr>
+        </p:nvPicPr>
+        <p:blipFill>
+          <a:blip r:embed="rId14" cstate="print">
+            <a:extLst>
+              <a:ext uri="{28A0092B-C50C-407E-A947-70E740481C1C}">
+                <a14:useLocalDpi xmlns:a14="http://schemas.microsoft.com/office/drawing/2010/main" val="0"/>
+              </a:ext>
+            </a:extLst>
+          </a:blip>
+          <a:stretch>
+            <a:fillRect/>
+          </a:stretch>
+        </p:blipFill>
+        <p:spPr>
+          <a:xfrm>
+            <a:off x="5063962" y="5478592"/>
+            <a:ext cx="265782" cy="135771"/>
+          </a:xfrm>
+          <a:prstGeom prst="rect">
+            <a:avLst/>
+          </a:prstGeom>
+        </p:spPr>
+      </p:pic>
+      <p:pic>
+        <p:nvPicPr>
+          <p:cNvPr id="74" name="Picture 73">
+            <a:extLst>
+              <a:ext uri="{FF2B5EF4-FFF2-40B4-BE49-F238E27FC236}">
+                <a16:creationId xmlns:a16="http://schemas.microsoft.com/office/drawing/2014/main" id="{FD814BF6-AC39-4B06-8D2E-E227B2568DB9}"/>
+              </a:ext>
+            </a:extLst>
+          </p:cNvPr>
+          <p:cNvPicPr>
+            <a:picLocks noChangeAspect="1"/>
+          </p:cNvPicPr>
+          <p:nvPr>
+            <p:custDataLst>
+              <p:tags r:id="rId10"/>
+            </p:custDataLst>
+          </p:nvPr>
+        </p:nvPicPr>
+        <p:blipFill>
+          <a:blip r:embed="rId13" cstate="print">
+            <a:extLst>
+              <a:ext uri="{28A0092B-C50C-407E-A947-70E740481C1C}">
+                <a14:useLocalDpi xmlns:a14="http://schemas.microsoft.com/office/drawing/2010/main" val="0"/>
+              </a:ext>
+            </a:extLst>
+          </a:blip>
+          <a:stretch>
+            <a:fillRect/>
+          </a:stretch>
+        </p:blipFill>
+        <p:spPr>
+          <a:xfrm>
+            <a:off x="5040872" y="5734826"/>
+            <a:ext cx="262491" cy="135771"/>
+          </a:xfrm>
+          <a:prstGeom prst="rect">
+            <a:avLst/>
+          </a:prstGeom>
+        </p:spPr>
+      </p:pic>
+      <p:sp>
+        <p:nvSpPr>
+          <p:cNvPr id="77" name="TextBox 76">
+            <a:extLst>
+              <a:ext uri="{FF2B5EF4-FFF2-40B4-BE49-F238E27FC236}">
+                <a16:creationId xmlns:a16="http://schemas.microsoft.com/office/drawing/2014/main" id="{4CA5E1CB-644C-43B2-A3E7-97E349A9B538}"/>
+              </a:ext>
+            </a:extLst>
+          </p:cNvPr>
+          <p:cNvSpPr txBox="1"/>
+          <p:nvPr/>
+        </p:nvSpPr>
+        <p:spPr>
+          <a:xfrm>
+            <a:off x="385162" y="6056293"/>
+            <a:ext cx="4056747" cy="369332"/>
+          </a:xfrm>
+          <a:prstGeom prst="rect">
+            <a:avLst/>
+          </a:prstGeom>
+          <a:noFill/>
+        </p:spPr>
+        <p:txBody>
+          <a:bodyPr wrap="square" rtlCol="0">
+            <a:spAutoFit/>
+          </a:bodyPr>
+          <a:lstStyle/>
+          <a:p>
+            <a:r>
+              <a:rPr lang="en-US" altLang="zh-CN" dirty="0"/>
+              <a:t>Stochastic power consumption model</a:t>
+            </a:r>
+            <a:endParaRPr lang="en-US" dirty="0"/>
           </a:p>
         </p:txBody>
       </p:sp>
@@ -14409,6 +15469,2532 @@
 </file>
 
 <file path=ppt/slides/slide24.xml><?xml version="1.0" encoding="utf-8"?>
+<p:sld xmlns:a="http://schemas.openxmlformats.org/drawingml/2006/main" xmlns:r="http://schemas.openxmlformats.org/officeDocument/2006/relationships" xmlns:p="http://schemas.openxmlformats.org/presentationml/2006/main">
+  <p:cSld>
+    <p:spTree>
+      <p:nvGrpSpPr>
+        <p:cNvPr id="1" name=""/>
+        <p:cNvGrpSpPr/>
+        <p:nvPr/>
+      </p:nvGrpSpPr>
+      <p:grpSpPr>
+        <a:xfrm>
+          <a:off x="0" y="0"/>
+          <a:ext cx="0" cy="0"/>
+          <a:chOff x="0" y="0"/>
+          <a:chExt cx="0" cy="0"/>
+        </a:xfrm>
+      </p:grpSpPr>
+      <p:pic>
+        <p:nvPicPr>
+          <p:cNvPr id="8" name="Picture 7">
+            <a:extLst>
+              <a:ext uri="{FF2B5EF4-FFF2-40B4-BE49-F238E27FC236}">
+                <a16:creationId xmlns:a16="http://schemas.microsoft.com/office/drawing/2014/main" id="{6E48E293-5B3C-4EB8-A8EB-06592DCD9150}"/>
+              </a:ext>
+            </a:extLst>
+          </p:cNvPr>
+          <p:cNvPicPr>
+            <a:picLocks noChangeAspect="1"/>
+          </p:cNvPicPr>
+          <p:nvPr/>
+        </p:nvPicPr>
+        <p:blipFill>
+          <a:blip r:embed="rId3"/>
+          <a:stretch>
+            <a:fillRect/>
+          </a:stretch>
+        </p:blipFill>
+        <p:spPr>
+          <a:xfrm>
+            <a:off x="2551612" y="186451"/>
+            <a:ext cx="4707926" cy="3167080"/>
+          </a:xfrm>
+          <a:prstGeom prst="rect">
+            <a:avLst/>
+          </a:prstGeom>
+        </p:spPr>
+      </p:pic>
+      <p:sp>
+        <p:nvSpPr>
+          <p:cNvPr id="10" name="TextBox 9">
+            <a:extLst>
+              <a:ext uri="{FF2B5EF4-FFF2-40B4-BE49-F238E27FC236}">
+                <a16:creationId xmlns:a16="http://schemas.microsoft.com/office/drawing/2014/main" id="{8AEFC785-29EB-4950-8347-6E1AB5665972}"/>
+              </a:ext>
+            </a:extLst>
+          </p:cNvPr>
+          <p:cNvSpPr txBox="1"/>
+          <p:nvPr/>
+        </p:nvSpPr>
+        <p:spPr>
+          <a:xfrm>
+            <a:off x="345694" y="186451"/>
+            <a:ext cx="3413760" cy="369332"/>
+          </a:xfrm>
+          <a:prstGeom prst="rect">
+            <a:avLst/>
+          </a:prstGeom>
+          <a:noFill/>
+        </p:spPr>
+        <p:txBody>
+          <a:bodyPr wrap="square" rtlCol="0">
+            <a:spAutoFit/>
+          </a:bodyPr>
+          <a:lstStyle/>
+          <a:p>
+            <a:r>
+              <a:rPr lang="en-US" dirty="0"/>
+              <a:t>Simulation results</a:t>
+            </a:r>
+          </a:p>
+        </p:txBody>
+      </p:sp>
+      <p:pic>
+        <p:nvPicPr>
+          <p:cNvPr id="12" name="Picture 11">
+            <a:extLst>
+              <a:ext uri="{FF2B5EF4-FFF2-40B4-BE49-F238E27FC236}">
+                <a16:creationId xmlns:a16="http://schemas.microsoft.com/office/drawing/2014/main" id="{A3D0D0CB-4487-4943-BF99-9FCB93CD7671}"/>
+              </a:ext>
+            </a:extLst>
+          </p:cNvPr>
+          <p:cNvPicPr>
+            <a:picLocks noChangeAspect="1"/>
+          </p:cNvPicPr>
+          <p:nvPr/>
+        </p:nvPicPr>
+        <p:blipFill>
+          <a:blip r:embed="rId4"/>
+          <a:stretch>
+            <a:fillRect/>
+          </a:stretch>
+        </p:blipFill>
+        <p:spPr>
+          <a:xfrm>
+            <a:off x="2644757" y="3568028"/>
+            <a:ext cx="4707926" cy="3289972"/>
+          </a:xfrm>
+          <a:prstGeom prst="rect">
+            <a:avLst/>
+          </a:prstGeom>
+        </p:spPr>
+      </p:pic>
+    </p:spTree>
+    <p:extLst>
+      <p:ext uri="{BB962C8B-B14F-4D97-AF65-F5344CB8AC3E}">
+        <p14:creationId xmlns:p14="http://schemas.microsoft.com/office/powerpoint/2010/main" val="3739969458"/>
+      </p:ext>
+    </p:extLst>
+  </p:cSld>
+  <p:clrMapOvr>
+    <a:masterClrMapping/>
+  </p:clrMapOvr>
+</p:sld>
+</file>
+
+<file path=ppt/slides/slide25.xml><?xml version="1.0" encoding="utf-8"?>
+<p:sld xmlns:a="http://schemas.openxmlformats.org/drawingml/2006/main" xmlns:r="http://schemas.openxmlformats.org/officeDocument/2006/relationships" xmlns:p="http://schemas.openxmlformats.org/presentationml/2006/main">
+  <p:cSld>
+    <p:spTree>
+      <p:nvGrpSpPr>
+        <p:cNvPr id="1" name=""/>
+        <p:cNvGrpSpPr/>
+        <p:nvPr/>
+      </p:nvGrpSpPr>
+      <p:grpSpPr>
+        <a:xfrm>
+          <a:off x="0" y="0"/>
+          <a:ext cx="0" cy="0"/>
+          <a:chOff x="0" y="0"/>
+          <a:chExt cx="0" cy="0"/>
+        </a:xfrm>
+      </p:grpSpPr>
+      <p:sp>
+        <p:nvSpPr>
+          <p:cNvPr id="10" name="TextBox 9">
+            <a:extLst>
+              <a:ext uri="{FF2B5EF4-FFF2-40B4-BE49-F238E27FC236}">
+                <a16:creationId xmlns:a16="http://schemas.microsoft.com/office/drawing/2014/main" id="{8AEFC785-29EB-4950-8347-6E1AB5665972}"/>
+              </a:ext>
+            </a:extLst>
+          </p:cNvPr>
+          <p:cNvSpPr txBox="1"/>
+          <p:nvPr/>
+        </p:nvSpPr>
+        <p:spPr>
+          <a:xfrm>
+            <a:off x="345693" y="186451"/>
+            <a:ext cx="5558717" cy="369332"/>
+          </a:xfrm>
+          <a:prstGeom prst="rect">
+            <a:avLst/>
+          </a:prstGeom>
+          <a:noFill/>
+        </p:spPr>
+        <p:txBody>
+          <a:bodyPr wrap="square" rtlCol="0">
+            <a:spAutoFit/>
+          </a:bodyPr>
+          <a:lstStyle/>
+          <a:p>
+            <a:r>
+              <a:rPr lang="en-US" dirty="0"/>
+              <a:t>Problems with previous formulation: non-Markovian</a:t>
+            </a:r>
+          </a:p>
+        </p:txBody>
+      </p:sp>
+      <p:pic>
+        <p:nvPicPr>
+          <p:cNvPr id="3" name="Picture 2">
+            <a:extLst>
+              <a:ext uri="{FF2B5EF4-FFF2-40B4-BE49-F238E27FC236}">
+                <a16:creationId xmlns:a16="http://schemas.microsoft.com/office/drawing/2014/main" id="{BEDF44AA-D831-4327-B927-9B4F0E656432}"/>
+              </a:ext>
+            </a:extLst>
+          </p:cNvPr>
+          <p:cNvPicPr>
+            <a:picLocks noChangeAspect="1"/>
+          </p:cNvPicPr>
+          <p:nvPr>
+            <p:custDataLst>
+              <p:tags r:id="rId1"/>
+            </p:custDataLst>
+          </p:nvPr>
+        </p:nvPicPr>
+        <p:blipFill>
+          <a:blip r:embed="rId4" cstate="print">
+            <a:extLst>
+              <a:ext uri="{28A0092B-C50C-407E-A947-70E740481C1C}">
+                <a14:useLocalDpi xmlns:a14="http://schemas.microsoft.com/office/drawing/2010/main" val="0"/>
+              </a:ext>
+            </a:extLst>
+          </a:blip>
+          <a:stretch>
+            <a:fillRect/>
+          </a:stretch>
+        </p:blipFill>
+        <p:spPr>
+          <a:xfrm>
+            <a:off x="527187" y="2521809"/>
+            <a:ext cx="1323886" cy="251429"/>
+          </a:xfrm>
+          <a:prstGeom prst="rect">
+            <a:avLst/>
+          </a:prstGeom>
+        </p:spPr>
+      </p:pic>
+      <p:pic>
+        <p:nvPicPr>
+          <p:cNvPr id="7" name="Picture 6">
+            <a:extLst>
+              <a:ext uri="{FF2B5EF4-FFF2-40B4-BE49-F238E27FC236}">
+                <a16:creationId xmlns:a16="http://schemas.microsoft.com/office/drawing/2014/main" id="{5A750F6E-7BAD-4E09-94BD-CB8E453C8B4B}"/>
+              </a:ext>
+            </a:extLst>
+          </p:cNvPr>
+          <p:cNvPicPr>
+            <a:picLocks noChangeAspect="1"/>
+          </p:cNvPicPr>
+          <p:nvPr/>
+        </p:nvPicPr>
+        <p:blipFill>
+          <a:blip r:embed="rId5"/>
+          <a:stretch>
+            <a:fillRect/>
+          </a:stretch>
+        </p:blipFill>
+        <p:spPr>
+          <a:xfrm>
+            <a:off x="3125051" y="740644"/>
+            <a:ext cx="3391966" cy="1525028"/>
+          </a:xfrm>
+          <a:prstGeom prst="rect">
+            <a:avLst/>
+          </a:prstGeom>
+        </p:spPr>
+      </p:pic>
+      <p:sp>
+        <p:nvSpPr>
+          <p:cNvPr id="9" name="Rectangle 8">
+            <a:extLst>
+              <a:ext uri="{FF2B5EF4-FFF2-40B4-BE49-F238E27FC236}">
+                <a16:creationId xmlns:a16="http://schemas.microsoft.com/office/drawing/2014/main" id="{BB19BDBA-F588-415B-BB48-E965EBDCDA31}"/>
+              </a:ext>
+            </a:extLst>
+          </p:cNvPr>
+          <p:cNvSpPr/>
+          <p:nvPr/>
+        </p:nvSpPr>
+        <p:spPr>
+          <a:xfrm>
+            <a:off x="82837" y="3093489"/>
+            <a:ext cx="5073376" cy="3631720"/>
+          </a:xfrm>
+          <a:prstGeom prst="rect">
+            <a:avLst/>
+          </a:prstGeom>
+          <a:noFill/>
+        </p:spPr>
+        <p:style>
+          <a:lnRef idx="2">
+            <a:schemeClr val="accent1">
+              <a:shade val="50000"/>
+            </a:schemeClr>
+          </a:lnRef>
+          <a:fillRef idx="1">
+            <a:schemeClr val="accent1"/>
+          </a:fillRef>
+          <a:effectRef idx="0">
+            <a:schemeClr val="accent1"/>
+          </a:effectRef>
+          <a:fontRef idx="minor">
+            <a:schemeClr val="lt1"/>
+          </a:fontRef>
+        </p:style>
+        <p:txBody>
+          <a:bodyPr rtlCol="0" anchor="ctr"/>
+          <a:lstStyle/>
+          <a:p>
+            <a:pPr algn="ctr"/>
+            <a:endParaRPr lang="en-US"/>
+          </a:p>
+        </p:txBody>
+      </p:sp>
+      <p:cxnSp>
+        <p:nvCxnSpPr>
+          <p:cNvPr id="11" name="Straight Connector 10">
+            <a:extLst>
+              <a:ext uri="{FF2B5EF4-FFF2-40B4-BE49-F238E27FC236}">
+                <a16:creationId xmlns:a16="http://schemas.microsoft.com/office/drawing/2014/main" id="{4F9CA056-6829-49E6-B98C-02C06781C445}"/>
+              </a:ext>
+            </a:extLst>
+          </p:cNvPr>
+          <p:cNvCxnSpPr>
+            <a:cxnSpLocks/>
+            <a:endCxn id="9" idx="3"/>
+          </p:cNvCxnSpPr>
+          <p:nvPr/>
+        </p:nvCxnSpPr>
+        <p:spPr>
+          <a:xfrm flipV="1">
+            <a:off x="426636" y="4909349"/>
+            <a:ext cx="4729577" cy="1084"/>
+          </a:xfrm>
+          <a:prstGeom prst="line">
+            <a:avLst/>
+          </a:prstGeom>
+          <a:ln w="19050">
+            <a:solidFill>
+              <a:srgbClr val="FF0000"/>
+            </a:solidFill>
+          </a:ln>
+        </p:spPr>
+        <p:style>
+          <a:lnRef idx="1">
+            <a:schemeClr val="accent1"/>
+          </a:lnRef>
+          <a:fillRef idx="0">
+            <a:schemeClr val="accent1"/>
+          </a:fillRef>
+          <a:effectRef idx="0">
+            <a:schemeClr val="accent1"/>
+          </a:effectRef>
+          <a:fontRef idx="minor">
+            <a:schemeClr val="tx1"/>
+          </a:fontRef>
+        </p:style>
+      </p:cxnSp>
+      <p:cxnSp>
+        <p:nvCxnSpPr>
+          <p:cNvPr id="13" name="Straight Connector 12">
+            <a:extLst>
+              <a:ext uri="{FF2B5EF4-FFF2-40B4-BE49-F238E27FC236}">
+                <a16:creationId xmlns:a16="http://schemas.microsoft.com/office/drawing/2014/main" id="{0F9BE420-0BDB-4739-8DDC-2F1E9E46EFAE}"/>
+              </a:ext>
+            </a:extLst>
+          </p:cNvPr>
+          <p:cNvCxnSpPr>
+            <a:endCxn id="15" idx="0"/>
+          </p:cNvCxnSpPr>
+          <p:nvPr/>
+        </p:nvCxnSpPr>
+        <p:spPr>
+          <a:xfrm>
+            <a:off x="432986" y="3093489"/>
+            <a:ext cx="414068" cy="3592901"/>
+          </a:xfrm>
+          <a:prstGeom prst="line">
+            <a:avLst/>
+          </a:prstGeom>
+        </p:spPr>
+        <p:style>
+          <a:lnRef idx="1">
+            <a:schemeClr val="accent1"/>
+          </a:lnRef>
+          <a:fillRef idx="0">
+            <a:schemeClr val="accent1"/>
+          </a:fillRef>
+          <a:effectRef idx="0">
+            <a:schemeClr val="accent1"/>
+          </a:effectRef>
+          <a:fontRef idx="minor">
+            <a:schemeClr val="tx1"/>
+          </a:fontRef>
+        </p:style>
+      </p:cxnSp>
+      <p:sp>
+        <p:nvSpPr>
+          <p:cNvPr id="14" name="Oval 13">
+            <a:extLst>
+              <a:ext uri="{FF2B5EF4-FFF2-40B4-BE49-F238E27FC236}">
+                <a16:creationId xmlns:a16="http://schemas.microsoft.com/office/drawing/2014/main" id="{CBF693E6-BBF5-48BE-A0FB-7ECBA6159C46}"/>
+              </a:ext>
+            </a:extLst>
+          </p:cNvPr>
+          <p:cNvSpPr/>
+          <p:nvPr/>
+        </p:nvSpPr>
+        <p:spPr>
+          <a:xfrm>
+            <a:off x="387817" y="3058983"/>
+            <a:ext cx="77638" cy="77638"/>
+          </a:xfrm>
+          <a:prstGeom prst="ellipse">
+            <a:avLst/>
+          </a:prstGeom>
+        </p:spPr>
+        <p:style>
+          <a:lnRef idx="2">
+            <a:schemeClr val="accent1">
+              <a:shade val="50000"/>
+            </a:schemeClr>
+          </a:lnRef>
+          <a:fillRef idx="1">
+            <a:schemeClr val="accent1"/>
+          </a:fillRef>
+          <a:effectRef idx="0">
+            <a:schemeClr val="accent1"/>
+          </a:effectRef>
+          <a:fontRef idx="minor">
+            <a:schemeClr val="lt1"/>
+          </a:fontRef>
+        </p:style>
+        <p:txBody>
+          <a:bodyPr rtlCol="0" anchor="ctr"/>
+          <a:lstStyle/>
+          <a:p>
+            <a:pPr algn="ctr"/>
+            <a:endParaRPr lang="en-US"/>
+          </a:p>
+        </p:txBody>
+      </p:sp>
+      <p:sp>
+        <p:nvSpPr>
+          <p:cNvPr id="15" name="Oval 14">
+            <a:extLst>
+              <a:ext uri="{FF2B5EF4-FFF2-40B4-BE49-F238E27FC236}">
+                <a16:creationId xmlns:a16="http://schemas.microsoft.com/office/drawing/2014/main" id="{402EDF26-D5AD-471D-98C2-16C9A46903CB}"/>
+              </a:ext>
+            </a:extLst>
+          </p:cNvPr>
+          <p:cNvSpPr/>
+          <p:nvPr/>
+        </p:nvSpPr>
+        <p:spPr>
+          <a:xfrm>
+            <a:off x="808235" y="6686390"/>
+            <a:ext cx="77638" cy="77638"/>
+          </a:xfrm>
+          <a:prstGeom prst="ellipse">
+            <a:avLst/>
+          </a:prstGeom>
+        </p:spPr>
+        <p:style>
+          <a:lnRef idx="2">
+            <a:schemeClr val="accent1">
+              <a:shade val="50000"/>
+            </a:schemeClr>
+          </a:lnRef>
+          <a:fillRef idx="1">
+            <a:schemeClr val="accent1"/>
+          </a:fillRef>
+          <a:effectRef idx="0">
+            <a:schemeClr val="accent1"/>
+          </a:effectRef>
+          <a:fontRef idx="minor">
+            <a:schemeClr val="lt1"/>
+          </a:fontRef>
+        </p:style>
+        <p:txBody>
+          <a:bodyPr rtlCol="0" anchor="ctr"/>
+          <a:lstStyle/>
+          <a:p>
+            <a:pPr algn="ctr"/>
+            <a:endParaRPr lang="en-US"/>
+          </a:p>
+        </p:txBody>
+      </p:sp>
+      <p:sp>
+        <p:nvSpPr>
+          <p:cNvPr id="16" name="Oval 15">
+            <a:extLst>
+              <a:ext uri="{FF2B5EF4-FFF2-40B4-BE49-F238E27FC236}">
+                <a16:creationId xmlns:a16="http://schemas.microsoft.com/office/drawing/2014/main" id="{5E103C73-3BC8-4189-AA73-CE134F4A99F2}"/>
+              </a:ext>
+            </a:extLst>
+          </p:cNvPr>
+          <p:cNvSpPr/>
+          <p:nvPr/>
+        </p:nvSpPr>
+        <p:spPr>
+          <a:xfrm>
+            <a:off x="1295508" y="3058983"/>
+            <a:ext cx="77638" cy="77638"/>
+          </a:xfrm>
+          <a:prstGeom prst="ellipse">
+            <a:avLst/>
+          </a:prstGeom>
+        </p:spPr>
+        <p:style>
+          <a:lnRef idx="2">
+            <a:schemeClr val="accent1">
+              <a:shade val="50000"/>
+            </a:schemeClr>
+          </a:lnRef>
+          <a:fillRef idx="1">
+            <a:schemeClr val="accent1"/>
+          </a:fillRef>
+          <a:effectRef idx="0">
+            <a:schemeClr val="accent1"/>
+          </a:effectRef>
+          <a:fontRef idx="minor">
+            <a:schemeClr val="lt1"/>
+          </a:fontRef>
+        </p:style>
+        <p:txBody>
+          <a:bodyPr rtlCol="0" anchor="ctr"/>
+          <a:lstStyle/>
+          <a:p>
+            <a:pPr algn="ctr"/>
+            <a:endParaRPr lang="en-US"/>
+          </a:p>
+        </p:txBody>
+      </p:sp>
+      <p:sp>
+        <p:nvSpPr>
+          <p:cNvPr id="17" name="Oval 16">
+            <a:extLst>
+              <a:ext uri="{FF2B5EF4-FFF2-40B4-BE49-F238E27FC236}">
+                <a16:creationId xmlns:a16="http://schemas.microsoft.com/office/drawing/2014/main" id="{7A3CAEF1-DD70-4032-B727-D9C2657D03C4}"/>
+              </a:ext>
+            </a:extLst>
+          </p:cNvPr>
+          <p:cNvSpPr/>
+          <p:nvPr/>
+        </p:nvSpPr>
+        <p:spPr>
+          <a:xfrm>
+            <a:off x="1773435" y="6682077"/>
+            <a:ext cx="77638" cy="77638"/>
+          </a:xfrm>
+          <a:prstGeom prst="ellipse">
+            <a:avLst/>
+          </a:prstGeom>
+        </p:spPr>
+        <p:style>
+          <a:lnRef idx="2">
+            <a:schemeClr val="accent1">
+              <a:shade val="50000"/>
+            </a:schemeClr>
+          </a:lnRef>
+          <a:fillRef idx="1">
+            <a:schemeClr val="accent1"/>
+          </a:fillRef>
+          <a:effectRef idx="0">
+            <a:schemeClr val="accent1"/>
+          </a:effectRef>
+          <a:fontRef idx="minor">
+            <a:schemeClr val="lt1"/>
+          </a:fontRef>
+        </p:style>
+        <p:txBody>
+          <a:bodyPr rtlCol="0" anchor="ctr"/>
+          <a:lstStyle/>
+          <a:p>
+            <a:pPr algn="ctr"/>
+            <a:endParaRPr lang="en-US"/>
+          </a:p>
+        </p:txBody>
+      </p:sp>
+      <p:sp>
+        <p:nvSpPr>
+          <p:cNvPr id="18" name="Oval 17">
+            <a:extLst>
+              <a:ext uri="{FF2B5EF4-FFF2-40B4-BE49-F238E27FC236}">
+                <a16:creationId xmlns:a16="http://schemas.microsoft.com/office/drawing/2014/main" id="{711667A2-40DB-48CD-9FF6-1E0812693675}"/>
+              </a:ext>
+            </a:extLst>
+          </p:cNvPr>
+          <p:cNvSpPr/>
+          <p:nvPr/>
+        </p:nvSpPr>
+        <p:spPr>
+          <a:xfrm>
+            <a:off x="2660997" y="6682077"/>
+            <a:ext cx="77638" cy="77638"/>
+          </a:xfrm>
+          <a:prstGeom prst="ellipse">
+            <a:avLst/>
+          </a:prstGeom>
+        </p:spPr>
+        <p:style>
+          <a:lnRef idx="2">
+            <a:schemeClr val="accent1">
+              <a:shade val="50000"/>
+            </a:schemeClr>
+          </a:lnRef>
+          <a:fillRef idx="1">
+            <a:schemeClr val="accent1"/>
+          </a:fillRef>
+          <a:effectRef idx="0">
+            <a:schemeClr val="accent1"/>
+          </a:effectRef>
+          <a:fontRef idx="minor">
+            <a:schemeClr val="lt1"/>
+          </a:fontRef>
+        </p:style>
+        <p:txBody>
+          <a:bodyPr rtlCol="0" anchor="ctr"/>
+          <a:lstStyle/>
+          <a:p>
+            <a:pPr algn="ctr"/>
+            <a:endParaRPr lang="en-US"/>
+          </a:p>
+        </p:txBody>
+      </p:sp>
+      <p:sp>
+        <p:nvSpPr>
+          <p:cNvPr id="19" name="Oval 18">
+            <a:extLst>
+              <a:ext uri="{FF2B5EF4-FFF2-40B4-BE49-F238E27FC236}">
+                <a16:creationId xmlns:a16="http://schemas.microsoft.com/office/drawing/2014/main" id="{F6A88420-F888-45AC-B5AD-D044F9627360}"/>
+              </a:ext>
+            </a:extLst>
+          </p:cNvPr>
+          <p:cNvSpPr/>
+          <p:nvPr/>
+        </p:nvSpPr>
+        <p:spPr>
+          <a:xfrm>
+            <a:off x="3548559" y="6690224"/>
+            <a:ext cx="77638" cy="77638"/>
+          </a:xfrm>
+          <a:prstGeom prst="ellipse">
+            <a:avLst/>
+          </a:prstGeom>
+        </p:spPr>
+        <p:style>
+          <a:lnRef idx="2">
+            <a:schemeClr val="accent1">
+              <a:shade val="50000"/>
+            </a:schemeClr>
+          </a:lnRef>
+          <a:fillRef idx="1">
+            <a:schemeClr val="accent1"/>
+          </a:fillRef>
+          <a:effectRef idx="0">
+            <a:schemeClr val="accent1"/>
+          </a:effectRef>
+          <a:fontRef idx="minor">
+            <a:schemeClr val="lt1"/>
+          </a:fontRef>
+        </p:style>
+        <p:txBody>
+          <a:bodyPr rtlCol="0" anchor="ctr"/>
+          <a:lstStyle/>
+          <a:p>
+            <a:pPr algn="ctr"/>
+            <a:endParaRPr lang="en-US"/>
+          </a:p>
+        </p:txBody>
+      </p:sp>
+      <p:sp>
+        <p:nvSpPr>
+          <p:cNvPr id="20" name="Oval 19">
+            <a:extLst>
+              <a:ext uri="{FF2B5EF4-FFF2-40B4-BE49-F238E27FC236}">
+                <a16:creationId xmlns:a16="http://schemas.microsoft.com/office/drawing/2014/main" id="{CD7CD2A7-1D52-4339-8901-309490201124}"/>
+              </a:ext>
+            </a:extLst>
+          </p:cNvPr>
+          <p:cNvSpPr/>
+          <p:nvPr/>
+        </p:nvSpPr>
+        <p:spPr>
+          <a:xfrm>
+            <a:off x="2206015" y="3054670"/>
+            <a:ext cx="77638" cy="77638"/>
+          </a:xfrm>
+          <a:prstGeom prst="ellipse">
+            <a:avLst/>
+          </a:prstGeom>
+        </p:spPr>
+        <p:style>
+          <a:lnRef idx="2">
+            <a:schemeClr val="accent1">
+              <a:shade val="50000"/>
+            </a:schemeClr>
+          </a:lnRef>
+          <a:fillRef idx="1">
+            <a:schemeClr val="accent1"/>
+          </a:fillRef>
+          <a:effectRef idx="0">
+            <a:schemeClr val="accent1"/>
+          </a:effectRef>
+          <a:fontRef idx="minor">
+            <a:schemeClr val="lt1"/>
+          </a:fontRef>
+        </p:style>
+        <p:txBody>
+          <a:bodyPr rtlCol="0" anchor="ctr"/>
+          <a:lstStyle/>
+          <a:p>
+            <a:pPr algn="ctr"/>
+            <a:endParaRPr lang="en-US"/>
+          </a:p>
+        </p:txBody>
+      </p:sp>
+      <p:sp>
+        <p:nvSpPr>
+          <p:cNvPr id="21" name="Oval 20">
+            <a:extLst>
+              <a:ext uri="{FF2B5EF4-FFF2-40B4-BE49-F238E27FC236}">
+                <a16:creationId xmlns:a16="http://schemas.microsoft.com/office/drawing/2014/main" id="{7467624D-C743-4CA6-B1BA-B5B127C1EBCD}"/>
+              </a:ext>
+            </a:extLst>
+          </p:cNvPr>
+          <p:cNvSpPr/>
+          <p:nvPr/>
+        </p:nvSpPr>
+        <p:spPr>
+          <a:xfrm>
+            <a:off x="3133384" y="3061152"/>
+            <a:ext cx="77638" cy="77638"/>
+          </a:xfrm>
+          <a:prstGeom prst="ellipse">
+            <a:avLst/>
+          </a:prstGeom>
+        </p:spPr>
+        <p:style>
+          <a:lnRef idx="2">
+            <a:schemeClr val="accent1">
+              <a:shade val="50000"/>
+            </a:schemeClr>
+          </a:lnRef>
+          <a:fillRef idx="1">
+            <a:schemeClr val="accent1"/>
+          </a:fillRef>
+          <a:effectRef idx="0">
+            <a:schemeClr val="accent1"/>
+          </a:effectRef>
+          <a:fontRef idx="minor">
+            <a:schemeClr val="lt1"/>
+          </a:fontRef>
+        </p:style>
+        <p:txBody>
+          <a:bodyPr rtlCol="0" anchor="ctr"/>
+          <a:lstStyle/>
+          <a:p>
+            <a:pPr algn="ctr"/>
+            <a:endParaRPr lang="en-US"/>
+          </a:p>
+        </p:txBody>
+      </p:sp>
+      <p:sp>
+        <p:nvSpPr>
+          <p:cNvPr id="22" name="Oval 21">
+            <a:extLst>
+              <a:ext uri="{FF2B5EF4-FFF2-40B4-BE49-F238E27FC236}">
+                <a16:creationId xmlns:a16="http://schemas.microsoft.com/office/drawing/2014/main" id="{127AE879-EDF8-4ABD-BAE0-3FDB9535D0BF}"/>
+              </a:ext>
+            </a:extLst>
+          </p:cNvPr>
+          <p:cNvSpPr/>
+          <p:nvPr/>
+        </p:nvSpPr>
+        <p:spPr>
+          <a:xfrm>
+            <a:off x="4060753" y="3050836"/>
+            <a:ext cx="77638" cy="77638"/>
+          </a:xfrm>
+          <a:prstGeom prst="ellipse">
+            <a:avLst/>
+          </a:prstGeom>
+        </p:spPr>
+        <p:style>
+          <a:lnRef idx="2">
+            <a:schemeClr val="accent1">
+              <a:shade val="50000"/>
+            </a:schemeClr>
+          </a:lnRef>
+          <a:fillRef idx="1">
+            <a:schemeClr val="accent1"/>
+          </a:fillRef>
+          <a:effectRef idx="0">
+            <a:schemeClr val="accent1"/>
+          </a:effectRef>
+          <a:fontRef idx="minor">
+            <a:schemeClr val="lt1"/>
+          </a:fontRef>
+        </p:style>
+        <p:txBody>
+          <a:bodyPr rtlCol="0" anchor="ctr"/>
+          <a:lstStyle/>
+          <a:p>
+            <a:pPr algn="ctr"/>
+            <a:endParaRPr lang="en-US"/>
+          </a:p>
+        </p:txBody>
+      </p:sp>
+      <p:sp>
+        <p:nvSpPr>
+          <p:cNvPr id="23" name="Oval 22">
+            <a:extLst>
+              <a:ext uri="{FF2B5EF4-FFF2-40B4-BE49-F238E27FC236}">
+                <a16:creationId xmlns:a16="http://schemas.microsoft.com/office/drawing/2014/main" id="{E86C6D8D-0F1A-43FF-A5E6-EA0F8DD043F8}"/>
+              </a:ext>
+            </a:extLst>
+          </p:cNvPr>
+          <p:cNvSpPr/>
+          <p:nvPr/>
+        </p:nvSpPr>
+        <p:spPr>
+          <a:xfrm>
+            <a:off x="4983629" y="3055179"/>
+            <a:ext cx="77638" cy="77638"/>
+          </a:xfrm>
+          <a:prstGeom prst="ellipse">
+            <a:avLst/>
+          </a:prstGeom>
+        </p:spPr>
+        <p:style>
+          <a:lnRef idx="2">
+            <a:schemeClr val="accent1">
+              <a:shade val="50000"/>
+            </a:schemeClr>
+          </a:lnRef>
+          <a:fillRef idx="1">
+            <a:schemeClr val="accent1"/>
+          </a:fillRef>
+          <a:effectRef idx="0">
+            <a:schemeClr val="accent1"/>
+          </a:effectRef>
+          <a:fontRef idx="minor">
+            <a:schemeClr val="lt1"/>
+          </a:fontRef>
+        </p:style>
+        <p:txBody>
+          <a:bodyPr rtlCol="0" anchor="ctr"/>
+          <a:lstStyle/>
+          <a:p>
+            <a:pPr algn="ctr"/>
+            <a:endParaRPr lang="en-US"/>
+          </a:p>
+        </p:txBody>
+      </p:sp>
+      <p:cxnSp>
+        <p:nvCxnSpPr>
+          <p:cNvPr id="24" name="Straight Connector 23">
+            <a:extLst>
+              <a:ext uri="{FF2B5EF4-FFF2-40B4-BE49-F238E27FC236}">
+                <a16:creationId xmlns:a16="http://schemas.microsoft.com/office/drawing/2014/main" id="{B06B8B71-EE4D-4007-9CD0-1825C4932BEC}"/>
+              </a:ext>
+            </a:extLst>
+          </p:cNvPr>
+          <p:cNvCxnSpPr>
+            <a:stCxn id="16" idx="4"/>
+            <a:endCxn id="15" idx="7"/>
+          </p:cNvCxnSpPr>
+          <p:nvPr/>
+        </p:nvCxnSpPr>
+        <p:spPr>
+          <a:xfrm flipH="1">
+            <a:off x="874503" y="3136621"/>
+            <a:ext cx="459824" cy="3561139"/>
+          </a:xfrm>
+          <a:prstGeom prst="line">
+            <a:avLst/>
+          </a:prstGeom>
+        </p:spPr>
+        <p:style>
+          <a:lnRef idx="1">
+            <a:schemeClr val="accent1"/>
+          </a:lnRef>
+          <a:fillRef idx="0">
+            <a:schemeClr val="accent1"/>
+          </a:fillRef>
+          <a:effectRef idx="0">
+            <a:schemeClr val="accent1"/>
+          </a:effectRef>
+          <a:fontRef idx="minor">
+            <a:schemeClr val="tx1"/>
+          </a:fontRef>
+        </p:style>
+      </p:cxnSp>
+      <p:cxnSp>
+        <p:nvCxnSpPr>
+          <p:cNvPr id="25" name="Straight Connector 24">
+            <a:extLst>
+              <a:ext uri="{FF2B5EF4-FFF2-40B4-BE49-F238E27FC236}">
+                <a16:creationId xmlns:a16="http://schemas.microsoft.com/office/drawing/2014/main" id="{D0730D98-7F69-449C-AA26-9EF278E2A980}"/>
+              </a:ext>
+            </a:extLst>
+          </p:cNvPr>
+          <p:cNvCxnSpPr>
+            <a:stCxn id="16" idx="5"/>
+            <a:endCxn id="17" idx="0"/>
+          </p:cNvCxnSpPr>
+          <p:nvPr/>
+        </p:nvCxnSpPr>
+        <p:spPr>
+          <a:xfrm>
+            <a:off x="1361776" y="3125251"/>
+            <a:ext cx="450478" cy="3556826"/>
+          </a:xfrm>
+          <a:prstGeom prst="line">
+            <a:avLst/>
+          </a:prstGeom>
+        </p:spPr>
+        <p:style>
+          <a:lnRef idx="1">
+            <a:schemeClr val="accent1"/>
+          </a:lnRef>
+          <a:fillRef idx="0">
+            <a:schemeClr val="accent1"/>
+          </a:fillRef>
+          <a:effectRef idx="0">
+            <a:schemeClr val="accent1"/>
+          </a:effectRef>
+          <a:fontRef idx="minor">
+            <a:schemeClr val="tx1"/>
+          </a:fontRef>
+        </p:style>
+      </p:cxnSp>
+      <p:cxnSp>
+        <p:nvCxnSpPr>
+          <p:cNvPr id="26" name="Straight Connector 25">
+            <a:extLst>
+              <a:ext uri="{FF2B5EF4-FFF2-40B4-BE49-F238E27FC236}">
+                <a16:creationId xmlns:a16="http://schemas.microsoft.com/office/drawing/2014/main" id="{256012C7-D2DA-4E2F-A085-A4CC71665898}"/>
+              </a:ext>
+            </a:extLst>
+          </p:cNvPr>
+          <p:cNvCxnSpPr>
+            <a:stCxn id="20" idx="4"/>
+            <a:endCxn id="17" idx="6"/>
+          </p:cNvCxnSpPr>
+          <p:nvPr/>
+        </p:nvCxnSpPr>
+        <p:spPr>
+          <a:xfrm flipH="1">
+            <a:off x="1851073" y="3132308"/>
+            <a:ext cx="393761" cy="3588588"/>
+          </a:xfrm>
+          <a:prstGeom prst="line">
+            <a:avLst/>
+          </a:prstGeom>
+        </p:spPr>
+        <p:style>
+          <a:lnRef idx="1">
+            <a:schemeClr val="accent1"/>
+          </a:lnRef>
+          <a:fillRef idx="0">
+            <a:schemeClr val="accent1"/>
+          </a:fillRef>
+          <a:effectRef idx="0">
+            <a:schemeClr val="accent1"/>
+          </a:effectRef>
+          <a:fontRef idx="minor">
+            <a:schemeClr val="tx1"/>
+          </a:fontRef>
+        </p:style>
+      </p:cxnSp>
+      <p:cxnSp>
+        <p:nvCxnSpPr>
+          <p:cNvPr id="27" name="Straight Connector 26">
+            <a:extLst>
+              <a:ext uri="{FF2B5EF4-FFF2-40B4-BE49-F238E27FC236}">
+                <a16:creationId xmlns:a16="http://schemas.microsoft.com/office/drawing/2014/main" id="{209D2AC2-BBD6-4A25-8529-7E467C1B59A7}"/>
+              </a:ext>
+            </a:extLst>
+          </p:cNvPr>
+          <p:cNvCxnSpPr>
+            <a:stCxn id="20" idx="4"/>
+            <a:endCxn id="18" idx="0"/>
+          </p:cNvCxnSpPr>
+          <p:nvPr/>
+        </p:nvCxnSpPr>
+        <p:spPr>
+          <a:xfrm>
+            <a:off x="2244834" y="3132308"/>
+            <a:ext cx="454982" cy="3549769"/>
+          </a:xfrm>
+          <a:prstGeom prst="line">
+            <a:avLst/>
+          </a:prstGeom>
+        </p:spPr>
+        <p:style>
+          <a:lnRef idx="1">
+            <a:schemeClr val="accent1"/>
+          </a:lnRef>
+          <a:fillRef idx="0">
+            <a:schemeClr val="accent1"/>
+          </a:fillRef>
+          <a:effectRef idx="0">
+            <a:schemeClr val="accent1"/>
+          </a:effectRef>
+          <a:fontRef idx="minor">
+            <a:schemeClr val="tx1"/>
+          </a:fontRef>
+        </p:style>
+      </p:cxnSp>
+      <p:cxnSp>
+        <p:nvCxnSpPr>
+          <p:cNvPr id="28" name="Straight Connector 27">
+            <a:extLst>
+              <a:ext uri="{FF2B5EF4-FFF2-40B4-BE49-F238E27FC236}">
+                <a16:creationId xmlns:a16="http://schemas.microsoft.com/office/drawing/2014/main" id="{A6351ABC-A1CB-420A-B82F-AA98684D4EFC}"/>
+              </a:ext>
+            </a:extLst>
+          </p:cNvPr>
+          <p:cNvCxnSpPr>
+            <a:stCxn id="21" idx="4"/>
+            <a:endCxn id="18" idx="0"/>
+          </p:cNvCxnSpPr>
+          <p:nvPr/>
+        </p:nvCxnSpPr>
+        <p:spPr>
+          <a:xfrm flipH="1">
+            <a:off x="2699816" y="3138790"/>
+            <a:ext cx="472387" cy="3543287"/>
+          </a:xfrm>
+          <a:prstGeom prst="line">
+            <a:avLst/>
+          </a:prstGeom>
+        </p:spPr>
+        <p:style>
+          <a:lnRef idx="1">
+            <a:schemeClr val="accent1"/>
+          </a:lnRef>
+          <a:fillRef idx="0">
+            <a:schemeClr val="accent1"/>
+          </a:fillRef>
+          <a:effectRef idx="0">
+            <a:schemeClr val="accent1"/>
+          </a:effectRef>
+          <a:fontRef idx="minor">
+            <a:schemeClr val="tx1"/>
+          </a:fontRef>
+        </p:style>
+      </p:cxnSp>
+      <p:cxnSp>
+        <p:nvCxnSpPr>
+          <p:cNvPr id="29" name="Straight Connector 28">
+            <a:extLst>
+              <a:ext uri="{FF2B5EF4-FFF2-40B4-BE49-F238E27FC236}">
+                <a16:creationId xmlns:a16="http://schemas.microsoft.com/office/drawing/2014/main" id="{ABF2489F-F1DF-4457-8F79-EDDE47861B23}"/>
+              </a:ext>
+            </a:extLst>
+          </p:cNvPr>
+          <p:cNvCxnSpPr>
+            <a:stCxn id="21" idx="4"/>
+            <a:endCxn id="19" idx="0"/>
+          </p:cNvCxnSpPr>
+          <p:nvPr/>
+        </p:nvCxnSpPr>
+        <p:spPr>
+          <a:xfrm>
+            <a:off x="3172203" y="3138790"/>
+            <a:ext cx="415175" cy="3551434"/>
+          </a:xfrm>
+          <a:prstGeom prst="line">
+            <a:avLst/>
+          </a:prstGeom>
+        </p:spPr>
+        <p:style>
+          <a:lnRef idx="1">
+            <a:schemeClr val="accent1"/>
+          </a:lnRef>
+          <a:fillRef idx="0">
+            <a:schemeClr val="accent1"/>
+          </a:fillRef>
+          <a:effectRef idx="0">
+            <a:schemeClr val="accent1"/>
+          </a:effectRef>
+          <a:fontRef idx="minor">
+            <a:schemeClr val="tx1"/>
+          </a:fontRef>
+        </p:style>
+      </p:cxnSp>
+      <p:cxnSp>
+        <p:nvCxnSpPr>
+          <p:cNvPr id="30" name="Straight Connector 29">
+            <a:extLst>
+              <a:ext uri="{FF2B5EF4-FFF2-40B4-BE49-F238E27FC236}">
+                <a16:creationId xmlns:a16="http://schemas.microsoft.com/office/drawing/2014/main" id="{4D697B79-D8BC-41DF-8E6F-5C13C2CF63E9}"/>
+              </a:ext>
+            </a:extLst>
+          </p:cNvPr>
+          <p:cNvCxnSpPr>
+            <a:stCxn id="22" idx="4"/>
+            <a:endCxn id="19" idx="7"/>
+          </p:cNvCxnSpPr>
+          <p:nvPr/>
+        </p:nvCxnSpPr>
+        <p:spPr>
+          <a:xfrm flipH="1">
+            <a:off x="3614827" y="3128474"/>
+            <a:ext cx="484745" cy="3573120"/>
+          </a:xfrm>
+          <a:prstGeom prst="line">
+            <a:avLst/>
+          </a:prstGeom>
+        </p:spPr>
+        <p:style>
+          <a:lnRef idx="1">
+            <a:schemeClr val="accent1"/>
+          </a:lnRef>
+          <a:fillRef idx="0">
+            <a:schemeClr val="accent1"/>
+          </a:fillRef>
+          <a:effectRef idx="0">
+            <a:schemeClr val="accent1"/>
+          </a:effectRef>
+          <a:fontRef idx="minor">
+            <a:schemeClr val="tx1"/>
+          </a:fontRef>
+        </p:style>
+      </p:cxnSp>
+      <p:sp>
+        <p:nvSpPr>
+          <p:cNvPr id="31" name="Oval 30">
+            <a:extLst>
+              <a:ext uri="{FF2B5EF4-FFF2-40B4-BE49-F238E27FC236}">
+                <a16:creationId xmlns:a16="http://schemas.microsoft.com/office/drawing/2014/main" id="{BC8E74C8-916B-43B0-B108-0CFDADFFF677}"/>
+              </a:ext>
+            </a:extLst>
+          </p:cNvPr>
+          <p:cNvSpPr/>
+          <p:nvPr/>
+        </p:nvSpPr>
+        <p:spPr>
+          <a:xfrm>
+            <a:off x="4513759" y="6682077"/>
+            <a:ext cx="77638" cy="77638"/>
+          </a:xfrm>
+          <a:prstGeom prst="ellipse">
+            <a:avLst/>
+          </a:prstGeom>
+        </p:spPr>
+        <p:style>
+          <a:lnRef idx="2">
+            <a:schemeClr val="accent1">
+              <a:shade val="50000"/>
+            </a:schemeClr>
+          </a:lnRef>
+          <a:fillRef idx="1">
+            <a:schemeClr val="accent1"/>
+          </a:fillRef>
+          <a:effectRef idx="0">
+            <a:schemeClr val="accent1"/>
+          </a:effectRef>
+          <a:fontRef idx="minor">
+            <a:schemeClr val="lt1"/>
+          </a:fontRef>
+        </p:style>
+        <p:txBody>
+          <a:bodyPr rtlCol="0" anchor="ctr"/>
+          <a:lstStyle/>
+          <a:p>
+            <a:pPr algn="ctr"/>
+            <a:endParaRPr lang="en-US"/>
+          </a:p>
+        </p:txBody>
+      </p:sp>
+      <p:cxnSp>
+        <p:nvCxnSpPr>
+          <p:cNvPr id="32" name="Straight Connector 31">
+            <a:extLst>
+              <a:ext uri="{FF2B5EF4-FFF2-40B4-BE49-F238E27FC236}">
+                <a16:creationId xmlns:a16="http://schemas.microsoft.com/office/drawing/2014/main" id="{53C4620E-B56D-44FF-B19B-2C6B6B9D1CFC}"/>
+              </a:ext>
+            </a:extLst>
+          </p:cNvPr>
+          <p:cNvCxnSpPr>
+            <a:stCxn id="22" idx="4"/>
+            <a:endCxn id="31" idx="0"/>
+          </p:cNvCxnSpPr>
+          <p:nvPr/>
+        </p:nvCxnSpPr>
+        <p:spPr>
+          <a:xfrm>
+            <a:off x="4099572" y="3128474"/>
+            <a:ext cx="453006" cy="3553603"/>
+          </a:xfrm>
+          <a:prstGeom prst="line">
+            <a:avLst/>
+          </a:prstGeom>
+        </p:spPr>
+        <p:style>
+          <a:lnRef idx="1">
+            <a:schemeClr val="accent1"/>
+          </a:lnRef>
+          <a:fillRef idx="0">
+            <a:schemeClr val="accent1"/>
+          </a:fillRef>
+          <a:effectRef idx="0">
+            <a:schemeClr val="accent1"/>
+          </a:effectRef>
+          <a:fontRef idx="minor">
+            <a:schemeClr val="tx1"/>
+          </a:fontRef>
+        </p:style>
+      </p:cxnSp>
+      <p:cxnSp>
+        <p:nvCxnSpPr>
+          <p:cNvPr id="33" name="Straight Connector 32">
+            <a:extLst>
+              <a:ext uri="{FF2B5EF4-FFF2-40B4-BE49-F238E27FC236}">
+                <a16:creationId xmlns:a16="http://schemas.microsoft.com/office/drawing/2014/main" id="{97C6AFA9-0A63-4935-A13B-2161FD299E63}"/>
+              </a:ext>
+            </a:extLst>
+          </p:cNvPr>
+          <p:cNvCxnSpPr>
+            <a:stCxn id="23" idx="4"/>
+            <a:endCxn id="31" idx="0"/>
+          </p:cNvCxnSpPr>
+          <p:nvPr/>
+        </p:nvCxnSpPr>
+        <p:spPr>
+          <a:xfrm flipH="1">
+            <a:off x="4552578" y="3132817"/>
+            <a:ext cx="469870" cy="3549260"/>
+          </a:xfrm>
+          <a:prstGeom prst="line">
+            <a:avLst/>
+          </a:prstGeom>
+        </p:spPr>
+        <p:style>
+          <a:lnRef idx="1">
+            <a:schemeClr val="accent1"/>
+          </a:lnRef>
+          <a:fillRef idx="0">
+            <a:schemeClr val="accent1"/>
+          </a:fillRef>
+          <a:effectRef idx="0">
+            <a:schemeClr val="accent1"/>
+          </a:effectRef>
+          <a:fontRef idx="minor">
+            <a:schemeClr val="tx1"/>
+          </a:fontRef>
+        </p:style>
+      </p:cxnSp>
+      <p:cxnSp>
+        <p:nvCxnSpPr>
+          <p:cNvPr id="34" name="Straight Arrow Connector 33">
+            <a:extLst>
+              <a:ext uri="{FF2B5EF4-FFF2-40B4-BE49-F238E27FC236}">
+                <a16:creationId xmlns:a16="http://schemas.microsoft.com/office/drawing/2014/main" id="{0D80CC5A-ECC5-481D-9A7D-B73FE666DE1C}"/>
+              </a:ext>
+            </a:extLst>
+          </p:cNvPr>
+          <p:cNvCxnSpPr/>
+          <p:nvPr/>
+        </p:nvCxnSpPr>
+        <p:spPr>
+          <a:xfrm>
+            <a:off x="847054" y="4911626"/>
+            <a:ext cx="166178" cy="0"/>
+          </a:xfrm>
+          <a:prstGeom prst="straightConnector1">
+            <a:avLst/>
+          </a:prstGeom>
+          <a:ln>
+            <a:solidFill>
+              <a:srgbClr val="FF0000"/>
+            </a:solidFill>
+            <a:tailEnd type="triangle"/>
+          </a:ln>
+        </p:spPr>
+        <p:style>
+          <a:lnRef idx="1">
+            <a:schemeClr val="accent1"/>
+          </a:lnRef>
+          <a:fillRef idx="0">
+            <a:schemeClr val="accent1"/>
+          </a:fillRef>
+          <a:effectRef idx="0">
+            <a:schemeClr val="accent1"/>
+          </a:effectRef>
+          <a:fontRef idx="minor">
+            <a:schemeClr val="tx1"/>
+          </a:fontRef>
+        </p:style>
+      </p:cxnSp>
+      <p:cxnSp>
+        <p:nvCxnSpPr>
+          <p:cNvPr id="35" name="Straight Arrow Connector 34">
+            <a:extLst>
+              <a:ext uri="{FF2B5EF4-FFF2-40B4-BE49-F238E27FC236}">
+                <a16:creationId xmlns:a16="http://schemas.microsoft.com/office/drawing/2014/main" id="{2F3A52A7-6AC3-43CF-AF06-8C44E5313E60}"/>
+              </a:ext>
+            </a:extLst>
+          </p:cNvPr>
+          <p:cNvCxnSpPr/>
+          <p:nvPr/>
+        </p:nvCxnSpPr>
+        <p:spPr>
+          <a:xfrm>
+            <a:off x="1767984" y="4909349"/>
+            <a:ext cx="166178" cy="0"/>
+          </a:xfrm>
+          <a:prstGeom prst="straightConnector1">
+            <a:avLst/>
+          </a:prstGeom>
+          <a:ln>
+            <a:solidFill>
+              <a:srgbClr val="FF0000"/>
+            </a:solidFill>
+            <a:tailEnd type="triangle"/>
+          </a:ln>
+        </p:spPr>
+        <p:style>
+          <a:lnRef idx="1">
+            <a:schemeClr val="accent1"/>
+          </a:lnRef>
+          <a:fillRef idx="0">
+            <a:schemeClr val="accent1"/>
+          </a:fillRef>
+          <a:effectRef idx="0">
+            <a:schemeClr val="accent1"/>
+          </a:effectRef>
+          <a:fontRef idx="minor">
+            <a:schemeClr val="tx1"/>
+          </a:fontRef>
+        </p:style>
+      </p:cxnSp>
+      <p:cxnSp>
+        <p:nvCxnSpPr>
+          <p:cNvPr id="36" name="Straight Arrow Connector 35">
+            <a:extLst>
+              <a:ext uri="{FF2B5EF4-FFF2-40B4-BE49-F238E27FC236}">
+                <a16:creationId xmlns:a16="http://schemas.microsoft.com/office/drawing/2014/main" id="{8B8D8015-DD75-44BA-83B9-715E457DEE06}"/>
+              </a:ext>
+            </a:extLst>
+          </p:cNvPr>
+          <p:cNvCxnSpPr/>
+          <p:nvPr/>
+        </p:nvCxnSpPr>
+        <p:spPr>
+          <a:xfrm>
+            <a:off x="2655546" y="4911889"/>
+            <a:ext cx="166178" cy="0"/>
+          </a:xfrm>
+          <a:prstGeom prst="straightConnector1">
+            <a:avLst/>
+          </a:prstGeom>
+          <a:ln>
+            <a:solidFill>
+              <a:srgbClr val="FF0000"/>
+            </a:solidFill>
+            <a:tailEnd type="triangle"/>
+          </a:ln>
+        </p:spPr>
+        <p:style>
+          <a:lnRef idx="1">
+            <a:schemeClr val="accent1"/>
+          </a:lnRef>
+          <a:fillRef idx="0">
+            <a:schemeClr val="accent1"/>
+          </a:fillRef>
+          <a:effectRef idx="0">
+            <a:schemeClr val="accent1"/>
+          </a:effectRef>
+          <a:fontRef idx="minor">
+            <a:schemeClr val="tx1"/>
+          </a:fontRef>
+        </p:style>
+      </p:cxnSp>
+      <p:cxnSp>
+        <p:nvCxnSpPr>
+          <p:cNvPr id="37" name="Straight Arrow Connector 36">
+            <a:extLst>
+              <a:ext uri="{FF2B5EF4-FFF2-40B4-BE49-F238E27FC236}">
+                <a16:creationId xmlns:a16="http://schemas.microsoft.com/office/drawing/2014/main" id="{2A042A92-99E0-43FB-BCF7-A44DE5C0E9EC}"/>
+              </a:ext>
+            </a:extLst>
+          </p:cNvPr>
+          <p:cNvCxnSpPr/>
+          <p:nvPr/>
+        </p:nvCxnSpPr>
+        <p:spPr>
+          <a:xfrm>
+            <a:off x="3510112" y="4912841"/>
+            <a:ext cx="166178" cy="0"/>
+          </a:xfrm>
+          <a:prstGeom prst="straightConnector1">
+            <a:avLst/>
+          </a:prstGeom>
+          <a:ln>
+            <a:solidFill>
+              <a:srgbClr val="FF0000"/>
+            </a:solidFill>
+            <a:tailEnd type="triangle"/>
+          </a:ln>
+        </p:spPr>
+        <p:style>
+          <a:lnRef idx="1">
+            <a:schemeClr val="accent1"/>
+          </a:lnRef>
+          <a:fillRef idx="0">
+            <a:schemeClr val="accent1"/>
+          </a:fillRef>
+          <a:effectRef idx="0">
+            <a:schemeClr val="accent1"/>
+          </a:effectRef>
+          <a:fontRef idx="minor">
+            <a:schemeClr val="tx1"/>
+          </a:fontRef>
+        </p:style>
+      </p:cxnSp>
+      <p:cxnSp>
+        <p:nvCxnSpPr>
+          <p:cNvPr id="38" name="Straight Arrow Connector 37">
+            <a:extLst>
+              <a:ext uri="{FF2B5EF4-FFF2-40B4-BE49-F238E27FC236}">
+                <a16:creationId xmlns:a16="http://schemas.microsoft.com/office/drawing/2014/main" id="{ACDB6BF8-7230-4696-A9C7-BE7FCBCFBEFC}"/>
+              </a:ext>
+            </a:extLst>
+          </p:cNvPr>
+          <p:cNvCxnSpPr/>
+          <p:nvPr/>
+        </p:nvCxnSpPr>
+        <p:spPr>
+          <a:xfrm>
+            <a:off x="529354" y="3937619"/>
+            <a:ext cx="33013" cy="296884"/>
+          </a:xfrm>
+          <a:prstGeom prst="straightConnector1">
+            <a:avLst/>
+          </a:prstGeom>
+          <a:ln>
+            <a:tailEnd type="triangle"/>
+          </a:ln>
+        </p:spPr>
+        <p:style>
+          <a:lnRef idx="1">
+            <a:schemeClr val="accent1"/>
+          </a:lnRef>
+          <a:fillRef idx="0">
+            <a:schemeClr val="accent1"/>
+          </a:fillRef>
+          <a:effectRef idx="0">
+            <a:schemeClr val="accent1"/>
+          </a:effectRef>
+          <a:fontRef idx="minor">
+            <a:schemeClr val="tx1"/>
+          </a:fontRef>
+        </p:style>
+      </p:cxnSp>
+      <p:cxnSp>
+        <p:nvCxnSpPr>
+          <p:cNvPr id="39" name="Straight Arrow Connector 38">
+            <a:extLst>
+              <a:ext uri="{FF2B5EF4-FFF2-40B4-BE49-F238E27FC236}">
+                <a16:creationId xmlns:a16="http://schemas.microsoft.com/office/drawing/2014/main" id="{6BCAFCFE-B395-4737-BA99-E5D45D8F0970}"/>
+              </a:ext>
+            </a:extLst>
+          </p:cNvPr>
+          <p:cNvCxnSpPr/>
+          <p:nvPr/>
+        </p:nvCxnSpPr>
+        <p:spPr>
+          <a:xfrm>
+            <a:off x="702661" y="5445936"/>
+            <a:ext cx="33013" cy="296884"/>
+          </a:xfrm>
+          <a:prstGeom prst="straightConnector1">
+            <a:avLst/>
+          </a:prstGeom>
+          <a:ln>
+            <a:tailEnd type="triangle"/>
+          </a:ln>
+        </p:spPr>
+        <p:style>
+          <a:lnRef idx="1">
+            <a:schemeClr val="accent1"/>
+          </a:lnRef>
+          <a:fillRef idx="0">
+            <a:schemeClr val="accent1"/>
+          </a:fillRef>
+          <a:effectRef idx="0">
+            <a:schemeClr val="accent1"/>
+          </a:effectRef>
+          <a:fontRef idx="minor">
+            <a:schemeClr val="tx1"/>
+          </a:fontRef>
+        </p:style>
+      </p:cxnSp>
+      <p:cxnSp>
+        <p:nvCxnSpPr>
+          <p:cNvPr id="40" name="Straight Arrow Connector 39">
+            <a:extLst>
+              <a:ext uri="{FF2B5EF4-FFF2-40B4-BE49-F238E27FC236}">
+                <a16:creationId xmlns:a16="http://schemas.microsoft.com/office/drawing/2014/main" id="{74BB8FF7-8A49-492F-8E85-2F665EDB927D}"/>
+              </a:ext>
+            </a:extLst>
+          </p:cNvPr>
+          <p:cNvCxnSpPr/>
+          <p:nvPr/>
+        </p:nvCxnSpPr>
+        <p:spPr>
+          <a:xfrm flipV="1">
+            <a:off x="996992" y="5389409"/>
+            <a:ext cx="47886" cy="353411"/>
+          </a:xfrm>
+          <a:prstGeom prst="straightConnector1">
+            <a:avLst/>
+          </a:prstGeom>
+          <a:ln>
+            <a:tailEnd type="triangle"/>
+          </a:ln>
+        </p:spPr>
+        <p:style>
+          <a:lnRef idx="1">
+            <a:schemeClr val="accent1"/>
+          </a:lnRef>
+          <a:fillRef idx="0">
+            <a:schemeClr val="accent1"/>
+          </a:fillRef>
+          <a:effectRef idx="0">
+            <a:schemeClr val="accent1"/>
+          </a:effectRef>
+          <a:fontRef idx="minor">
+            <a:schemeClr val="tx1"/>
+          </a:fontRef>
+        </p:style>
+      </p:cxnSp>
+      <p:cxnSp>
+        <p:nvCxnSpPr>
+          <p:cNvPr id="41" name="Straight Arrow Connector 40">
+            <a:extLst>
+              <a:ext uri="{FF2B5EF4-FFF2-40B4-BE49-F238E27FC236}">
+                <a16:creationId xmlns:a16="http://schemas.microsoft.com/office/drawing/2014/main" id="{ED5AA8EC-7044-4551-8257-99B245FC15A2}"/>
+              </a:ext>
+            </a:extLst>
+          </p:cNvPr>
+          <p:cNvCxnSpPr/>
+          <p:nvPr/>
+        </p:nvCxnSpPr>
+        <p:spPr>
+          <a:xfrm flipV="1">
+            <a:off x="1141788" y="4259131"/>
+            <a:ext cx="47886" cy="353411"/>
+          </a:xfrm>
+          <a:prstGeom prst="straightConnector1">
+            <a:avLst/>
+          </a:prstGeom>
+          <a:ln>
+            <a:tailEnd type="triangle"/>
+          </a:ln>
+        </p:spPr>
+        <p:style>
+          <a:lnRef idx="1">
+            <a:schemeClr val="accent1"/>
+          </a:lnRef>
+          <a:fillRef idx="0">
+            <a:schemeClr val="accent1"/>
+          </a:fillRef>
+          <a:effectRef idx="0">
+            <a:schemeClr val="accent1"/>
+          </a:effectRef>
+          <a:fontRef idx="minor">
+            <a:schemeClr val="tx1"/>
+          </a:fontRef>
+        </p:style>
+      </p:cxnSp>
+      <p:cxnSp>
+        <p:nvCxnSpPr>
+          <p:cNvPr id="42" name="Straight Arrow Connector 41">
+            <a:extLst>
+              <a:ext uri="{FF2B5EF4-FFF2-40B4-BE49-F238E27FC236}">
+                <a16:creationId xmlns:a16="http://schemas.microsoft.com/office/drawing/2014/main" id="{AAAAD959-CF5C-424E-A9F0-2731ED776713}"/>
+              </a:ext>
+            </a:extLst>
+          </p:cNvPr>
+          <p:cNvCxnSpPr/>
+          <p:nvPr/>
+        </p:nvCxnSpPr>
+        <p:spPr>
+          <a:xfrm>
+            <a:off x="1506669" y="4252803"/>
+            <a:ext cx="33013" cy="296884"/>
+          </a:xfrm>
+          <a:prstGeom prst="straightConnector1">
+            <a:avLst/>
+          </a:prstGeom>
+          <a:ln>
+            <a:tailEnd type="triangle"/>
+          </a:ln>
+        </p:spPr>
+        <p:style>
+          <a:lnRef idx="1">
+            <a:schemeClr val="accent1"/>
+          </a:lnRef>
+          <a:fillRef idx="0">
+            <a:schemeClr val="accent1"/>
+          </a:fillRef>
+          <a:effectRef idx="0">
+            <a:schemeClr val="accent1"/>
+          </a:effectRef>
+          <a:fontRef idx="minor">
+            <a:schemeClr val="tx1"/>
+          </a:fontRef>
+        </p:style>
+      </p:cxnSp>
+      <p:cxnSp>
+        <p:nvCxnSpPr>
+          <p:cNvPr id="43" name="Straight Arrow Connector 42">
+            <a:extLst>
+              <a:ext uri="{FF2B5EF4-FFF2-40B4-BE49-F238E27FC236}">
+                <a16:creationId xmlns:a16="http://schemas.microsoft.com/office/drawing/2014/main" id="{783D684A-34AD-4295-B19F-0302CF78FD22}"/>
+              </a:ext>
+            </a:extLst>
+          </p:cNvPr>
+          <p:cNvCxnSpPr/>
+          <p:nvPr/>
+        </p:nvCxnSpPr>
+        <p:spPr>
+          <a:xfrm>
+            <a:off x="1676487" y="5634615"/>
+            <a:ext cx="33013" cy="296884"/>
+          </a:xfrm>
+          <a:prstGeom prst="straightConnector1">
+            <a:avLst/>
+          </a:prstGeom>
+          <a:ln>
+            <a:tailEnd type="triangle"/>
+          </a:ln>
+        </p:spPr>
+        <p:style>
+          <a:lnRef idx="1">
+            <a:schemeClr val="accent1"/>
+          </a:lnRef>
+          <a:fillRef idx="0">
+            <a:schemeClr val="accent1"/>
+          </a:fillRef>
+          <a:effectRef idx="0">
+            <a:schemeClr val="accent1"/>
+          </a:effectRef>
+          <a:fontRef idx="minor">
+            <a:schemeClr val="tx1"/>
+          </a:fontRef>
+        </p:style>
+      </p:cxnSp>
+      <p:cxnSp>
+        <p:nvCxnSpPr>
+          <p:cNvPr id="44" name="Straight Arrow Connector 43">
+            <a:extLst>
+              <a:ext uri="{FF2B5EF4-FFF2-40B4-BE49-F238E27FC236}">
+                <a16:creationId xmlns:a16="http://schemas.microsoft.com/office/drawing/2014/main" id="{C18E9463-6E51-4D4A-90DC-AE15EFDCA39F}"/>
+              </a:ext>
+            </a:extLst>
+          </p:cNvPr>
+          <p:cNvCxnSpPr/>
+          <p:nvPr/>
+        </p:nvCxnSpPr>
+        <p:spPr>
+          <a:xfrm flipV="1">
+            <a:off x="1950636" y="5522761"/>
+            <a:ext cx="31412" cy="345279"/>
+          </a:xfrm>
+          <a:prstGeom prst="straightConnector1">
+            <a:avLst/>
+          </a:prstGeom>
+          <a:ln>
+            <a:tailEnd type="triangle"/>
+          </a:ln>
+        </p:spPr>
+        <p:style>
+          <a:lnRef idx="1">
+            <a:schemeClr val="accent1"/>
+          </a:lnRef>
+          <a:fillRef idx="0">
+            <a:schemeClr val="accent1"/>
+          </a:fillRef>
+          <a:effectRef idx="0">
+            <a:schemeClr val="accent1"/>
+          </a:effectRef>
+          <a:fontRef idx="minor">
+            <a:schemeClr val="tx1"/>
+          </a:fontRef>
+        </p:style>
+      </p:cxnSp>
+      <p:cxnSp>
+        <p:nvCxnSpPr>
+          <p:cNvPr id="45" name="Straight Arrow Connector 44">
+            <a:extLst>
+              <a:ext uri="{FF2B5EF4-FFF2-40B4-BE49-F238E27FC236}">
+                <a16:creationId xmlns:a16="http://schemas.microsoft.com/office/drawing/2014/main" id="{45BB22F7-C213-46E7-9C5F-C72C6C5B92D2}"/>
+              </a:ext>
+            </a:extLst>
+          </p:cNvPr>
+          <p:cNvCxnSpPr/>
+          <p:nvPr/>
+        </p:nvCxnSpPr>
+        <p:spPr>
+          <a:xfrm flipV="1">
+            <a:off x="2071067" y="4287645"/>
+            <a:ext cx="47886" cy="353411"/>
+          </a:xfrm>
+          <a:prstGeom prst="straightConnector1">
+            <a:avLst/>
+          </a:prstGeom>
+          <a:ln>
+            <a:tailEnd type="triangle"/>
+          </a:ln>
+        </p:spPr>
+        <p:style>
+          <a:lnRef idx="1">
+            <a:schemeClr val="accent1"/>
+          </a:lnRef>
+          <a:fillRef idx="0">
+            <a:schemeClr val="accent1"/>
+          </a:fillRef>
+          <a:effectRef idx="0">
+            <a:schemeClr val="accent1"/>
+          </a:effectRef>
+          <a:fontRef idx="minor">
+            <a:schemeClr val="tx1"/>
+          </a:fontRef>
+        </p:style>
+      </p:cxnSp>
+      <p:sp>
+        <p:nvSpPr>
+          <p:cNvPr id="46" name="Oval 45">
+            <a:extLst>
+              <a:ext uri="{FF2B5EF4-FFF2-40B4-BE49-F238E27FC236}">
+                <a16:creationId xmlns:a16="http://schemas.microsoft.com/office/drawing/2014/main" id="{B6F2FF82-46BB-43BC-8A44-86F011EF90B3}"/>
+              </a:ext>
+            </a:extLst>
+          </p:cNvPr>
+          <p:cNvSpPr/>
+          <p:nvPr/>
+        </p:nvSpPr>
+        <p:spPr>
+          <a:xfrm>
+            <a:off x="545867" y="4379113"/>
+            <a:ext cx="77638" cy="77638"/>
+          </a:xfrm>
+          <a:prstGeom prst="ellipse">
+            <a:avLst/>
+          </a:prstGeom>
+        </p:spPr>
+        <p:style>
+          <a:lnRef idx="2">
+            <a:schemeClr val="accent1">
+              <a:shade val="50000"/>
+            </a:schemeClr>
+          </a:lnRef>
+          <a:fillRef idx="1">
+            <a:schemeClr val="accent1"/>
+          </a:fillRef>
+          <a:effectRef idx="0">
+            <a:schemeClr val="accent1"/>
+          </a:effectRef>
+          <a:fontRef idx="minor">
+            <a:schemeClr val="lt1"/>
+          </a:fontRef>
+        </p:style>
+        <p:txBody>
+          <a:bodyPr rtlCol="0" anchor="ctr"/>
+          <a:lstStyle/>
+          <a:p>
+            <a:pPr algn="ctr"/>
+            <a:endParaRPr lang="en-US"/>
+          </a:p>
+        </p:txBody>
+      </p:sp>
+      <p:sp>
+        <p:nvSpPr>
+          <p:cNvPr id="47" name="Oval 46">
+            <a:extLst>
+              <a:ext uri="{FF2B5EF4-FFF2-40B4-BE49-F238E27FC236}">
+                <a16:creationId xmlns:a16="http://schemas.microsoft.com/office/drawing/2014/main" id="{7FAF0A7E-68B2-43D2-9DAD-5B57EA040526}"/>
+              </a:ext>
+            </a:extLst>
+          </p:cNvPr>
+          <p:cNvSpPr/>
+          <p:nvPr/>
+        </p:nvSpPr>
+        <p:spPr>
+          <a:xfrm>
+            <a:off x="663751" y="5342316"/>
+            <a:ext cx="77638" cy="77638"/>
+          </a:xfrm>
+          <a:prstGeom prst="ellipse">
+            <a:avLst/>
+          </a:prstGeom>
+        </p:spPr>
+        <p:style>
+          <a:lnRef idx="2">
+            <a:schemeClr val="accent1">
+              <a:shade val="50000"/>
+            </a:schemeClr>
+          </a:lnRef>
+          <a:fillRef idx="1">
+            <a:schemeClr val="accent1"/>
+          </a:fillRef>
+          <a:effectRef idx="0">
+            <a:schemeClr val="accent1"/>
+          </a:effectRef>
+          <a:fontRef idx="minor">
+            <a:schemeClr val="lt1"/>
+          </a:fontRef>
+        </p:style>
+        <p:txBody>
+          <a:bodyPr rtlCol="0" anchor="ctr"/>
+          <a:lstStyle/>
+          <a:p>
+            <a:pPr algn="ctr"/>
+            <a:endParaRPr lang="en-US"/>
+          </a:p>
+        </p:txBody>
+      </p:sp>
+      <p:sp>
+        <p:nvSpPr>
+          <p:cNvPr id="48" name="Oval 47">
+            <a:extLst>
+              <a:ext uri="{FF2B5EF4-FFF2-40B4-BE49-F238E27FC236}">
+                <a16:creationId xmlns:a16="http://schemas.microsoft.com/office/drawing/2014/main" id="{ED4B9F07-2410-4D37-8BEF-74F8AABAAACA}"/>
+              </a:ext>
+            </a:extLst>
+          </p:cNvPr>
+          <p:cNvSpPr/>
+          <p:nvPr/>
+        </p:nvSpPr>
+        <p:spPr>
+          <a:xfrm>
+            <a:off x="962801" y="5693122"/>
+            <a:ext cx="77638" cy="77638"/>
+          </a:xfrm>
+          <a:prstGeom prst="ellipse">
+            <a:avLst/>
+          </a:prstGeom>
+        </p:spPr>
+        <p:style>
+          <a:lnRef idx="2">
+            <a:schemeClr val="accent1">
+              <a:shade val="50000"/>
+            </a:schemeClr>
+          </a:lnRef>
+          <a:fillRef idx="1">
+            <a:schemeClr val="accent1"/>
+          </a:fillRef>
+          <a:effectRef idx="0">
+            <a:schemeClr val="accent1"/>
+          </a:effectRef>
+          <a:fontRef idx="minor">
+            <a:schemeClr val="lt1"/>
+          </a:fontRef>
+        </p:style>
+        <p:txBody>
+          <a:bodyPr rtlCol="0" anchor="ctr"/>
+          <a:lstStyle/>
+          <a:p>
+            <a:pPr algn="ctr"/>
+            <a:endParaRPr lang="en-US"/>
+          </a:p>
+        </p:txBody>
+      </p:sp>
+      <p:sp>
+        <p:nvSpPr>
+          <p:cNvPr id="49" name="Oval 48">
+            <a:extLst>
+              <a:ext uri="{FF2B5EF4-FFF2-40B4-BE49-F238E27FC236}">
+                <a16:creationId xmlns:a16="http://schemas.microsoft.com/office/drawing/2014/main" id="{40B40849-9BB7-43D9-BE79-0052650045A7}"/>
+              </a:ext>
+            </a:extLst>
+          </p:cNvPr>
+          <p:cNvSpPr/>
+          <p:nvPr/>
+        </p:nvSpPr>
+        <p:spPr>
+          <a:xfrm>
+            <a:off x="1118907" y="4527899"/>
+            <a:ext cx="77638" cy="77638"/>
+          </a:xfrm>
+          <a:prstGeom prst="ellipse">
+            <a:avLst/>
+          </a:prstGeom>
+        </p:spPr>
+        <p:style>
+          <a:lnRef idx="2">
+            <a:schemeClr val="accent1">
+              <a:shade val="50000"/>
+            </a:schemeClr>
+          </a:lnRef>
+          <a:fillRef idx="1">
+            <a:schemeClr val="accent1"/>
+          </a:fillRef>
+          <a:effectRef idx="0">
+            <a:schemeClr val="accent1"/>
+          </a:effectRef>
+          <a:fontRef idx="minor">
+            <a:schemeClr val="lt1"/>
+          </a:fontRef>
+        </p:style>
+        <p:txBody>
+          <a:bodyPr rtlCol="0" anchor="ctr"/>
+          <a:lstStyle/>
+          <a:p>
+            <a:pPr algn="ctr"/>
+            <a:endParaRPr lang="en-US"/>
+          </a:p>
+        </p:txBody>
+      </p:sp>
+      <p:sp>
+        <p:nvSpPr>
+          <p:cNvPr id="50" name="Oval 49">
+            <a:extLst>
+              <a:ext uri="{FF2B5EF4-FFF2-40B4-BE49-F238E27FC236}">
+                <a16:creationId xmlns:a16="http://schemas.microsoft.com/office/drawing/2014/main" id="{080BEEA8-8D8D-483A-9F31-EFE4B964A979}"/>
+              </a:ext>
+            </a:extLst>
+          </p:cNvPr>
+          <p:cNvSpPr/>
+          <p:nvPr/>
+        </p:nvSpPr>
+        <p:spPr>
+          <a:xfrm>
+            <a:off x="1470084" y="4173720"/>
+            <a:ext cx="77638" cy="77638"/>
+          </a:xfrm>
+          <a:prstGeom prst="ellipse">
+            <a:avLst/>
+          </a:prstGeom>
+        </p:spPr>
+        <p:style>
+          <a:lnRef idx="2">
+            <a:schemeClr val="accent1">
+              <a:shade val="50000"/>
+            </a:schemeClr>
+          </a:lnRef>
+          <a:fillRef idx="1">
+            <a:schemeClr val="accent1"/>
+          </a:fillRef>
+          <a:effectRef idx="0">
+            <a:schemeClr val="accent1"/>
+          </a:effectRef>
+          <a:fontRef idx="minor">
+            <a:schemeClr val="lt1"/>
+          </a:fontRef>
+        </p:style>
+        <p:txBody>
+          <a:bodyPr rtlCol="0" anchor="ctr"/>
+          <a:lstStyle/>
+          <a:p>
+            <a:pPr algn="ctr"/>
+            <a:endParaRPr lang="en-US"/>
+          </a:p>
+        </p:txBody>
+      </p:sp>
+      <p:sp>
+        <p:nvSpPr>
+          <p:cNvPr id="51" name="Oval 50">
+            <a:extLst>
+              <a:ext uri="{FF2B5EF4-FFF2-40B4-BE49-F238E27FC236}">
+                <a16:creationId xmlns:a16="http://schemas.microsoft.com/office/drawing/2014/main" id="{EB9C31A6-0258-4765-B903-645B4C9B826C}"/>
+              </a:ext>
+            </a:extLst>
+          </p:cNvPr>
+          <p:cNvSpPr/>
+          <p:nvPr/>
+        </p:nvSpPr>
+        <p:spPr>
+          <a:xfrm>
+            <a:off x="1605161" y="5367652"/>
+            <a:ext cx="77638" cy="77638"/>
+          </a:xfrm>
+          <a:prstGeom prst="ellipse">
+            <a:avLst/>
+          </a:prstGeom>
+        </p:spPr>
+        <p:style>
+          <a:lnRef idx="2">
+            <a:schemeClr val="accent1">
+              <a:shade val="50000"/>
+            </a:schemeClr>
+          </a:lnRef>
+          <a:fillRef idx="1">
+            <a:schemeClr val="accent1"/>
+          </a:fillRef>
+          <a:effectRef idx="0">
+            <a:schemeClr val="accent1"/>
+          </a:effectRef>
+          <a:fontRef idx="minor">
+            <a:schemeClr val="lt1"/>
+          </a:fontRef>
+        </p:style>
+        <p:txBody>
+          <a:bodyPr rtlCol="0" anchor="ctr"/>
+          <a:lstStyle/>
+          <a:p>
+            <a:pPr algn="ctr"/>
+            <a:endParaRPr lang="en-US"/>
+          </a:p>
+        </p:txBody>
+      </p:sp>
+      <p:sp>
+        <p:nvSpPr>
+          <p:cNvPr id="52" name="Oval 51">
+            <a:extLst>
+              <a:ext uri="{FF2B5EF4-FFF2-40B4-BE49-F238E27FC236}">
+                <a16:creationId xmlns:a16="http://schemas.microsoft.com/office/drawing/2014/main" id="{1682D71E-1FC4-48B9-A8CE-8642FCDBE8D5}"/>
+              </a:ext>
+            </a:extLst>
+          </p:cNvPr>
+          <p:cNvSpPr/>
+          <p:nvPr/>
+        </p:nvSpPr>
+        <p:spPr>
+          <a:xfrm>
+            <a:off x="906794" y="6117803"/>
+            <a:ext cx="77638" cy="77638"/>
+          </a:xfrm>
+          <a:prstGeom prst="ellipse">
+            <a:avLst/>
+          </a:prstGeom>
+        </p:spPr>
+        <p:style>
+          <a:lnRef idx="2">
+            <a:schemeClr val="accent1">
+              <a:shade val="50000"/>
+            </a:schemeClr>
+          </a:lnRef>
+          <a:fillRef idx="1">
+            <a:schemeClr val="accent1"/>
+          </a:fillRef>
+          <a:effectRef idx="0">
+            <a:schemeClr val="accent1"/>
+          </a:effectRef>
+          <a:fontRef idx="minor">
+            <a:schemeClr val="lt1"/>
+          </a:fontRef>
+        </p:style>
+        <p:txBody>
+          <a:bodyPr rtlCol="0" anchor="ctr"/>
+          <a:lstStyle/>
+          <a:p>
+            <a:pPr algn="ctr"/>
+            <a:endParaRPr lang="en-US"/>
+          </a:p>
+        </p:txBody>
+      </p:sp>
+      <p:sp>
+        <p:nvSpPr>
+          <p:cNvPr id="53" name="Oval 52">
+            <a:extLst>
+              <a:ext uri="{FF2B5EF4-FFF2-40B4-BE49-F238E27FC236}">
+                <a16:creationId xmlns:a16="http://schemas.microsoft.com/office/drawing/2014/main" id="{16D9BD0C-96BD-4360-8419-6CF51786ECBB}"/>
+              </a:ext>
+            </a:extLst>
+          </p:cNvPr>
+          <p:cNvSpPr/>
+          <p:nvPr/>
+        </p:nvSpPr>
+        <p:spPr>
+          <a:xfrm>
+            <a:off x="735674" y="6040165"/>
+            <a:ext cx="77638" cy="77638"/>
+          </a:xfrm>
+          <a:prstGeom prst="ellipse">
+            <a:avLst/>
+          </a:prstGeom>
+        </p:spPr>
+        <p:style>
+          <a:lnRef idx="2">
+            <a:schemeClr val="accent1">
+              <a:shade val="50000"/>
+            </a:schemeClr>
+          </a:lnRef>
+          <a:fillRef idx="1">
+            <a:schemeClr val="accent1"/>
+          </a:fillRef>
+          <a:effectRef idx="0">
+            <a:schemeClr val="accent1"/>
+          </a:effectRef>
+          <a:fontRef idx="minor">
+            <a:schemeClr val="lt1"/>
+          </a:fontRef>
+        </p:style>
+        <p:txBody>
+          <a:bodyPr rtlCol="0" anchor="ctr"/>
+          <a:lstStyle/>
+          <a:p>
+            <a:pPr algn="ctr"/>
+            <a:endParaRPr lang="en-US"/>
+          </a:p>
+        </p:txBody>
+      </p:sp>
+      <p:sp>
+        <p:nvSpPr>
+          <p:cNvPr id="54" name="Oval 53">
+            <a:extLst>
+              <a:ext uri="{FF2B5EF4-FFF2-40B4-BE49-F238E27FC236}">
+                <a16:creationId xmlns:a16="http://schemas.microsoft.com/office/drawing/2014/main" id="{216F9844-1FEE-465B-9AA0-2327023391D5}"/>
+              </a:ext>
+            </a:extLst>
+          </p:cNvPr>
+          <p:cNvSpPr/>
+          <p:nvPr/>
+        </p:nvSpPr>
+        <p:spPr>
+          <a:xfrm>
+            <a:off x="491425" y="3825244"/>
+            <a:ext cx="77638" cy="77638"/>
+          </a:xfrm>
+          <a:prstGeom prst="ellipse">
+            <a:avLst/>
+          </a:prstGeom>
+        </p:spPr>
+        <p:style>
+          <a:lnRef idx="2">
+            <a:schemeClr val="accent1">
+              <a:shade val="50000"/>
+            </a:schemeClr>
+          </a:lnRef>
+          <a:fillRef idx="1">
+            <a:schemeClr val="accent1"/>
+          </a:fillRef>
+          <a:effectRef idx="0">
+            <a:schemeClr val="accent1"/>
+          </a:effectRef>
+          <a:fontRef idx="minor">
+            <a:schemeClr val="lt1"/>
+          </a:fontRef>
+        </p:style>
+        <p:txBody>
+          <a:bodyPr rtlCol="0" anchor="ctr"/>
+          <a:lstStyle/>
+          <a:p>
+            <a:pPr algn="ctr"/>
+            <a:endParaRPr lang="en-US"/>
+          </a:p>
+        </p:txBody>
+      </p:sp>
+      <p:sp>
+        <p:nvSpPr>
+          <p:cNvPr id="55" name="Oval 54">
+            <a:extLst>
+              <a:ext uri="{FF2B5EF4-FFF2-40B4-BE49-F238E27FC236}">
+                <a16:creationId xmlns:a16="http://schemas.microsoft.com/office/drawing/2014/main" id="{37FFB72F-B0E2-4F71-BE37-7D23B64ABA07}"/>
+              </a:ext>
+            </a:extLst>
+          </p:cNvPr>
+          <p:cNvSpPr/>
+          <p:nvPr/>
+        </p:nvSpPr>
+        <p:spPr>
+          <a:xfrm>
+            <a:off x="1189621" y="3937619"/>
+            <a:ext cx="77638" cy="77638"/>
+          </a:xfrm>
+          <a:prstGeom prst="ellipse">
+            <a:avLst/>
+          </a:prstGeom>
+        </p:spPr>
+        <p:style>
+          <a:lnRef idx="2">
+            <a:schemeClr val="accent1">
+              <a:shade val="50000"/>
+            </a:schemeClr>
+          </a:lnRef>
+          <a:fillRef idx="1">
+            <a:schemeClr val="accent1"/>
+          </a:fillRef>
+          <a:effectRef idx="0">
+            <a:schemeClr val="accent1"/>
+          </a:effectRef>
+          <a:fontRef idx="minor">
+            <a:schemeClr val="lt1"/>
+          </a:fontRef>
+        </p:style>
+        <p:txBody>
+          <a:bodyPr rtlCol="0" anchor="ctr"/>
+          <a:lstStyle/>
+          <a:p>
+            <a:pPr algn="ctr"/>
+            <a:endParaRPr lang="en-US"/>
+          </a:p>
+        </p:txBody>
+      </p:sp>
+      <p:sp>
+        <p:nvSpPr>
+          <p:cNvPr id="56" name="Oval 55">
+            <a:extLst>
+              <a:ext uri="{FF2B5EF4-FFF2-40B4-BE49-F238E27FC236}">
+                <a16:creationId xmlns:a16="http://schemas.microsoft.com/office/drawing/2014/main" id="{42A7B9AF-27E8-4902-909F-2099B7A6104F}"/>
+              </a:ext>
+            </a:extLst>
+          </p:cNvPr>
+          <p:cNvSpPr/>
+          <p:nvPr/>
+        </p:nvSpPr>
+        <p:spPr>
+          <a:xfrm>
+            <a:off x="1403273" y="3715418"/>
+            <a:ext cx="77638" cy="77638"/>
+          </a:xfrm>
+          <a:prstGeom prst="ellipse">
+            <a:avLst/>
+          </a:prstGeom>
+        </p:spPr>
+        <p:style>
+          <a:lnRef idx="2">
+            <a:schemeClr val="accent1">
+              <a:shade val="50000"/>
+            </a:schemeClr>
+          </a:lnRef>
+          <a:fillRef idx="1">
+            <a:schemeClr val="accent1"/>
+          </a:fillRef>
+          <a:effectRef idx="0">
+            <a:schemeClr val="accent1"/>
+          </a:effectRef>
+          <a:fontRef idx="minor">
+            <a:schemeClr val="lt1"/>
+          </a:fontRef>
+        </p:style>
+        <p:txBody>
+          <a:bodyPr rtlCol="0" anchor="ctr"/>
+          <a:lstStyle/>
+          <a:p>
+            <a:pPr algn="ctr"/>
+            <a:endParaRPr lang="en-US"/>
+          </a:p>
+        </p:txBody>
+      </p:sp>
+      <p:sp>
+        <p:nvSpPr>
+          <p:cNvPr id="57" name="Oval 56">
+            <a:extLst>
+              <a:ext uri="{FF2B5EF4-FFF2-40B4-BE49-F238E27FC236}">
+                <a16:creationId xmlns:a16="http://schemas.microsoft.com/office/drawing/2014/main" id="{56FE428E-F1B8-403B-9B41-53B095FCEEA3}"/>
+              </a:ext>
+            </a:extLst>
+          </p:cNvPr>
+          <p:cNvSpPr/>
+          <p:nvPr/>
+        </p:nvSpPr>
+        <p:spPr>
+          <a:xfrm>
+            <a:off x="1693287" y="6078984"/>
+            <a:ext cx="77638" cy="77638"/>
+          </a:xfrm>
+          <a:prstGeom prst="ellipse">
+            <a:avLst/>
+          </a:prstGeom>
+        </p:spPr>
+        <p:style>
+          <a:lnRef idx="2">
+            <a:schemeClr val="accent1">
+              <a:shade val="50000"/>
+            </a:schemeClr>
+          </a:lnRef>
+          <a:fillRef idx="1">
+            <a:schemeClr val="accent1"/>
+          </a:fillRef>
+          <a:effectRef idx="0">
+            <a:schemeClr val="accent1"/>
+          </a:effectRef>
+          <a:fontRef idx="minor">
+            <a:schemeClr val="lt1"/>
+          </a:fontRef>
+        </p:style>
+        <p:txBody>
+          <a:bodyPr rtlCol="0" anchor="ctr"/>
+          <a:lstStyle/>
+          <a:p>
+            <a:pPr algn="ctr"/>
+            <a:endParaRPr lang="en-US"/>
+          </a:p>
+        </p:txBody>
+      </p:sp>
+      <p:sp>
+        <p:nvSpPr>
+          <p:cNvPr id="4" name="TextBox 3">
+            <a:extLst>
+              <a:ext uri="{FF2B5EF4-FFF2-40B4-BE49-F238E27FC236}">
+                <a16:creationId xmlns:a16="http://schemas.microsoft.com/office/drawing/2014/main" id="{00C40247-CCA6-401C-AE05-68CAE940988E}"/>
+              </a:ext>
+            </a:extLst>
+          </p:cNvPr>
+          <p:cNvSpPr txBox="1"/>
+          <p:nvPr/>
+        </p:nvSpPr>
+        <p:spPr>
+          <a:xfrm>
+            <a:off x="2118953" y="2429440"/>
+            <a:ext cx="5477774" cy="369332"/>
+          </a:xfrm>
+          <a:prstGeom prst="rect">
+            <a:avLst/>
+          </a:prstGeom>
+          <a:noFill/>
+        </p:spPr>
+        <p:txBody>
+          <a:bodyPr wrap="square" rtlCol="0">
+            <a:spAutoFit/>
+          </a:bodyPr>
+          <a:lstStyle/>
+          <a:p>
+            <a:r>
+              <a:rPr lang="en-US" dirty="0"/>
+              <a:t>Cannot decide transition with this state alone</a:t>
+            </a:r>
+          </a:p>
+        </p:txBody>
+      </p:sp>
+      <p:cxnSp>
+        <p:nvCxnSpPr>
+          <p:cNvPr id="6" name="Straight Connector 5">
+            <a:extLst>
+              <a:ext uri="{FF2B5EF4-FFF2-40B4-BE49-F238E27FC236}">
+                <a16:creationId xmlns:a16="http://schemas.microsoft.com/office/drawing/2014/main" id="{CD13E5CC-22B3-4C95-86EB-9600677B0ABB}"/>
+              </a:ext>
+            </a:extLst>
+          </p:cNvPr>
+          <p:cNvCxnSpPr/>
+          <p:nvPr/>
+        </p:nvCxnSpPr>
+        <p:spPr>
+          <a:xfrm>
+            <a:off x="1267259" y="4917190"/>
+            <a:ext cx="67068" cy="825630"/>
+          </a:xfrm>
+          <a:prstGeom prst="line">
+            <a:avLst/>
+          </a:prstGeom>
+          <a:ln>
+            <a:solidFill>
+              <a:srgbClr val="FF0000"/>
+            </a:solidFill>
+          </a:ln>
+        </p:spPr>
+        <p:style>
+          <a:lnRef idx="1">
+            <a:schemeClr val="accent1"/>
+          </a:lnRef>
+          <a:fillRef idx="0">
+            <a:schemeClr val="accent1"/>
+          </a:fillRef>
+          <a:effectRef idx="0">
+            <a:schemeClr val="accent1"/>
+          </a:effectRef>
+          <a:fontRef idx="minor">
+            <a:schemeClr val="tx1"/>
+          </a:fontRef>
+        </p:style>
+      </p:cxnSp>
+      <p:cxnSp>
+        <p:nvCxnSpPr>
+          <p:cNvPr id="58" name="Straight Connector 57">
+            <a:extLst>
+              <a:ext uri="{FF2B5EF4-FFF2-40B4-BE49-F238E27FC236}">
+                <a16:creationId xmlns:a16="http://schemas.microsoft.com/office/drawing/2014/main" id="{F6B53866-56C4-41D3-B366-67A0CD9EC956}"/>
+              </a:ext>
+            </a:extLst>
+          </p:cNvPr>
+          <p:cNvCxnSpPr/>
+          <p:nvPr/>
+        </p:nvCxnSpPr>
+        <p:spPr>
+          <a:xfrm>
+            <a:off x="1672236" y="4102648"/>
+            <a:ext cx="67068" cy="825630"/>
+          </a:xfrm>
+          <a:prstGeom prst="line">
+            <a:avLst/>
+          </a:prstGeom>
+          <a:ln>
+            <a:solidFill>
+              <a:srgbClr val="FF0000"/>
+            </a:solidFill>
+          </a:ln>
+        </p:spPr>
+        <p:style>
+          <a:lnRef idx="1">
+            <a:schemeClr val="accent1"/>
+          </a:lnRef>
+          <a:fillRef idx="0">
+            <a:schemeClr val="accent1"/>
+          </a:fillRef>
+          <a:effectRef idx="0">
+            <a:schemeClr val="accent1"/>
+          </a:effectRef>
+          <a:fontRef idx="minor">
+            <a:schemeClr val="tx1"/>
+          </a:fontRef>
+        </p:style>
+      </p:cxnSp>
+      <p:sp>
+        <p:nvSpPr>
+          <p:cNvPr id="59" name="Isosceles Triangle 58">
+            <a:extLst>
+              <a:ext uri="{FF2B5EF4-FFF2-40B4-BE49-F238E27FC236}">
+                <a16:creationId xmlns:a16="http://schemas.microsoft.com/office/drawing/2014/main" id="{667EEB0A-A747-460B-82DB-6972C4ADB672}"/>
+              </a:ext>
+            </a:extLst>
+          </p:cNvPr>
+          <p:cNvSpPr/>
+          <p:nvPr/>
+        </p:nvSpPr>
+        <p:spPr>
+          <a:xfrm>
+            <a:off x="1284029" y="5631769"/>
+            <a:ext cx="166178" cy="164486"/>
+          </a:xfrm>
+          <a:prstGeom prst="triangle">
+            <a:avLst/>
+          </a:prstGeom>
+        </p:spPr>
+        <p:style>
+          <a:lnRef idx="2">
+            <a:schemeClr val="accent1">
+              <a:shade val="50000"/>
+            </a:schemeClr>
+          </a:lnRef>
+          <a:fillRef idx="1">
+            <a:schemeClr val="accent1"/>
+          </a:fillRef>
+          <a:effectRef idx="0">
+            <a:schemeClr val="accent1"/>
+          </a:effectRef>
+          <a:fontRef idx="minor">
+            <a:schemeClr val="lt1"/>
+          </a:fontRef>
+        </p:style>
+        <p:txBody>
+          <a:bodyPr rtlCol="0" anchor="ctr"/>
+          <a:lstStyle/>
+          <a:p>
+            <a:pPr algn="ctr"/>
+            <a:endParaRPr lang="en-US"/>
+          </a:p>
+        </p:txBody>
+      </p:sp>
+      <p:sp>
+        <p:nvSpPr>
+          <p:cNvPr id="60" name="TextBox 59">
+            <a:extLst>
+              <a:ext uri="{FF2B5EF4-FFF2-40B4-BE49-F238E27FC236}">
+                <a16:creationId xmlns:a16="http://schemas.microsoft.com/office/drawing/2014/main" id="{57BBCFEB-FF5D-4774-A5AA-8E63898FE389}"/>
+              </a:ext>
+            </a:extLst>
+          </p:cNvPr>
+          <p:cNvSpPr txBox="1"/>
+          <p:nvPr/>
+        </p:nvSpPr>
+        <p:spPr>
+          <a:xfrm>
+            <a:off x="5222481" y="3608390"/>
+            <a:ext cx="4511117" cy="369332"/>
+          </a:xfrm>
+          <a:prstGeom prst="rect">
+            <a:avLst/>
+          </a:prstGeom>
+          <a:noFill/>
+        </p:spPr>
+        <p:txBody>
+          <a:bodyPr wrap="square" rtlCol="0">
+            <a:spAutoFit/>
+          </a:bodyPr>
+          <a:lstStyle/>
+          <a:p>
+            <a:pPr marL="285750" indent="-285750">
+              <a:buFont typeface="Arial" panose="020B0604020202020204" pitchFamily="34" charset="0"/>
+              <a:buChar char="•"/>
+            </a:pPr>
+            <a:r>
+              <a:rPr lang="en-US" dirty="0"/>
+              <a:t>Rendezvous will change UGV’s path</a:t>
+            </a:r>
+          </a:p>
+        </p:txBody>
+      </p:sp>
+      <p:sp>
+        <p:nvSpPr>
+          <p:cNvPr id="62" name="TextBox 61">
+            <a:extLst>
+              <a:ext uri="{FF2B5EF4-FFF2-40B4-BE49-F238E27FC236}">
+                <a16:creationId xmlns:a16="http://schemas.microsoft.com/office/drawing/2014/main" id="{006E10A6-491A-4463-8AFD-F2263F4CCF64}"/>
+              </a:ext>
+            </a:extLst>
+          </p:cNvPr>
+          <p:cNvSpPr txBox="1"/>
+          <p:nvPr/>
+        </p:nvSpPr>
+        <p:spPr>
+          <a:xfrm>
+            <a:off x="5280727" y="4245968"/>
+            <a:ext cx="4511117" cy="646331"/>
+          </a:xfrm>
+          <a:prstGeom prst="rect">
+            <a:avLst/>
+          </a:prstGeom>
+          <a:noFill/>
+        </p:spPr>
+        <p:txBody>
+          <a:bodyPr wrap="square" rtlCol="0">
+            <a:spAutoFit/>
+          </a:bodyPr>
+          <a:lstStyle/>
+          <a:p>
+            <a:pPr marL="285750" indent="-285750">
+              <a:buFont typeface="Arial" panose="020B0604020202020204" pitchFamily="34" charset="0"/>
+              <a:buChar char="•"/>
+            </a:pPr>
+            <a:r>
+              <a:rPr lang="en-US" dirty="0"/>
+              <a:t>After rendezvous, the transition may </a:t>
+            </a:r>
+          </a:p>
+          <a:p>
+            <a:r>
+              <a:rPr lang="en-US"/>
+              <a:t>be  non-decidable  </a:t>
+            </a:r>
+            <a:endParaRPr lang="en-US" dirty="0"/>
+          </a:p>
+        </p:txBody>
+      </p:sp>
+    </p:spTree>
+    <p:extLst>
+      <p:ext uri="{BB962C8B-B14F-4D97-AF65-F5344CB8AC3E}">
+        <p14:creationId xmlns:p14="http://schemas.microsoft.com/office/powerpoint/2010/main" val="218854266"/>
+      </p:ext>
+    </p:extLst>
+  </p:cSld>
+  <p:clrMapOvr>
+    <a:masterClrMapping/>
+  </p:clrMapOvr>
+</p:sld>
+</file>
+
+<file path=ppt/slides/slide26.xml><?xml version="1.0" encoding="utf-8"?>
 <p:sld xmlns:a="http://schemas.openxmlformats.org/drawingml/2006/main" xmlns:r="http://schemas.openxmlformats.org/officeDocument/2006/relationships" xmlns:p="http://schemas.openxmlformats.org/presentationml/2006/main">
   <p:cSld>
     <p:spTree>
@@ -27585,6 +31171,96 @@
 </p:tagLst>
 </file>
 
+<file path=ppt/tags/tag10.xml><?xml version="1.0" encoding="utf-8"?>
+<p:tagLst xmlns:a="http://schemas.openxmlformats.org/drawingml/2006/main" xmlns:r="http://schemas.openxmlformats.org/officeDocument/2006/relationships" xmlns:p="http://schemas.openxmlformats.org/presentationml/2006/main">
+  <p:tag name="OUTPUTDPI" val="2000"/>
+  <p:tag name="ORIGINALHEIGHT" val="123.7346"/>
+  <p:tag name="ORIGINALWIDTH" val="242.2197"/>
+  <p:tag name="LATEXADDIN" val="\documentclass{article}&#10;\usepackage{amsmath}&#10;\pagestyle{empty}&#10;\begin{document}&#10;&#10;&#10;$$&#10;v_{br}&#10;$$&#10;&#10;\end{document}"/>
+  <p:tag name="IGUANATEXSIZE" val="18"/>
+  <p:tag name="IGUANATEXCURSOR" val="90"/>
+  <p:tag name="TRANSPARENCY" val="True"/>
+  <p:tag name="LATEXENGINEID" val="0"/>
+  <p:tag name="TEMPFOLDER" val="C:\Guangyao\Course Materials\Robotics\research\Presentation\LatexFormula\"/>
+  <p:tag name="LATEXFORMHEIGHT" val="312"/>
+  <p:tag name="LATEXFORMWIDTH" val="384"/>
+  <p:tag name="LATEXFORMWRAP" val="True"/>
+  <p:tag name="BITMAPVECTOR" val="0"/>
+</p:tagLst>
+</file>
+
+<file path=ppt/tags/tag11.xml><?xml version="1.0" encoding="utf-8"?>
+<p:tagLst xmlns:a="http://schemas.openxmlformats.org/drawingml/2006/main" xmlns:r="http://schemas.openxmlformats.org/officeDocument/2006/relationships" xmlns:p="http://schemas.openxmlformats.org/presentationml/2006/main">
+  <p:tag name="OUTPUTDPI" val="2000"/>
+  <p:tag name="ORIGINALHEIGHT" val="123.7346"/>
+  <p:tag name="ORIGINALWIDTH" val="242.2197"/>
+  <p:tag name="LATEXADDIN" val="\documentclass{article}&#10;\usepackage{amsmath}&#10;\pagestyle{empty}&#10;\begin{document}&#10;&#10;&#10;$$&#10;v_{br}&#10;$$&#10;&#10;\end{document}"/>
+  <p:tag name="IGUANATEXSIZE" val="18"/>
+  <p:tag name="IGUANATEXCURSOR" val="90"/>
+  <p:tag name="TRANSPARENCY" val="True"/>
+  <p:tag name="LATEXENGINEID" val="0"/>
+  <p:tag name="TEMPFOLDER" val="C:\Guangyao\Course Materials\Robotics\research\Presentation\LatexFormula\"/>
+  <p:tag name="LATEXFORMHEIGHT" val="312"/>
+  <p:tag name="LATEXFORMWIDTH" val="384"/>
+  <p:tag name="LATEXFORMWRAP" val="True"/>
+  <p:tag name="BITMAPVECTOR" val="0"/>
+</p:tagLst>
+</file>
+
+<file path=ppt/tags/tag12.xml><?xml version="1.0" encoding="utf-8"?>
+<p:tagLst xmlns:a="http://schemas.openxmlformats.org/drawingml/2006/main" xmlns:r="http://schemas.openxmlformats.org/officeDocument/2006/relationships" xmlns:p="http://schemas.openxmlformats.org/presentationml/2006/main">
+  <p:tag name="OUTPUTDPI" val="2000"/>
+  <p:tag name="ORIGINALHEIGHT" val="123.7346"/>
+  <p:tag name="ORIGINALWIDTH" val="242.2197"/>
+  <p:tag name="LATEXADDIN" val="\documentclass{article}&#10;\usepackage{amsmath}&#10;\pagestyle{empty}&#10;\begin{document}&#10;&#10;&#10;$$&#10;v_{br}&#10;$$&#10;&#10;\end{document}"/>
+  <p:tag name="IGUANATEXSIZE" val="18"/>
+  <p:tag name="IGUANATEXCURSOR" val="90"/>
+  <p:tag name="TRANSPARENCY" val="True"/>
+  <p:tag name="LATEXENGINEID" val="0"/>
+  <p:tag name="TEMPFOLDER" val="C:\Guangyao\Course Materials\Robotics\research\Presentation\LatexFormula\"/>
+  <p:tag name="LATEXFORMHEIGHT" val="312"/>
+  <p:tag name="LATEXFORMWIDTH" val="384"/>
+  <p:tag name="LATEXFORMWRAP" val="True"/>
+  <p:tag name="BITMAPVECTOR" val="0"/>
+</p:tagLst>
+</file>
+
+<file path=ppt/tags/tag13.xml><?xml version="1.0" encoding="utf-8"?>
+<p:tagLst xmlns:a="http://schemas.openxmlformats.org/drawingml/2006/main" xmlns:r="http://schemas.openxmlformats.org/officeDocument/2006/relationships" xmlns:p="http://schemas.openxmlformats.org/presentationml/2006/main">
+  <p:tag name="OUTPUTDPI" val="2000"/>
+  <p:tag name="ORIGINALHEIGHT" val="123.7346"/>
+  <p:tag name="ORIGINALWIDTH" val="239.2201"/>
+  <p:tag name="LATEXADDIN" val="\documentclass{article}&#10;\usepackage{amsmath}&#10;\pagestyle{empty}&#10;\begin{document}&#10;&#10;&#10;$$&#10;v_{be}&#10;$$&#10;&#10;\end{document}"/>
+  <p:tag name="IGUANATEXSIZE" val="18"/>
+  <p:tag name="IGUANATEXCURSOR" val="90"/>
+  <p:tag name="TRANSPARENCY" val="True"/>
+  <p:tag name="LATEXENGINEID" val="0"/>
+  <p:tag name="TEMPFOLDER" val="C:\Guangyao\Course Materials\Robotics\research\Presentation\LatexFormula\"/>
+  <p:tag name="LATEXFORMHEIGHT" val="312"/>
+  <p:tag name="LATEXFORMWIDTH" val="384"/>
+  <p:tag name="LATEXFORMWRAP" val="True"/>
+  <p:tag name="BITMAPVECTOR" val="0"/>
+</p:tagLst>
+</file>
+
+<file path=ppt/tags/tag14.xml><?xml version="1.0" encoding="utf-8"?>
+<p:tagLst xmlns:a="http://schemas.openxmlformats.org/drawingml/2006/main" xmlns:r="http://schemas.openxmlformats.org/officeDocument/2006/relationships" xmlns:p="http://schemas.openxmlformats.org/presentationml/2006/main">
+  <p:tag name="OUTPUTDPI" val="2000"/>
+  <p:tag name="ORIGINALHEIGHT" val="206.2243"/>
+  <p:tag name="ORIGINALWIDTH" val="1085.864"/>
+  <p:tag name="LATEXADDIN" val="\documentclass{article}&#10;\usepackage{amsmath}&#10;\pagestyle{empty}&#10;\begin{document}&#10;&#10;$$&#10;S_g \times S_a \times \mathcal{B}&#10;$$&#10;&#10;&#10;\end{document}"/>
+  <p:tag name="IGUANATEXSIZE" val="20"/>
+  <p:tag name="IGUANATEXCURSOR" val="117"/>
+  <p:tag name="TRANSPARENCY" val="True"/>
+  <p:tag name="LATEXENGINEID" val="0"/>
+  <p:tag name="TEMPFOLDER" val="C:\Guangyao\Course Materials\Robotics\research\Presentation\LatexFormula\"/>
+  <p:tag name="LATEXFORMHEIGHT" val="312"/>
+  <p:tag name="LATEXFORMWIDTH" val="384"/>
+  <p:tag name="LATEXFORMWRAP" val="True"/>
+  <p:tag name="BITMAPVECTOR" val="0"/>
+</p:tagLst>
+</file>
+
 <file path=ppt/tags/tag2.xml><?xml version="1.0" encoding="utf-8"?>
 <p:tagLst xmlns:a="http://schemas.openxmlformats.org/drawingml/2006/main" xmlns:r="http://schemas.openxmlformats.org/officeDocument/2006/relationships" xmlns:p="http://schemas.openxmlformats.org/presentationml/2006/main">
   <p:tag name="OUTPUTDPI" val="1200"/>
@@ -27612,6 +31288,114 @@
   <p:tag name="LATEXADDIN" val="\documentclass{article}&#10;\usepackage{amsmath}&#10;\pagestyle{empty}&#10;\begin{document}&#10;&#10;$$D \delta$$&#10;&#10;&#10;\end{document}"/>
   <p:tag name="IGUANATEXSIZE" val="20"/>
   <p:tag name="IGUANATEXCURSOR" val="91"/>
+  <p:tag name="TRANSPARENCY" val="True"/>
+  <p:tag name="LATEXENGINEID" val="0"/>
+  <p:tag name="TEMPFOLDER" val="C:\Guangyao\Course Materials\Robotics\research\Presentation\LatexFormula\"/>
+  <p:tag name="LATEXFORMHEIGHT" val="312"/>
+  <p:tag name="LATEXFORMWIDTH" val="384"/>
+  <p:tag name="LATEXFORMWRAP" val="True"/>
+  <p:tag name="BITMAPVECTOR" val="0"/>
+</p:tagLst>
+</file>
+
+<file path=ppt/tags/tag4.xml><?xml version="1.0" encoding="utf-8"?>
+<p:tagLst xmlns:a="http://schemas.openxmlformats.org/drawingml/2006/main" xmlns:r="http://schemas.openxmlformats.org/officeDocument/2006/relationships" xmlns:p="http://schemas.openxmlformats.org/presentationml/2006/main">
+  <p:tag name="OUTPUTDPI" val="2000"/>
+  <p:tag name="ORIGINALHEIGHT" val="123.7346"/>
+  <p:tag name="ORIGINALWIDTH" val="239.2201"/>
+  <p:tag name="LATEXADDIN" val="\documentclass{article}&#10;\usepackage{amsmath}&#10;\pagestyle{empty}&#10;\begin{document}&#10;&#10;&#10;$$&#10;v_{be}&#10;$$&#10;&#10;\end{document}"/>
+  <p:tag name="IGUANATEXSIZE" val="18"/>
+  <p:tag name="IGUANATEXCURSOR" val="90"/>
+  <p:tag name="TRANSPARENCY" val="True"/>
+  <p:tag name="LATEXENGINEID" val="0"/>
+  <p:tag name="TEMPFOLDER" val="C:\Guangyao\Course Materials\Robotics\research\Presentation\LatexFormula\"/>
+  <p:tag name="LATEXFORMHEIGHT" val="312"/>
+  <p:tag name="LATEXFORMWIDTH" val="384"/>
+  <p:tag name="LATEXFORMWRAP" val="True"/>
+  <p:tag name="BITMAPVECTOR" val="0"/>
+</p:tagLst>
+</file>
+
+<file path=ppt/tags/tag5.xml><?xml version="1.0" encoding="utf-8"?>
+<p:tagLst xmlns:a="http://schemas.openxmlformats.org/drawingml/2006/main" xmlns:r="http://schemas.openxmlformats.org/officeDocument/2006/relationships" xmlns:p="http://schemas.openxmlformats.org/presentationml/2006/main">
+  <p:tag name="OUTPUTDPI" val="2000"/>
+  <p:tag name="ORIGINALHEIGHT" val="123.7346"/>
+  <p:tag name="ORIGINALWIDTH" val="242.2197"/>
+  <p:tag name="LATEXADDIN" val="\documentclass{article}&#10;\usepackage{amsmath}&#10;\pagestyle{empty}&#10;\begin{document}&#10;&#10;&#10;$$&#10;v_{br}&#10;$$&#10;&#10;\end{document}"/>
+  <p:tag name="IGUANATEXSIZE" val="18"/>
+  <p:tag name="IGUANATEXCURSOR" val="90"/>
+  <p:tag name="TRANSPARENCY" val="True"/>
+  <p:tag name="LATEXENGINEID" val="0"/>
+  <p:tag name="TEMPFOLDER" val="C:\Guangyao\Course Materials\Robotics\research\Presentation\LatexFormula\"/>
+  <p:tag name="LATEXFORMHEIGHT" val="312"/>
+  <p:tag name="LATEXFORMWIDTH" val="384"/>
+  <p:tag name="LATEXFORMWRAP" val="True"/>
+  <p:tag name="BITMAPVECTOR" val="0"/>
+</p:tagLst>
+</file>
+
+<file path=ppt/tags/tag6.xml><?xml version="1.0" encoding="utf-8"?>
+<p:tagLst xmlns:a="http://schemas.openxmlformats.org/drawingml/2006/main" xmlns:r="http://schemas.openxmlformats.org/officeDocument/2006/relationships" xmlns:p="http://schemas.openxmlformats.org/presentationml/2006/main">
+  <p:tag name="OUTPUTDPI" val="2000"/>
+  <p:tag name="ORIGINALHEIGHT" val="123.7346"/>
+  <p:tag name="ORIGINALWIDTH" val="239.2201"/>
+  <p:tag name="LATEXADDIN" val="\documentclass{article}&#10;\usepackage{amsmath}&#10;\pagestyle{empty}&#10;\begin{document}&#10;&#10;&#10;$$&#10;v_{be}&#10;$$&#10;&#10;\end{document}"/>
+  <p:tag name="IGUANATEXSIZE" val="18"/>
+  <p:tag name="IGUANATEXCURSOR" val="90"/>
+  <p:tag name="TRANSPARENCY" val="True"/>
+  <p:tag name="LATEXENGINEID" val="0"/>
+  <p:tag name="TEMPFOLDER" val="C:\Guangyao\Course Materials\Robotics\research\Presentation\LatexFormula\"/>
+  <p:tag name="LATEXFORMHEIGHT" val="312"/>
+  <p:tag name="LATEXFORMWIDTH" val="384"/>
+  <p:tag name="LATEXFORMWRAP" val="True"/>
+  <p:tag name="BITMAPVECTOR" val="0"/>
+</p:tagLst>
+</file>
+
+<file path=ppt/tags/tag7.xml><?xml version="1.0" encoding="utf-8"?>
+<p:tagLst xmlns:a="http://schemas.openxmlformats.org/drawingml/2006/main" xmlns:r="http://schemas.openxmlformats.org/officeDocument/2006/relationships" xmlns:p="http://schemas.openxmlformats.org/presentationml/2006/main">
+  <p:tag name="OUTPUTDPI" val="2000"/>
+  <p:tag name="ORIGINALHEIGHT" val="123.7346"/>
+  <p:tag name="ORIGINALWIDTH" val="239.2201"/>
+  <p:tag name="LATEXADDIN" val="\documentclass{article}&#10;\usepackage{amsmath}&#10;\pagestyle{empty}&#10;\begin{document}&#10;&#10;&#10;$$&#10;v_{be}&#10;$$&#10;&#10;\end{document}"/>
+  <p:tag name="IGUANATEXSIZE" val="18"/>
+  <p:tag name="IGUANATEXCURSOR" val="90"/>
+  <p:tag name="TRANSPARENCY" val="True"/>
+  <p:tag name="LATEXENGINEID" val="0"/>
+  <p:tag name="TEMPFOLDER" val="C:\Guangyao\Course Materials\Robotics\research\Presentation\LatexFormula\"/>
+  <p:tag name="LATEXFORMHEIGHT" val="312"/>
+  <p:tag name="LATEXFORMWIDTH" val="384"/>
+  <p:tag name="LATEXFORMWRAP" val="True"/>
+  <p:tag name="BITMAPVECTOR" val="0"/>
+</p:tagLst>
+</file>
+
+<file path=ppt/tags/tag8.xml><?xml version="1.0" encoding="utf-8"?>
+<p:tagLst xmlns:a="http://schemas.openxmlformats.org/drawingml/2006/main" xmlns:r="http://schemas.openxmlformats.org/officeDocument/2006/relationships" xmlns:p="http://schemas.openxmlformats.org/presentationml/2006/main">
+  <p:tag name="OUTPUTDPI" val="2000"/>
+  <p:tag name="ORIGINALHEIGHT" val="123.7346"/>
+  <p:tag name="ORIGINALWIDTH" val="239.2201"/>
+  <p:tag name="LATEXADDIN" val="\documentclass{article}&#10;\usepackage{amsmath}&#10;\pagestyle{empty}&#10;\begin{document}&#10;&#10;&#10;$$&#10;v_{be}&#10;$$&#10;&#10;\end{document}"/>
+  <p:tag name="IGUANATEXSIZE" val="18"/>
+  <p:tag name="IGUANATEXCURSOR" val="90"/>
+  <p:tag name="TRANSPARENCY" val="True"/>
+  <p:tag name="LATEXENGINEID" val="0"/>
+  <p:tag name="TEMPFOLDER" val="C:\Guangyao\Course Materials\Robotics\research\Presentation\LatexFormula\"/>
+  <p:tag name="LATEXFORMHEIGHT" val="312"/>
+  <p:tag name="LATEXFORMWIDTH" val="384"/>
+  <p:tag name="LATEXFORMWRAP" val="True"/>
+  <p:tag name="BITMAPVECTOR" val="0"/>
+</p:tagLst>
+</file>
+
+<file path=ppt/tags/tag9.xml><?xml version="1.0" encoding="utf-8"?>
+<p:tagLst xmlns:a="http://schemas.openxmlformats.org/drawingml/2006/main" xmlns:r="http://schemas.openxmlformats.org/officeDocument/2006/relationships" xmlns:p="http://schemas.openxmlformats.org/presentationml/2006/main">
+  <p:tag name="OUTPUTDPI" val="2000"/>
+  <p:tag name="ORIGINALHEIGHT" val="123.7346"/>
+  <p:tag name="ORIGINALWIDTH" val="242.2197"/>
+  <p:tag name="LATEXADDIN" val="\documentclass{article}&#10;\usepackage{amsmath}&#10;\pagestyle{empty}&#10;\begin{document}&#10;&#10;&#10;$$&#10;v_{br}&#10;$$&#10;&#10;\end{document}"/>
+  <p:tag name="IGUANATEXSIZE" val="18"/>
+  <p:tag name="IGUANATEXCURSOR" val="90"/>
   <p:tag name="TRANSPARENCY" val="True"/>
   <p:tag name="LATEXENGINEID" val="0"/>
   <p:tag name="TEMPFOLDER" val="C:\Guangyao\Course Materials\Robotics\research\Presentation\LatexFormula\"/>

--- a/Risk-aware UAV-UGV rendezvous via CMDP.pptx
+++ b/Risk-aware UAV-UGV rendezvous via CMDP.pptx
@@ -5,7 +5,7 @@
     <p:sldMasterId id="2147483660" r:id="rId1"/>
   </p:sldMasterIdLst>
   <p:notesMasterIdLst>
-    <p:notesMasterId r:id="rId28"/>
+    <p:notesMasterId r:id="rId29"/>
   </p:notesMasterIdLst>
   <p:sldIdLst>
     <p:sldId id="256" r:id="rId2"/>
@@ -33,7 +33,8 @@
     <p:sldId id="275" r:id="rId24"/>
     <p:sldId id="288" r:id="rId25"/>
     <p:sldId id="289" r:id="rId26"/>
-    <p:sldId id="273" r:id="rId27"/>
+    <p:sldId id="290" r:id="rId27"/>
+    <p:sldId id="273" r:id="rId28"/>
   </p:sldIdLst>
   <p:sldSz cx="9144000" cy="6858000" type="screen4x3"/>
   <p:notesSz cx="6858000" cy="9144000"/>
@@ -233,7 +234,7 @@
           <a:p>
             <a:fld id="{C7283B10-4AFC-444E-A2FB-9E8E149BD40A}" type="datetimeFigureOut">
               <a:rPr lang="en-US" smtClean="0"/>
-              <a:t>1/21/2022</a:t>
+              <a:t>1/24/2022</a:t>
             </a:fld>
             <a:endParaRPr lang="en-US"/>
           </a:p>
@@ -1589,6 +1590,276 @@
 </p:notes>
 </file>
 
+<file path=ppt/notesSlides/notesSlide7.xml><?xml version="1.0" encoding="utf-8"?>
+<p:notes xmlns:a="http://schemas.openxmlformats.org/drawingml/2006/main" xmlns:r="http://schemas.openxmlformats.org/officeDocument/2006/relationships" xmlns:p="http://schemas.openxmlformats.org/presentationml/2006/main">
+  <p:cSld>
+    <p:spTree>
+      <p:nvGrpSpPr>
+        <p:cNvPr id="1" name=""/>
+        <p:cNvGrpSpPr/>
+        <p:nvPr/>
+      </p:nvGrpSpPr>
+      <p:grpSpPr>
+        <a:xfrm>
+          <a:off x="0" y="0"/>
+          <a:ext cx="0" cy="0"/>
+          <a:chOff x="0" y="0"/>
+          <a:chExt cx="0" cy="0"/>
+        </a:xfrm>
+      </p:grpSpPr>
+      <p:sp>
+        <p:nvSpPr>
+          <p:cNvPr id="2" name="Slide Image Placeholder 1"/>
+          <p:cNvSpPr>
+            <a:spLocks noGrp="1" noRot="1" noChangeAspect="1"/>
+          </p:cNvSpPr>
+          <p:nvPr>
+            <p:ph type="sldImg"/>
+          </p:nvPr>
+        </p:nvSpPr>
+        <p:spPr/>
+      </p:sp>
+      <p:sp>
+        <p:nvSpPr>
+          <p:cNvPr id="3" name="Notes Placeholder 2"/>
+          <p:cNvSpPr>
+            <a:spLocks noGrp="1"/>
+          </p:cNvSpPr>
+          <p:nvPr>
+            <p:ph type="body" idx="1"/>
+          </p:nvPr>
+        </p:nvSpPr>
+        <p:spPr/>
+        <p:txBody>
+          <a:bodyPr/>
+          <a:lstStyle/>
+          <a:p>
+            <a:pPr marL="0" marR="0" lvl="0" indent="0" algn="l" defTabSz="914400" rtl="0" eaLnBrk="1" fontAlgn="auto" latinLnBrk="0" hangingPunct="1">
+              <a:lnSpc>
+                <a:spcPct val="100000"/>
+              </a:lnSpc>
+              <a:spcBef>
+                <a:spcPts val="0"/>
+              </a:spcBef>
+              <a:spcAft>
+                <a:spcPts val="0"/>
+              </a:spcAft>
+              <a:buClrTx/>
+              <a:buSzTx/>
+              <a:buFontTx/>
+              <a:buNone/>
+              <a:tabLst/>
+              <a:defRPr/>
+            </a:pPr>
+            <a:r>
+              <a:rPr lang="en-US" dirty="0"/>
+              <a:t>Parameters, Input map: some file</a:t>
+            </a:r>
+          </a:p>
+          <a:p>
+            <a:pPr marL="0" marR="0" lvl="0" indent="0" algn="l" defTabSz="914400" rtl="0" eaLnBrk="1" fontAlgn="auto" latinLnBrk="0" hangingPunct="1">
+              <a:lnSpc>
+                <a:spcPct val="100000"/>
+              </a:lnSpc>
+              <a:spcBef>
+                <a:spcPts val="0"/>
+              </a:spcBef>
+              <a:spcAft>
+                <a:spcPts val="0"/>
+              </a:spcAft>
+              <a:buClrTx/>
+              <a:buSzTx/>
+              <a:buFontTx/>
+              <a:buNone/>
+              <a:tabLst/>
+              <a:defRPr/>
+            </a:pPr>
+            <a:endParaRPr lang="en-US" dirty="0"/>
+          </a:p>
+          <a:p>
+            <a:pPr marL="228600" marR="0" lvl="0" indent="-228600" algn="l" defTabSz="914400" rtl="0" eaLnBrk="1" fontAlgn="auto" latinLnBrk="0" hangingPunct="1">
+              <a:lnSpc>
+                <a:spcPct val="100000"/>
+              </a:lnSpc>
+              <a:spcBef>
+                <a:spcPts val="0"/>
+              </a:spcBef>
+              <a:spcAft>
+                <a:spcPts val="0"/>
+              </a:spcAft>
+              <a:buClrTx/>
+              <a:buSzTx/>
+              <a:buFontTx/>
+              <a:buAutoNum type="arabicPeriod"/>
+              <a:tabLst/>
+              <a:defRPr/>
+            </a:pPr>
+            <a:r>
+              <a:rPr lang="en-US" dirty="0"/>
+              <a:t>Continuous state</a:t>
+            </a:r>
+          </a:p>
+          <a:p>
+            <a:pPr marL="228600" marR="0" lvl="0" indent="-228600" algn="l" defTabSz="914400" rtl="0" eaLnBrk="1" fontAlgn="auto" latinLnBrk="0" hangingPunct="1">
+              <a:lnSpc>
+                <a:spcPct val="100000"/>
+              </a:lnSpc>
+              <a:spcBef>
+                <a:spcPts val="0"/>
+              </a:spcBef>
+              <a:spcAft>
+                <a:spcPts val="0"/>
+              </a:spcAft>
+              <a:buClrTx/>
+              <a:buSzTx/>
+              <a:buFontTx/>
+              <a:buAutoNum type="arabicPeriod"/>
+              <a:tabLst/>
+              <a:defRPr/>
+            </a:pPr>
+            <a:r>
+              <a:rPr lang="en-US" dirty="0"/>
+              <a:t>Collision state penalty?</a:t>
+            </a:r>
+          </a:p>
+          <a:p>
+            <a:pPr marL="228600" marR="0" lvl="0" indent="-228600" algn="l" defTabSz="914400" rtl="0" eaLnBrk="1" fontAlgn="auto" latinLnBrk="0" hangingPunct="1">
+              <a:lnSpc>
+                <a:spcPct val="100000"/>
+              </a:lnSpc>
+              <a:spcBef>
+                <a:spcPts val="0"/>
+              </a:spcBef>
+              <a:spcAft>
+                <a:spcPts val="0"/>
+              </a:spcAft>
+              <a:buClrTx/>
+              <a:buSzTx/>
+              <a:buFontTx/>
+              <a:buAutoNum type="arabicPeriod"/>
+              <a:tabLst/>
+              <a:defRPr/>
+            </a:pPr>
+            <a:endParaRPr lang="en-US" dirty="0"/>
+          </a:p>
+          <a:p>
+            <a:pPr marL="0" marR="0" lvl="0" indent="0" algn="l" defTabSz="914400" rtl="0" eaLnBrk="1" fontAlgn="auto" latinLnBrk="0" hangingPunct="1">
+              <a:lnSpc>
+                <a:spcPct val="100000"/>
+              </a:lnSpc>
+              <a:spcBef>
+                <a:spcPts val="0"/>
+              </a:spcBef>
+              <a:spcAft>
+                <a:spcPts val="0"/>
+              </a:spcAft>
+              <a:buClrTx/>
+              <a:buSzTx/>
+              <a:buFontTx/>
+              <a:buNone/>
+              <a:tabLst/>
+              <a:defRPr/>
+            </a:pPr>
+            <a:endParaRPr lang="en-US" dirty="0"/>
+          </a:p>
+          <a:p>
+            <a:pPr marL="0" marR="0" lvl="0" indent="0" algn="l" defTabSz="914400" rtl="0" eaLnBrk="1" fontAlgn="auto" latinLnBrk="0" hangingPunct="1">
+              <a:lnSpc>
+                <a:spcPct val="100000"/>
+              </a:lnSpc>
+              <a:spcBef>
+                <a:spcPts val="0"/>
+              </a:spcBef>
+              <a:spcAft>
+                <a:spcPts val="0"/>
+              </a:spcAft>
+              <a:buClrTx/>
+              <a:buSzTx/>
+              <a:buFontTx/>
+              <a:buNone/>
+              <a:tabLst/>
+              <a:defRPr/>
+            </a:pPr>
+            <a:endParaRPr lang="en-US" dirty="0"/>
+          </a:p>
+          <a:p>
+            <a:pPr marL="0" marR="0" lvl="0" indent="0" algn="l" defTabSz="914400" rtl="0" eaLnBrk="1" fontAlgn="auto" latinLnBrk="0" hangingPunct="1">
+              <a:lnSpc>
+                <a:spcPct val="100000"/>
+              </a:lnSpc>
+              <a:spcBef>
+                <a:spcPts val="0"/>
+              </a:spcBef>
+              <a:spcAft>
+                <a:spcPts val="0"/>
+              </a:spcAft>
+              <a:buClrTx/>
+              <a:buSzTx/>
+              <a:buFontTx/>
+              <a:buNone/>
+              <a:tabLst/>
+              <a:defRPr/>
+            </a:pPr>
+            <a:endParaRPr lang="en-US"/>
+          </a:p>
+          <a:p>
+            <a:pPr marL="0" marR="0" lvl="0" indent="0" algn="l" defTabSz="914400" rtl="0" eaLnBrk="1" fontAlgn="auto" latinLnBrk="0" hangingPunct="1">
+              <a:lnSpc>
+                <a:spcPct val="100000"/>
+              </a:lnSpc>
+              <a:spcBef>
+                <a:spcPts val="0"/>
+              </a:spcBef>
+              <a:spcAft>
+                <a:spcPts val="0"/>
+              </a:spcAft>
+              <a:buClrTx/>
+              <a:buSzTx/>
+              <a:buFontTx/>
+              <a:buNone/>
+              <a:tabLst/>
+              <a:defRPr/>
+            </a:pPr>
+            <a:endParaRPr lang="en-US" dirty="0"/>
+          </a:p>
+        </p:txBody>
+      </p:sp>
+      <p:sp>
+        <p:nvSpPr>
+          <p:cNvPr id="4" name="Slide Number Placeholder 3"/>
+          <p:cNvSpPr>
+            <a:spLocks noGrp="1"/>
+          </p:cNvSpPr>
+          <p:nvPr>
+            <p:ph type="sldNum" sz="quarter" idx="5"/>
+          </p:nvPr>
+        </p:nvSpPr>
+        <p:spPr/>
+        <p:txBody>
+          <a:bodyPr/>
+          <a:lstStyle/>
+          <a:p>
+            <a:fld id="{C1BFEB3D-3DA2-4474-AB58-9A7D56BBFD54}" type="slidenum">
+              <a:rPr lang="en-US" smtClean="0"/>
+              <a:t>26</a:t>
+            </a:fld>
+            <a:endParaRPr lang="en-US"/>
+          </a:p>
+        </p:txBody>
+      </p:sp>
+    </p:spTree>
+    <p:extLst>
+      <p:ext uri="{BB962C8B-B14F-4D97-AF65-F5344CB8AC3E}">
+        <p14:creationId xmlns:p14="http://schemas.microsoft.com/office/powerpoint/2010/main" val="2066036779"/>
+      </p:ext>
+    </p:extLst>
+  </p:cSld>
+  <p:clrMapOvr>
+    <a:masterClrMapping/>
+  </p:clrMapOvr>
+</p:notes>
+</file>
+
 <file path=ppt/slideLayouts/slideLayout1.xml><?xml version="1.0" encoding="utf-8"?>
 <p:sldLayout xmlns:a="http://schemas.openxmlformats.org/drawingml/2006/main" xmlns:r="http://schemas.openxmlformats.org/officeDocument/2006/relationships" xmlns:p="http://schemas.openxmlformats.org/presentationml/2006/main" type="title" preserve="1">
   <p:cSld name="Title Slide">
@@ -1720,7 +1991,7 @@
           <a:p>
             <a:fld id="{93E4A2CB-AB09-4F27-B9F7-C28CCE07D0C8}" type="datetimeFigureOut">
               <a:rPr lang="en-US" smtClean="0"/>
-              <a:t>1/21/2022</a:t>
+              <a:t>1/24/2022</a:t>
             </a:fld>
             <a:endParaRPr lang="en-US"/>
           </a:p>
@@ -1890,7 +2161,7 @@
           <a:p>
             <a:fld id="{93E4A2CB-AB09-4F27-B9F7-C28CCE07D0C8}" type="datetimeFigureOut">
               <a:rPr lang="en-US" smtClean="0"/>
-              <a:t>1/21/2022</a:t>
+              <a:t>1/24/2022</a:t>
             </a:fld>
             <a:endParaRPr lang="en-US"/>
           </a:p>
@@ -2070,7 +2341,7 @@
           <a:p>
             <a:fld id="{93E4A2CB-AB09-4F27-B9F7-C28CCE07D0C8}" type="datetimeFigureOut">
               <a:rPr lang="en-US" smtClean="0"/>
-              <a:t>1/21/2022</a:t>
+              <a:t>1/24/2022</a:t>
             </a:fld>
             <a:endParaRPr lang="en-US"/>
           </a:p>
@@ -2240,7 +2511,7 @@
           <a:p>
             <a:fld id="{93E4A2CB-AB09-4F27-B9F7-C28CCE07D0C8}" type="datetimeFigureOut">
               <a:rPr lang="en-US" smtClean="0"/>
-              <a:t>1/21/2022</a:t>
+              <a:t>1/24/2022</a:t>
             </a:fld>
             <a:endParaRPr lang="en-US"/>
           </a:p>
@@ -2484,7 +2755,7 @@
           <a:p>
             <a:fld id="{93E4A2CB-AB09-4F27-B9F7-C28CCE07D0C8}" type="datetimeFigureOut">
               <a:rPr lang="en-US" smtClean="0"/>
-              <a:t>1/21/2022</a:t>
+              <a:t>1/24/2022</a:t>
             </a:fld>
             <a:endParaRPr lang="en-US"/>
           </a:p>
@@ -2716,7 +2987,7 @@
           <a:p>
             <a:fld id="{93E4A2CB-AB09-4F27-B9F7-C28CCE07D0C8}" type="datetimeFigureOut">
               <a:rPr lang="en-US" smtClean="0"/>
-              <a:t>1/21/2022</a:t>
+              <a:t>1/24/2022</a:t>
             </a:fld>
             <a:endParaRPr lang="en-US"/>
           </a:p>
@@ -3083,7 +3354,7 @@
           <a:p>
             <a:fld id="{93E4A2CB-AB09-4F27-B9F7-C28CCE07D0C8}" type="datetimeFigureOut">
               <a:rPr lang="en-US" smtClean="0"/>
-              <a:t>1/21/2022</a:t>
+              <a:t>1/24/2022</a:t>
             </a:fld>
             <a:endParaRPr lang="en-US"/>
           </a:p>
@@ -3201,7 +3472,7 @@
           <a:p>
             <a:fld id="{93E4A2CB-AB09-4F27-B9F7-C28CCE07D0C8}" type="datetimeFigureOut">
               <a:rPr lang="en-US" smtClean="0"/>
-              <a:t>1/21/2022</a:t>
+              <a:t>1/24/2022</a:t>
             </a:fld>
             <a:endParaRPr lang="en-US"/>
           </a:p>
@@ -3296,7 +3567,7 @@
           <a:p>
             <a:fld id="{93E4A2CB-AB09-4F27-B9F7-C28CCE07D0C8}" type="datetimeFigureOut">
               <a:rPr lang="en-US" smtClean="0"/>
-              <a:t>1/21/2022</a:t>
+              <a:t>1/24/2022</a:t>
             </a:fld>
             <a:endParaRPr lang="en-US"/>
           </a:p>
@@ -3573,7 +3844,7 @@
           <a:p>
             <a:fld id="{93E4A2CB-AB09-4F27-B9F7-C28CCE07D0C8}" type="datetimeFigureOut">
               <a:rPr lang="en-US" smtClean="0"/>
-              <a:t>1/21/2022</a:t>
+              <a:t>1/24/2022</a:t>
             </a:fld>
             <a:endParaRPr lang="en-US"/>
           </a:p>
@@ -3830,7 +4101,7 @@
           <a:p>
             <a:fld id="{93E4A2CB-AB09-4F27-B9F7-C28CCE07D0C8}" type="datetimeFigureOut">
               <a:rPr lang="en-US" smtClean="0"/>
-              <a:t>1/21/2022</a:t>
+              <a:t>1/24/2022</a:t>
             </a:fld>
             <a:endParaRPr lang="en-US"/>
           </a:p>
@@ -4043,7 +4314,7 @@
           <a:p>
             <a:fld id="{93E4A2CB-AB09-4F27-B9F7-C28CCE07D0C8}" type="datetimeFigureOut">
               <a:rPr lang="en-US" smtClean="0"/>
-              <a:t>1/21/2022</a:t>
+              <a:t>1/24/2022</a:t>
             </a:fld>
             <a:endParaRPr lang="en-US"/>
           </a:p>
@@ -17995,6 +18266,1944 @@
 </file>
 
 <file path=ppt/slides/slide26.xml><?xml version="1.0" encoding="utf-8"?>
+<p:sld xmlns:a="http://schemas.openxmlformats.org/drawingml/2006/main" xmlns:r="http://schemas.openxmlformats.org/officeDocument/2006/relationships" xmlns:p="http://schemas.openxmlformats.org/presentationml/2006/main">
+  <p:cSld>
+    <p:spTree>
+      <p:nvGrpSpPr>
+        <p:cNvPr id="1" name=""/>
+        <p:cNvGrpSpPr/>
+        <p:nvPr/>
+      </p:nvGrpSpPr>
+      <p:grpSpPr>
+        <a:xfrm>
+          <a:off x="0" y="0"/>
+          <a:ext cx="0" cy="0"/>
+          <a:chOff x="0" y="0"/>
+          <a:chExt cx="0" cy="0"/>
+        </a:xfrm>
+      </p:grpSpPr>
+      <p:sp>
+        <p:nvSpPr>
+          <p:cNvPr id="10" name="TextBox 9">
+            <a:extLst>
+              <a:ext uri="{FF2B5EF4-FFF2-40B4-BE49-F238E27FC236}">
+                <a16:creationId xmlns:a16="http://schemas.microsoft.com/office/drawing/2014/main" id="{8AEFC785-29EB-4950-8347-6E1AB5665972}"/>
+              </a:ext>
+            </a:extLst>
+          </p:cNvPr>
+          <p:cNvSpPr txBox="1"/>
+          <p:nvPr/>
+        </p:nvSpPr>
+        <p:spPr>
+          <a:xfrm>
+            <a:off x="345693" y="186451"/>
+            <a:ext cx="5558717" cy="369332"/>
+          </a:xfrm>
+          <a:prstGeom prst="rect">
+            <a:avLst/>
+          </a:prstGeom>
+          <a:noFill/>
+        </p:spPr>
+        <p:txBody>
+          <a:bodyPr wrap="square" rtlCol="0">
+            <a:spAutoFit/>
+          </a:bodyPr>
+          <a:lstStyle/>
+          <a:p>
+            <a:r>
+              <a:rPr lang="en-US" dirty="0"/>
+              <a:t>Problems with previous formulation: non-Markovian</a:t>
+            </a:r>
+          </a:p>
+        </p:txBody>
+      </p:sp>
+      <p:pic>
+        <p:nvPicPr>
+          <p:cNvPr id="3" name="Picture 2">
+            <a:extLst>
+              <a:ext uri="{FF2B5EF4-FFF2-40B4-BE49-F238E27FC236}">
+                <a16:creationId xmlns:a16="http://schemas.microsoft.com/office/drawing/2014/main" id="{BEDF44AA-D831-4327-B927-9B4F0E656432}"/>
+              </a:ext>
+            </a:extLst>
+          </p:cNvPr>
+          <p:cNvPicPr>
+            <a:picLocks noChangeAspect="1"/>
+          </p:cNvPicPr>
+          <p:nvPr>
+            <p:custDataLst>
+              <p:tags r:id="rId1"/>
+            </p:custDataLst>
+          </p:nvPr>
+        </p:nvPicPr>
+        <p:blipFill>
+          <a:blip r:embed="rId5" cstate="print">
+            <a:extLst>
+              <a:ext uri="{28A0092B-C50C-407E-A947-70E740481C1C}">
+                <a14:useLocalDpi xmlns:a14="http://schemas.microsoft.com/office/drawing/2010/main" val="0"/>
+              </a:ext>
+            </a:extLst>
+          </a:blip>
+          <a:stretch>
+            <a:fillRect/>
+          </a:stretch>
+        </p:blipFill>
+        <p:spPr>
+          <a:xfrm>
+            <a:off x="485352" y="3183351"/>
+            <a:ext cx="1323886" cy="251429"/>
+          </a:xfrm>
+          <a:prstGeom prst="rect">
+            <a:avLst/>
+          </a:prstGeom>
+        </p:spPr>
+      </p:pic>
+      <p:sp>
+        <p:nvSpPr>
+          <p:cNvPr id="4" name="TextBox 3">
+            <a:extLst>
+              <a:ext uri="{FF2B5EF4-FFF2-40B4-BE49-F238E27FC236}">
+                <a16:creationId xmlns:a16="http://schemas.microsoft.com/office/drawing/2014/main" id="{00C40247-CCA6-401C-AE05-68CAE940988E}"/>
+              </a:ext>
+            </a:extLst>
+          </p:cNvPr>
+          <p:cNvSpPr txBox="1"/>
+          <p:nvPr/>
+        </p:nvSpPr>
+        <p:spPr>
+          <a:xfrm>
+            <a:off x="2117639" y="3095488"/>
+            <a:ext cx="5477774" cy="369332"/>
+          </a:xfrm>
+          <a:prstGeom prst="rect">
+            <a:avLst/>
+          </a:prstGeom>
+          <a:noFill/>
+        </p:spPr>
+        <p:txBody>
+          <a:bodyPr wrap="square" rtlCol="0">
+            <a:spAutoFit/>
+          </a:bodyPr>
+          <a:lstStyle/>
+          <a:p>
+            <a:r>
+              <a:rPr lang="en-US" dirty="0"/>
+              <a:t>Cannot decide transition with this state alone</a:t>
+            </a:r>
+          </a:p>
+        </p:txBody>
+      </p:sp>
+      <p:sp>
+        <p:nvSpPr>
+          <p:cNvPr id="60" name="TextBox 59">
+            <a:extLst>
+              <a:ext uri="{FF2B5EF4-FFF2-40B4-BE49-F238E27FC236}">
+                <a16:creationId xmlns:a16="http://schemas.microsoft.com/office/drawing/2014/main" id="{57BBCFEB-FF5D-4774-A5AA-8E63898FE389}"/>
+              </a:ext>
+            </a:extLst>
+          </p:cNvPr>
+          <p:cNvSpPr txBox="1"/>
+          <p:nvPr/>
+        </p:nvSpPr>
+        <p:spPr>
+          <a:xfrm>
+            <a:off x="717143" y="4148035"/>
+            <a:ext cx="8278766" cy="369332"/>
+          </a:xfrm>
+          <a:prstGeom prst="rect">
+            <a:avLst/>
+          </a:prstGeom>
+          <a:noFill/>
+        </p:spPr>
+        <p:txBody>
+          <a:bodyPr wrap="square" rtlCol="0">
+            <a:spAutoFit/>
+          </a:bodyPr>
+          <a:lstStyle/>
+          <a:p>
+            <a:pPr marL="285750" indent="-285750">
+              <a:buFont typeface="Arial" panose="020B0604020202020204" pitchFamily="34" charset="0"/>
+              <a:buChar char="•"/>
+            </a:pPr>
+            <a:r>
+              <a:rPr lang="en-US" altLang="zh-CN" dirty="0" smtClean="0"/>
+              <a:t>Enforce UGV to stay on the task path and can only move forward or stay</a:t>
+            </a:r>
+            <a:endParaRPr lang="en-US" dirty="0"/>
+          </a:p>
+        </p:txBody>
+      </p:sp>
+      <p:sp>
+        <p:nvSpPr>
+          <p:cNvPr id="62" name="TextBox 61">
+            <a:extLst>
+              <a:ext uri="{FF2B5EF4-FFF2-40B4-BE49-F238E27FC236}">
+                <a16:creationId xmlns:a16="http://schemas.microsoft.com/office/drawing/2014/main" id="{006E10A6-491A-4463-8AFD-F2263F4CCF64}"/>
+              </a:ext>
+            </a:extLst>
+          </p:cNvPr>
+          <p:cNvSpPr txBox="1"/>
+          <p:nvPr/>
+        </p:nvSpPr>
+        <p:spPr>
+          <a:xfrm>
+            <a:off x="717142" y="4872337"/>
+            <a:ext cx="6981873" cy="369332"/>
+          </a:xfrm>
+          <a:prstGeom prst="rect">
+            <a:avLst/>
+          </a:prstGeom>
+          <a:noFill/>
+        </p:spPr>
+        <p:txBody>
+          <a:bodyPr wrap="square" rtlCol="0">
+            <a:spAutoFit/>
+          </a:bodyPr>
+          <a:lstStyle/>
+          <a:p>
+            <a:pPr marL="285750" indent="-285750">
+              <a:buFont typeface="Arial" panose="020B0604020202020204" pitchFamily="34" charset="0"/>
+              <a:buChar char="•"/>
+            </a:pPr>
+            <a:r>
+              <a:rPr lang="en-US" dirty="0" smtClean="0"/>
+              <a:t>Augment state space: </a:t>
+            </a:r>
+            <a:r>
+              <a:rPr lang="en-US" dirty="0" err="1" smtClean="0"/>
+              <a:t>UGV_next_task</a:t>
+            </a:r>
+            <a:endParaRPr lang="en-US" dirty="0"/>
+          </a:p>
+        </p:txBody>
+      </p:sp>
+      <p:pic>
+        <p:nvPicPr>
+          <p:cNvPr id="61" name="Picture 4" descr="Drones transparent PNG images - StickPNG"/>
+          <p:cNvPicPr>
+            <a:picLocks noChangeAspect="1" noChangeArrowheads="1"/>
+          </p:cNvPicPr>
+          <p:nvPr/>
+        </p:nvPicPr>
+        <p:blipFill>
+          <a:blip r:embed="rId6" cstate="print">
+            <a:extLst>
+              <a:ext uri="{28A0092B-C50C-407E-A947-70E740481C1C}">
+                <a14:useLocalDpi xmlns:a14="http://schemas.microsoft.com/office/drawing/2010/main" val="0"/>
+              </a:ext>
+            </a:extLst>
+          </a:blip>
+          <a:srcRect/>
+          <a:stretch>
+            <a:fillRect/>
+          </a:stretch>
+        </p:blipFill>
+        <p:spPr bwMode="auto">
+          <a:xfrm>
+            <a:off x="1383894" y="1783080"/>
+            <a:ext cx="938447" cy="938447"/>
+          </a:xfrm>
+          <a:prstGeom prst="rect">
+            <a:avLst/>
+          </a:prstGeom>
+          <a:noFill/>
+          <a:extLst>
+            <a:ext uri="{909E8E84-426E-40DD-AFC4-6F175D3DCCD1}">
+              <a14:hiddenFill xmlns:a14="http://schemas.microsoft.com/office/drawing/2010/main">
+                <a:solidFill>
+                  <a:srgbClr val="FFFFFF"/>
+                </a:solidFill>
+              </a14:hiddenFill>
+            </a:ext>
+          </a:extLst>
+        </p:spPr>
+      </p:pic>
+      <p:pic>
+        <p:nvPicPr>
+          <p:cNvPr id="63" name="Picture 6" descr="Jackal UGV - Small Weatherproof Robot - Clearpath"/>
+          <p:cNvPicPr>
+            <a:picLocks noChangeAspect="1" noChangeArrowheads="1"/>
+          </p:cNvPicPr>
+          <p:nvPr/>
+        </p:nvPicPr>
+        <p:blipFill>
+          <a:blip r:embed="rId7" cstate="print">
+            <a:extLst>
+              <a:ext uri="{28A0092B-C50C-407E-A947-70E740481C1C}">
+                <a14:useLocalDpi xmlns:a14="http://schemas.microsoft.com/office/drawing/2010/main" val="0"/>
+              </a:ext>
+            </a:extLst>
+          </a:blip>
+          <a:srcRect/>
+          <a:stretch>
+            <a:fillRect/>
+          </a:stretch>
+        </p:blipFill>
+        <p:spPr bwMode="auto">
+          <a:xfrm>
+            <a:off x="1688992" y="713410"/>
+            <a:ext cx="633349" cy="546419"/>
+          </a:xfrm>
+          <a:prstGeom prst="rect">
+            <a:avLst/>
+          </a:prstGeom>
+          <a:noFill/>
+          <a:extLst>
+            <a:ext uri="{909E8E84-426E-40DD-AFC4-6F175D3DCCD1}">
+              <a14:hiddenFill xmlns:a14="http://schemas.microsoft.com/office/drawing/2010/main">
+                <a:solidFill>
+                  <a:srgbClr val="FFFFFF"/>
+                </a:solidFill>
+              </a14:hiddenFill>
+            </a:ext>
+          </a:extLst>
+        </p:spPr>
+      </p:pic>
+      <p:sp>
+        <p:nvSpPr>
+          <p:cNvPr id="64" name="Freeform 63"/>
+          <p:cNvSpPr/>
+          <p:nvPr/>
+        </p:nvSpPr>
+        <p:spPr>
+          <a:xfrm>
+            <a:off x="2474891" y="713410"/>
+            <a:ext cx="5121836" cy="1270345"/>
+          </a:xfrm>
+          <a:custGeom>
+            <a:avLst/>
+            <a:gdLst>
+              <a:gd name="connsiteX0" fmla="*/ 0 w 5121836"/>
+              <a:gd name="connsiteY0" fmla="*/ 457545 h 1270345"/>
+              <a:gd name="connsiteX1" fmla="*/ 1386541 w 5121836"/>
+              <a:gd name="connsiteY1" fmla="*/ 3333 h 1270345"/>
+              <a:gd name="connsiteX2" fmla="*/ 2187389 w 5121836"/>
+              <a:gd name="connsiteY2" fmla="*/ 666722 h 1270345"/>
+              <a:gd name="connsiteX3" fmla="*/ 4075953 w 5121836"/>
+              <a:gd name="connsiteY3" fmla="*/ 535239 h 1270345"/>
+              <a:gd name="connsiteX4" fmla="*/ 5121836 w 5121836"/>
+              <a:gd name="connsiteY4" fmla="*/ 1270345 h 1270345"/>
+              <a:gd name="connsiteX5" fmla="*/ 5121836 w 5121836"/>
+              <a:gd name="connsiteY5" fmla="*/ 1270345 h 1270345"/>
+            </a:gdLst>
+            <a:ahLst/>
+            <a:cxnLst>
+              <a:cxn ang="0">
+                <a:pos x="connsiteX0" y="connsiteY0"/>
+              </a:cxn>
+              <a:cxn ang="0">
+                <a:pos x="connsiteX1" y="connsiteY1"/>
+              </a:cxn>
+              <a:cxn ang="0">
+                <a:pos x="connsiteX2" y="connsiteY2"/>
+              </a:cxn>
+              <a:cxn ang="0">
+                <a:pos x="connsiteX3" y="connsiteY3"/>
+              </a:cxn>
+              <a:cxn ang="0">
+                <a:pos x="connsiteX4" y="connsiteY4"/>
+              </a:cxn>
+              <a:cxn ang="0">
+                <a:pos x="connsiteX5" y="connsiteY5"/>
+              </a:cxn>
+            </a:cxnLst>
+            <a:rect l="l" t="t" r="r" b="b"/>
+            <a:pathLst>
+              <a:path w="5121836" h="1270345">
+                <a:moveTo>
+                  <a:pt x="0" y="457545"/>
+                </a:moveTo>
+                <a:cubicBezTo>
+                  <a:pt x="510988" y="213007"/>
+                  <a:pt x="1021976" y="-31530"/>
+                  <a:pt x="1386541" y="3333"/>
+                </a:cubicBezTo>
+                <a:cubicBezTo>
+                  <a:pt x="1751106" y="38196"/>
+                  <a:pt x="1739154" y="578071"/>
+                  <a:pt x="2187389" y="666722"/>
+                </a:cubicBezTo>
+                <a:cubicBezTo>
+                  <a:pt x="2635624" y="755373"/>
+                  <a:pt x="3586879" y="434635"/>
+                  <a:pt x="4075953" y="535239"/>
+                </a:cubicBezTo>
+                <a:cubicBezTo>
+                  <a:pt x="4565027" y="635843"/>
+                  <a:pt x="5121836" y="1270345"/>
+                  <a:pt x="5121836" y="1270345"/>
+                </a:cubicBezTo>
+                <a:lnTo>
+                  <a:pt x="5121836" y="1270345"/>
+                </a:lnTo>
+              </a:path>
+            </a:pathLst>
+          </a:custGeom>
+          <a:noFill/>
+        </p:spPr>
+        <p:style>
+          <a:lnRef idx="2">
+            <a:schemeClr val="accent1">
+              <a:shade val="50000"/>
+            </a:schemeClr>
+          </a:lnRef>
+          <a:fillRef idx="1">
+            <a:schemeClr val="accent1"/>
+          </a:fillRef>
+          <a:effectRef idx="0">
+            <a:schemeClr val="accent1"/>
+          </a:effectRef>
+          <a:fontRef idx="minor">
+            <a:schemeClr val="lt1"/>
+          </a:fontRef>
+        </p:style>
+        <p:txBody>
+          <a:bodyPr rtlCol="0" anchor="ctr"/>
+          <a:lstStyle/>
+          <a:p>
+            <a:pPr algn="ctr"/>
+            <a:endParaRPr lang="en-US"/>
+          </a:p>
+        </p:txBody>
+      </p:sp>
+      <p:sp>
+        <p:nvSpPr>
+          <p:cNvPr id="65" name="Freeform 64"/>
+          <p:cNvSpPr/>
+          <p:nvPr/>
+        </p:nvSpPr>
+        <p:spPr>
+          <a:xfrm>
+            <a:off x="2422139" y="1626347"/>
+            <a:ext cx="5109882" cy="1630993"/>
+          </a:xfrm>
+          <a:custGeom>
+            <a:avLst/>
+            <a:gdLst>
+              <a:gd name="connsiteX0" fmla="*/ 0 w 5109882"/>
+              <a:gd name="connsiteY0" fmla="*/ 592425 h 1630993"/>
+              <a:gd name="connsiteX1" fmla="*/ 639482 w 5109882"/>
+              <a:gd name="connsiteY1" fmla="*/ 754 h 1630993"/>
+              <a:gd name="connsiteX2" fmla="*/ 1201270 w 5109882"/>
+              <a:gd name="connsiteY2" fmla="*/ 700001 h 1630993"/>
+              <a:gd name="connsiteX3" fmla="*/ 2271059 w 5109882"/>
+              <a:gd name="connsiteY3" fmla="*/ 604378 h 1630993"/>
+              <a:gd name="connsiteX4" fmla="*/ 3304988 w 5109882"/>
+              <a:gd name="connsiteY4" fmla="*/ 986872 h 1630993"/>
+              <a:gd name="connsiteX5" fmla="*/ 3896659 w 5109882"/>
+              <a:gd name="connsiteY5" fmla="*/ 401178 h 1630993"/>
+              <a:gd name="connsiteX6" fmla="*/ 4655670 w 5109882"/>
+              <a:gd name="connsiteY6" fmla="*/ 1590496 h 1630993"/>
+              <a:gd name="connsiteX7" fmla="*/ 5109882 w 5109882"/>
+              <a:gd name="connsiteY7" fmla="*/ 1237884 h 1630993"/>
+            </a:gdLst>
+            <a:ahLst/>
+            <a:cxnLst>
+              <a:cxn ang="0">
+                <a:pos x="connsiteX0" y="connsiteY0"/>
+              </a:cxn>
+              <a:cxn ang="0">
+                <a:pos x="connsiteX1" y="connsiteY1"/>
+              </a:cxn>
+              <a:cxn ang="0">
+                <a:pos x="connsiteX2" y="connsiteY2"/>
+              </a:cxn>
+              <a:cxn ang="0">
+                <a:pos x="connsiteX3" y="connsiteY3"/>
+              </a:cxn>
+              <a:cxn ang="0">
+                <a:pos x="connsiteX4" y="connsiteY4"/>
+              </a:cxn>
+              <a:cxn ang="0">
+                <a:pos x="connsiteX5" y="connsiteY5"/>
+              </a:cxn>
+              <a:cxn ang="0">
+                <a:pos x="connsiteX6" y="connsiteY6"/>
+              </a:cxn>
+              <a:cxn ang="0">
+                <a:pos x="connsiteX7" y="connsiteY7"/>
+              </a:cxn>
+            </a:cxnLst>
+            <a:rect l="l" t="t" r="r" b="b"/>
+            <a:pathLst>
+              <a:path w="5109882" h="1630993">
+                <a:moveTo>
+                  <a:pt x="0" y="592425"/>
+                </a:moveTo>
+                <a:cubicBezTo>
+                  <a:pt x="219635" y="287625"/>
+                  <a:pt x="439270" y="-17175"/>
+                  <a:pt x="639482" y="754"/>
+                </a:cubicBezTo>
+                <a:cubicBezTo>
+                  <a:pt x="839694" y="18683"/>
+                  <a:pt x="929341" y="599397"/>
+                  <a:pt x="1201270" y="700001"/>
+                </a:cubicBezTo>
+                <a:cubicBezTo>
+                  <a:pt x="1473199" y="800605"/>
+                  <a:pt x="1920439" y="556566"/>
+                  <a:pt x="2271059" y="604378"/>
+                </a:cubicBezTo>
+                <a:cubicBezTo>
+                  <a:pt x="2621679" y="652190"/>
+                  <a:pt x="3034055" y="1020739"/>
+                  <a:pt x="3304988" y="986872"/>
+                </a:cubicBezTo>
+                <a:cubicBezTo>
+                  <a:pt x="3575921" y="953005"/>
+                  <a:pt x="3671545" y="300574"/>
+                  <a:pt x="3896659" y="401178"/>
+                </a:cubicBezTo>
+                <a:cubicBezTo>
+                  <a:pt x="4121773" y="501782"/>
+                  <a:pt x="4453466" y="1451045"/>
+                  <a:pt x="4655670" y="1590496"/>
+                </a:cubicBezTo>
+                <a:cubicBezTo>
+                  <a:pt x="4857874" y="1729947"/>
+                  <a:pt x="4983878" y="1483915"/>
+                  <a:pt x="5109882" y="1237884"/>
+                </a:cubicBezTo>
+              </a:path>
+            </a:pathLst>
+          </a:custGeom>
+          <a:noFill/>
+          <a:ln>
+            <a:solidFill>
+              <a:srgbClr val="FF0000"/>
+            </a:solidFill>
+          </a:ln>
+        </p:spPr>
+        <p:style>
+          <a:lnRef idx="2">
+            <a:schemeClr val="accent1">
+              <a:shade val="50000"/>
+            </a:schemeClr>
+          </a:lnRef>
+          <a:fillRef idx="1">
+            <a:schemeClr val="accent1"/>
+          </a:fillRef>
+          <a:effectRef idx="0">
+            <a:schemeClr val="accent1"/>
+          </a:effectRef>
+          <a:fontRef idx="minor">
+            <a:schemeClr val="lt1"/>
+          </a:fontRef>
+        </p:style>
+        <p:txBody>
+          <a:bodyPr rtlCol="0" anchor="ctr"/>
+          <a:lstStyle/>
+          <a:p>
+            <a:pPr algn="ctr"/>
+            <a:endParaRPr lang="en-US"/>
+          </a:p>
+        </p:txBody>
+      </p:sp>
+      <p:sp>
+        <p:nvSpPr>
+          <p:cNvPr id="66" name="Oval 65"/>
+          <p:cNvSpPr/>
+          <p:nvPr/>
+        </p:nvSpPr>
+        <p:spPr>
+          <a:xfrm>
+            <a:off x="2392257" y="2192540"/>
+            <a:ext cx="59764" cy="59764"/>
+          </a:xfrm>
+          <a:prstGeom prst="ellipse">
+            <a:avLst/>
+          </a:prstGeom>
+        </p:spPr>
+        <p:style>
+          <a:lnRef idx="2">
+            <a:schemeClr val="accent1">
+              <a:shade val="50000"/>
+            </a:schemeClr>
+          </a:lnRef>
+          <a:fillRef idx="1">
+            <a:schemeClr val="accent1"/>
+          </a:fillRef>
+          <a:effectRef idx="0">
+            <a:schemeClr val="accent1"/>
+          </a:effectRef>
+          <a:fontRef idx="minor">
+            <a:schemeClr val="lt1"/>
+          </a:fontRef>
+        </p:style>
+        <p:txBody>
+          <a:bodyPr rtlCol="0" anchor="ctr"/>
+          <a:lstStyle/>
+          <a:p>
+            <a:pPr algn="ctr"/>
+            <a:endParaRPr lang="en-US"/>
+          </a:p>
+        </p:txBody>
+      </p:sp>
+      <p:sp>
+        <p:nvSpPr>
+          <p:cNvPr id="67" name="Oval 66"/>
+          <p:cNvSpPr/>
+          <p:nvPr/>
+        </p:nvSpPr>
+        <p:spPr>
+          <a:xfrm>
+            <a:off x="2664187" y="1841796"/>
+            <a:ext cx="59764" cy="59764"/>
+          </a:xfrm>
+          <a:prstGeom prst="ellipse">
+            <a:avLst/>
+          </a:prstGeom>
+        </p:spPr>
+        <p:style>
+          <a:lnRef idx="2">
+            <a:schemeClr val="accent1">
+              <a:shade val="50000"/>
+            </a:schemeClr>
+          </a:lnRef>
+          <a:fillRef idx="1">
+            <a:schemeClr val="accent1"/>
+          </a:fillRef>
+          <a:effectRef idx="0">
+            <a:schemeClr val="accent1"/>
+          </a:effectRef>
+          <a:fontRef idx="minor">
+            <a:schemeClr val="lt1"/>
+          </a:fontRef>
+        </p:style>
+        <p:txBody>
+          <a:bodyPr rtlCol="0" anchor="ctr"/>
+          <a:lstStyle/>
+          <a:p>
+            <a:pPr algn="ctr"/>
+            <a:endParaRPr lang="en-US"/>
+          </a:p>
+        </p:txBody>
+      </p:sp>
+      <p:sp>
+        <p:nvSpPr>
+          <p:cNvPr id="68" name="Oval 67"/>
+          <p:cNvSpPr/>
+          <p:nvPr/>
+        </p:nvSpPr>
+        <p:spPr>
+          <a:xfrm>
+            <a:off x="3022962" y="1596465"/>
+            <a:ext cx="59764" cy="59764"/>
+          </a:xfrm>
+          <a:prstGeom prst="ellipse">
+            <a:avLst/>
+          </a:prstGeom>
+        </p:spPr>
+        <p:style>
+          <a:lnRef idx="2">
+            <a:schemeClr val="accent1">
+              <a:shade val="50000"/>
+            </a:schemeClr>
+          </a:lnRef>
+          <a:fillRef idx="1">
+            <a:schemeClr val="accent1"/>
+          </a:fillRef>
+          <a:effectRef idx="0">
+            <a:schemeClr val="accent1"/>
+          </a:effectRef>
+          <a:fontRef idx="minor">
+            <a:schemeClr val="lt1"/>
+          </a:fontRef>
+        </p:style>
+        <p:txBody>
+          <a:bodyPr rtlCol="0" anchor="ctr"/>
+          <a:lstStyle/>
+          <a:p>
+            <a:pPr algn="ctr"/>
+            <a:endParaRPr lang="en-US"/>
+          </a:p>
+        </p:txBody>
+      </p:sp>
+      <p:sp>
+        <p:nvSpPr>
+          <p:cNvPr id="69" name="Oval 68"/>
+          <p:cNvSpPr/>
+          <p:nvPr/>
+        </p:nvSpPr>
+        <p:spPr>
+          <a:xfrm>
+            <a:off x="3264262" y="1871678"/>
+            <a:ext cx="59764" cy="59764"/>
+          </a:xfrm>
+          <a:prstGeom prst="ellipse">
+            <a:avLst/>
+          </a:prstGeom>
+        </p:spPr>
+        <p:style>
+          <a:lnRef idx="2">
+            <a:schemeClr val="accent1">
+              <a:shade val="50000"/>
+            </a:schemeClr>
+          </a:lnRef>
+          <a:fillRef idx="1">
+            <a:schemeClr val="accent1"/>
+          </a:fillRef>
+          <a:effectRef idx="0">
+            <a:schemeClr val="accent1"/>
+          </a:effectRef>
+          <a:fontRef idx="minor">
+            <a:schemeClr val="lt1"/>
+          </a:fontRef>
+        </p:style>
+        <p:txBody>
+          <a:bodyPr rtlCol="0" anchor="ctr"/>
+          <a:lstStyle/>
+          <a:p>
+            <a:pPr algn="ctr"/>
+            <a:endParaRPr lang="en-US"/>
+          </a:p>
+        </p:txBody>
+      </p:sp>
+      <p:sp>
+        <p:nvSpPr>
+          <p:cNvPr id="70" name="Oval 69"/>
+          <p:cNvSpPr/>
+          <p:nvPr/>
+        </p:nvSpPr>
+        <p:spPr>
+          <a:xfrm>
+            <a:off x="3483337" y="2222422"/>
+            <a:ext cx="59764" cy="59764"/>
+          </a:xfrm>
+          <a:prstGeom prst="ellipse">
+            <a:avLst/>
+          </a:prstGeom>
+        </p:spPr>
+        <p:style>
+          <a:lnRef idx="2">
+            <a:schemeClr val="accent1">
+              <a:shade val="50000"/>
+            </a:schemeClr>
+          </a:lnRef>
+          <a:fillRef idx="1">
+            <a:schemeClr val="accent1"/>
+          </a:fillRef>
+          <a:effectRef idx="0">
+            <a:schemeClr val="accent1"/>
+          </a:effectRef>
+          <a:fontRef idx="minor">
+            <a:schemeClr val="lt1"/>
+          </a:fontRef>
+        </p:style>
+        <p:txBody>
+          <a:bodyPr rtlCol="0" anchor="ctr"/>
+          <a:lstStyle/>
+          <a:p>
+            <a:pPr algn="ctr"/>
+            <a:endParaRPr lang="en-US"/>
+          </a:p>
+        </p:txBody>
+      </p:sp>
+      <p:sp>
+        <p:nvSpPr>
+          <p:cNvPr id="71" name="Oval 70"/>
+          <p:cNvSpPr/>
+          <p:nvPr/>
+        </p:nvSpPr>
+        <p:spPr>
+          <a:xfrm>
+            <a:off x="3911962" y="2306911"/>
+            <a:ext cx="59764" cy="59764"/>
+          </a:xfrm>
+          <a:prstGeom prst="ellipse">
+            <a:avLst/>
+          </a:prstGeom>
+        </p:spPr>
+        <p:style>
+          <a:lnRef idx="2">
+            <a:schemeClr val="accent1">
+              <a:shade val="50000"/>
+            </a:schemeClr>
+          </a:lnRef>
+          <a:fillRef idx="1">
+            <a:schemeClr val="accent1"/>
+          </a:fillRef>
+          <a:effectRef idx="0">
+            <a:schemeClr val="accent1"/>
+          </a:effectRef>
+          <a:fontRef idx="minor">
+            <a:schemeClr val="lt1"/>
+          </a:fontRef>
+        </p:style>
+        <p:txBody>
+          <a:bodyPr rtlCol="0" anchor="ctr"/>
+          <a:lstStyle/>
+          <a:p>
+            <a:pPr algn="ctr"/>
+            <a:endParaRPr lang="en-US"/>
+          </a:p>
+        </p:txBody>
+      </p:sp>
+      <p:sp>
+        <p:nvSpPr>
+          <p:cNvPr id="72" name="Oval 71"/>
+          <p:cNvSpPr/>
+          <p:nvPr/>
+        </p:nvSpPr>
+        <p:spPr>
+          <a:xfrm>
+            <a:off x="4356835" y="2219246"/>
+            <a:ext cx="59764" cy="59764"/>
+          </a:xfrm>
+          <a:prstGeom prst="ellipse">
+            <a:avLst/>
+          </a:prstGeom>
+        </p:spPr>
+        <p:style>
+          <a:lnRef idx="2">
+            <a:schemeClr val="accent1">
+              <a:shade val="50000"/>
+            </a:schemeClr>
+          </a:lnRef>
+          <a:fillRef idx="1">
+            <a:schemeClr val="accent1"/>
+          </a:fillRef>
+          <a:effectRef idx="0">
+            <a:schemeClr val="accent1"/>
+          </a:effectRef>
+          <a:fontRef idx="minor">
+            <a:schemeClr val="lt1"/>
+          </a:fontRef>
+        </p:style>
+        <p:txBody>
+          <a:bodyPr rtlCol="0" anchor="ctr"/>
+          <a:lstStyle/>
+          <a:p>
+            <a:pPr algn="ctr"/>
+            <a:endParaRPr lang="en-US"/>
+          </a:p>
+        </p:txBody>
+      </p:sp>
+      <p:sp>
+        <p:nvSpPr>
+          <p:cNvPr id="73" name="Oval 72"/>
+          <p:cNvSpPr/>
+          <p:nvPr/>
+        </p:nvSpPr>
+        <p:spPr>
+          <a:xfrm>
+            <a:off x="4917316" y="2279010"/>
+            <a:ext cx="59764" cy="59764"/>
+          </a:xfrm>
+          <a:prstGeom prst="ellipse">
+            <a:avLst/>
+          </a:prstGeom>
+        </p:spPr>
+        <p:style>
+          <a:lnRef idx="2">
+            <a:schemeClr val="accent1">
+              <a:shade val="50000"/>
+            </a:schemeClr>
+          </a:lnRef>
+          <a:fillRef idx="1">
+            <a:schemeClr val="accent1"/>
+          </a:fillRef>
+          <a:effectRef idx="0">
+            <a:schemeClr val="accent1"/>
+          </a:effectRef>
+          <a:fontRef idx="minor">
+            <a:schemeClr val="lt1"/>
+          </a:fontRef>
+        </p:style>
+        <p:txBody>
+          <a:bodyPr rtlCol="0" anchor="ctr"/>
+          <a:lstStyle/>
+          <a:p>
+            <a:pPr algn="ctr"/>
+            <a:endParaRPr lang="en-US"/>
+          </a:p>
+        </p:txBody>
+      </p:sp>
+      <p:sp>
+        <p:nvSpPr>
+          <p:cNvPr id="74" name="Oval 73"/>
+          <p:cNvSpPr/>
+          <p:nvPr/>
+        </p:nvSpPr>
+        <p:spPr>
+          <a:xfrm>
+            <a:off x="5374516" y="2498085"/>
+            <a:ext cx="59764" cy="59764"/>
+          </a:xfrm>
+          <a:prstGeom prst="ellipse">
+            <a:avLst/>
+          </a:prstGeom>
+        </p:spPr>
+        <p:style>
+          <a:lnRef idx="2">
+            <a:schemeClr val="accent1">
+              <a:shade val="50000"/>
+            </a:schemeClr>
+          </a:lnRef>
+          <a:fillRef idx="1">
+            <a:schemeClr val="accent1"/>
+          </a:fillRef>
+          <a:effectRef idx="0">
+            <a:schemeClr val="accent1"/>
+          </a:effectRef>
+          <a:fontRef idx="minor">
+            <a:schemeClr val="lt1"/>
+          </a:fontRef>
+        </p:style>
+        <p:txBody>
+          <a:bodyPr rtlCol="0" anchor="ctr"/>
+          <a:lstStyle/>
+          <a:p>
+            <a:pPr algn="ctr"/>
+            <a:endParaRPr lang="en-US"/>
+          </a:p>
+        </p:txBody>
+      </p:sp>
+      <p:sp>
+        <p:nvSpPr>
+          <p:cNvPr id="75" name="Oval 74"/>
+          <p:cNvSpPr/>
+          <p:nvPr/>
+        </p:nvSpPr>
+        <p:spPr>
+          <a:xfrm>
+            <a:off x="5965066" y="2306911"/>
+            <a:ext cx="59764" cy="59764"/>
+          </a:xfrm>
+          <a:prstGeom prst="ellipse">
+            <a:avLst/>
+          </a:prstGeom>
+        </p:spPr>
+        <p:style>
+          <a:lnRef idx="2">
+            <a:schemeClr val="accent1">
+              <a:shade val="50000"/>
+            </a:schemeClr>
+          </a:lnRef>
+          <a:fillRef idx="1">
+            <a:schemeClr val="accent1"/>
+          </a:fillRef>
+          <a:effectRef idx="0">
+            <a:schemeClr val="accent1"/>
+          </a:effectRef>
+          <a:fontRef idx="minor">
+            <a:schemeClr val="lt1"/>
+          </a:fontRef>
+        </p:style>
+        <p:txBody>
+          <a:bodyPr rtlCol="0" anchor="ctr"/>
+          <a:lstStyle/>
+          <a:p>
+            <a:pPr algn="ctr"/>
+            <a:endParaRPr lang="en-US"/>
+          </a:p>
+        </p:txBody>
+      </p:sp>
+      <p:sp>
+        <p:nvSpPr>
+          <p:cNvPr id="76" name="Oval 75"/>
+          <p:cNvSpPr/>
+          <p:nvPr/>
+        </p:nvSpPr>
+        <p:spPr>
+          <a:xfrm>
+            <a:off x="6546091" y="2328258"/>
+            <a:ext cx="59764" cy="59764"/>
+          </a:xfrm>
+          <a:prstGeom prst="ellipse">
+            <a:avLst/>
+          </a:prstGeom>
+        </p:spPr>
+        <p:style>
+          <a:lnRef idx="2">
+            <a:schemeClr val="accent1">
+              <a:shade val="50000"/>
+            </a:schemeClr>
+          </a:lnRef>
+          <a:fillRef idx="1">
+            <a:schemeClr val="accent1"/>
+          </a:fillRef>
+          <a:effectRef idx="0">
+            <a:schemeClr val="accent1"/>
+          </a:effectRef>
+          <a:fontRef idx="minor">
+            <a:schemeClr val="lt1"/>
+          </a:fontRef>
+        </p:style>
+        <p:txBody>
+          <a:bodyPr rtlCol="0" anchor="ctr"/>
+          <a:lstStyle/>
+          <a:p>
+            <a:pPr algn="ctr"/>
+            <a:endParaRPr lang="en-US"/>
+          </a:p>
+        </p:txBody>
+      </p:sp>
+      <p:sp>
+        <p:nvSpPr>
+          <p:cNvPr id="77" name="Oval 76"/>
+          <p:cNvSpPr/>
+          <p:nvPr/>
+        </p:nvSpPr>
+        <p:spPr>
+          <a:xfrm>
+            <a:off x="6787391" y="2804508"/>
+            <a:ext cx="59764" cy="59764"/>
+          </a:xfrm>
+          <a:prstGeom prst="ellipse">
+            <a:avLst/>
+          </a:prstGeom>
+        </p:spPr>
+        <p:style>
+          <a:lnRef idx="2">
+            <a:schemeClr val="accent1">
+              <a:shade val="50000"/>
+            </a:schemeClr>
+          </a:lnRef>
+          <a:fillRef idx="1">
+            <a:schemeClr val="accent1"/>
+          </a:fillRef>
+          <a:effectRef idx="0">
+            <a:schemeClr val="accent1"/>
+          </a:effectRef>
+          <a:fontRef idx="minor">
+            <a:schemeClr val="lt1"/>
+          </a:fontRef>
+        </p:style>
+        <p:txBody>
+          <a:bodyPr rtlCol="0" anchor="ctr"/>
+          <a:lstStyle/>
+          <a:p>
+            <a:pPr algn="ctr"/>
+            <a:endParaRPr lang="en-US"/>
+          </a:p>
+        </p:txBody>
+      </p:sp>
+      <p:sp>
+        <p:nvSpPr>
+          <p:cNvPr id="78" name="Oval 77"/>
+          <p:cNvSpPr/>
+          <p:nvPr/>
+        </p:nvSpPr>
+        <p:spPr>
+          <a:xfrm>
+            <a:off x="7152516" y="3227458"/>
+            <a:ext cx="59764" cy="59764"/>
+          </a:xfrm>
+          <a:prstGeom prst="ellipse">
+            <a:avLst/>
+          </a:prstGeom>
+        </p:spPr>
+        <p:style>
+          <a:lnRef idx="2">
+            <a:schemeClr val="accent1">
+              <a:shade val="50000"/>
+            </a:schemeClr>
+          </a:lnRef>
+          <a:fillRef idx="1">
+            <a:schemeClr val="accent1"/>
+          </a:fillRef>
+          <a:effectRef idx="0">
+            <a:schemeClr val="accent1"/>
+          </a:effectRef>
+          <a:fontRef idx="minor">
+            <a:schemeClr val="lt1"/>
+          </a:fontRef>
+        </p:style>
+        <p:txBody>
+          <a:bodyPr rtlCol="0" anchor="ctr"/>
+          <a:lstStyle/>
+          <a:p>
+            <a:pPr algn="ctr"/>
+            <a:endParaRPr lang="en-US"/>
+          </a:p>
+        </p:txBody>
+      </p:sp>
+      <p:sp>
+        <p:nvSpPr>
+          <p:cNvPr id="79" name="Oval 78"/>
+          <p:cNvSpPr/>
+          <p:nvPr/>
+        </p:nvSpPr>
+        <p:spPr>
+          <a:xfrm>
+            <a:off x="7512037" y="2834390"/>
+            <a:ext cx="59764" cy="59764"/>
+          </a:xfrm>
+          <a:prstGeom prst="ellipse">
+            <a:avLst/>
+          </a:prstGeom>
+        </p:spPr>
+        <p:style>
+          <a:lnRef idx="2">
+            <a:schemeClr val="accent1">
+              <a:shade val="50000"/>
+            </a:schemeClr>
+          </a:lnRef>
+          <a:fillRef idx="1">
+            <a:schemeClr val="accent1"/>
+          </a:fillRef>
+          <a:effectRef idx="0">
+            <a:schemeClr val="accent1"/>
+          </a:effectRef>
+          <a:fontRef idx="minor">
+            <a:schemeClr val="lt1"/>
+          </a:fontRef>
+        </p:style>
+        <p:txBody>
+          <a:bodyPr rtlCol="0" anchor="ctr"/>
+          <a:lstStyle/>
+          <a:p>
+            <a:pPr algn="ctr"/>
+            <a:endParaRPr lang="en-US"/>
+          </a:p>
+        </p:txBody>
+      </p:sp>
+      <p:sp>
+        <p:nvSpPr>
+          <p:cNvPr id="80" name="Oval 79"/>
+          <p:cNvSpPr/>
+          <p:nvPr/>
+        </p:nvSpPr>
+        <p:spPr>
+          <a:xfrm>
+            <a:off x="2422139" y="1142467"/>
+            <a:ext cx="59764" cy="59764"/>
+          </a:xfrm>
+          <a:prstGeom prst="ellipse">
+            <a:avLst/>
+          </a:prstGeom>
+        </p:spPr>
+        <p:style>
+          <a:lnRef idx="2">
+            <a:schemeClr val="accent1">
+              <a:shade val="50000"/>
+            </a:schemeClr>
+          </a:lnRef>
+          <a:fillRef idx="1">
+            <a:schemeClr val="accent1"/>
+          </a:fillRef>
+          <a:effectRef idx="0">
+            <a:schemeClr val="accent1"/>
+          </a:effectRef>
+          <a:fontRef idx="minor">
+            <a:schemeClr val="lt1"/>
+          </a:fontRef>
+        </p:style>
+        <p:txBody>
+          <a:bodyPr rtlCol="0" anchor="ctr"/>
+          <a:lstStyle/>
+          <a:p>
+            <a:pPr algn="ctr"/>
+            <a:endParaRPr lang="en-US"/>
+          </a:p>
+        </p:txBody>
+      </p:sp>
+      <p:sp>
+        <p:nvSpPr>
+          <p:cNvPr id="81" name="Oval 80"/>
+          <p:cNvSpPr/>
+          <p:nvPr/>
+        </p:nvSpPr>
+        <p:spPr>
+          <a:xfrm>
+            <a:off x="2888864" y="937825"/>
+            <a:ext cx="59764" cy="59764"/>
+          </a:xfrm>
+          <a:prstGeom prst="ellipse">
+            <a:avLst/>
+          </a:prstGeom>
+        </p:spPr>
+        <p:style>
+          <a:lnRef idx="2">
+            <a:schemeClr val="accent1">
+              <a:shade val="50000"/>
+            </a:schemeClr>
+          </a:lnRef>
+          <a:fillRef idx="1">
+            <a:schemeClr val="accent1"/>
+          </a:fillRef>
+          <a:effectRef idx="0">
+            <a:schemeClr val="accent1"/>
+          </a:effectRef>
+          <a:fontRef idx="minor">
+            <a:schemeClr val="lt1"/>
+          </a:fontRef>
+        </p:style>
+        <p:txBody>
+          <a:bodyPr rtlCol="0" anchor="ctr"/>
+          <a:lstStyle/>
+          <a:p>
+            <a:pPr algn="ctr"/>
+            <a:endParaRPr lang="en-US"/>
+          </a:p>
+        </p:txBody>
+      </p:sp>
+      <p:sp>
+        <p:nvSpPr>
+          <p:cNvPr id="82" name="Oval 81"/>
+          <p:cNvSpPr/>
+          <p:nvPr/>
+        </p:nvSpPr>
+        <p:spPr>
+          <a:xfrm>
+            <a:off x="3299374" y="772426"/>
+            <a:ext cx="59764" cy="59764"/>
+          </a:xfrm>
+          <a:prstGeom prst="ellipse">
+            <a:avLst/>
+          </a:prstGeom>
+        </p:spPr>
+        <p:style>
+          <a:lnRef idx="2">
+            <a:schemeClr val="accent1">
+              <a:shade val="50000"/>
+            </a:schemeClr>
+          </a:lnRef>
+          <a:fillRef idx="1">
+            <a:schemeClr val="accent1"/>
+          </a:fillRef>
+          <a:effectRef idx="0">
+            <a:schemeClr val="accent1"/>
+          </a:effectRef>
+          <a:fontRef idx="minor">
+            <a:schemeClr val="lt1"/>
+          </a:fontRef>
+        </p:style>
+        <p:txBody>
+          <a:bodyPr rtlCol="0" anchor="ctr"/>
+          <a:lstStyle/>
+          <a:p>
+            <a:pPr algn="ctr"/>
+            <a:endParaRPr lang="en-US"/>
+          </a:p>
+        </p:txBody>
+      </p:sp>
+      <p:sp>
+        <p:nvSpPr>
+          <p:cNvPr id="83" name="Oval 82"/>
+          <p:cNvSpPr/>
+          <p:nvPr/>
+        </p:nvSpPr>
+        <p:spPr>
+          <a:xfrm>
+            <a:off x="3971726" y="739431"/>
+            <a:ext cx="59764" cy="59764"/>
+          </a:xfrm>
+          <a:prstGeom prst="ellipse">
+            <a:avLst/>
+          </a:prstGeom>
+        </p:spPr>
+        <p:style>
+          <a:lnRef idx="2">
+            <a:schemeClr val="accent1">
+              <a:shade val="50000"/>
+            </a:schemeClr>
+          </a:lnRef>
+          <a:fillRef idx="1">
+            <a:schemeClr val="accent1"/>
+          </a:fillRef>
+          <a:effectRef idx="0">
+            <a:schemeClr val="accent1"/>
+          </a:effectRef>
+          <a:fontRef idx="minor">
+            <a:schemeClr val="lt1"/>
+          </a:fontRef>
+        </p:style>
+        <p:txBody>
+          <a:bodyPr rtlCol="0" anchor="ctr"/>
+          <a:lstStyle/>
+          <a:p>
+            <a:pPr algn="ctr"/>
+            <a:endParaRPr lang="en-US"/>
+          </a:p>
+        </p:txBody>
+      </p:sp>
+      <p:sp>
+        <p:nvSpPr>
+          <p:cNvPr id="84" name="Oval 83"/>
+          <p:cNvSpPr/>
+          <p:nvPr/>
+        </p:nvSpPr>
+        <p:spPr>
+          <a:xfrm>
+            <a:off x="4297071" y="1148813"/>
+            <a:ext cx="59764" cy="59764"/>
+          </a:xfrm>
+          <a:prstGeom prst="ellipse">
+            <a:avLst/>
+          </a:prstGeom>
+        </p:spPr>
+        <p:style>
+          <a:lnRef idx="2">
+            <a:schemeClr val="accent1">
+              <a:shade val="50000"/>
+            </a:schemeClr>
+          </a:lnRef>
+          <a:fillRef idx="1">
+            <a:schemeClr val="accent1"/>
+          </a:fillRef>
+          <a:effectRef idx="0">
+            <a:schemeClr val="accent1"/>
+          </a:effectRef>
+          <a:fontRef idx="minor">
+            <a:schemeClr val="lt1"/>
+          </a:fontRef>
+        </p:style>
+        <p:txBody>
+          <a:bodyPr rtlCol="0" anchor="ctr"/>
+          <a:lstStyle/>
+          <a:p>
+            <a:pPr algn="ctr"/>
+            <a:endParaRPr lang="en-US"/>
+          </a:p>
+        </p:txBody>
+      </p:sp>
+      <p:sp>
+        <p:nvSpPr>
+          <p:cNvPr id="85" name="Oval 84"/>
+          <p:cNvSpPr/>
+          <p:nvPr/>
+        </p:nvSpPr>
+        <p:spPr>
+          <a:xfrm>
+            <a:off x="4856526" y="1360444"/>
+            <a:ext cx="59764" cy="59764"/>
+          </a:xfrm>
+          <a:prstGeom prst="ellipse">
+            <a:avLst/>
+          </a:prstGeom>
+        </p:spPr>
+        <p:style>
+          <a:lnRef idx="2">
+            <a:schemeClr val="accent1">
+              <a:shade val="50000"/>
+            </a:schemeClr>
+          </a:lnRef>
+          <a:fillRef idx="1">
+            <a:schemeClr val="accent1"/>
+          </a:fillRef>
+          <a:effectRef idx="0">
+            <a:schemeClr val="accent1"/>
+          </a:effectRef>
+          <a:fontRef idx="minor">
+            <a:schemeClr val="lt1"/>
+          </a:fontRef>
+        </p:style>
+        <p:txBody>
+          <a:bodyPr rtlCol="0" anchor="ctr"/>
+          <a:lstStyle/>
+          <a:p>
+            <a:pPr algn="ctr"/>
+            <a:endParaRPr lang="en-US"/>
+          </a:p>
+        </p:txBody>
+      </p:sp>
+      <p:sp>
+        <p:nvSpPr>
+          <p:cNvPr id="86" name="Oval 85"/>
+          <p:cNvSpPr/>
+          <p:nvPr/>
+        </p:nvSpPr>
+        <p:spPr>
+          <a:xfrm>
+            <a:off x="5542326" y="1273309"/>
+            <a:ext cx="59764" cy="59764"/>
+          </a:xfrm>
+          <a:prstGeom prst="ellipse">
+            <a:avLst/>
+          </a:prstGeom>
+        </p:spPr>
+        <p:style>
+          <a:lnRef idx="2">
+            <a:schemeClr val="accent1">
+              <a:shade val="50000"/>
+            </a:schemeClr>
+          </a:lnRef>
+          <a:fillRef idx="1">
+            <a:schemeClr val="accent1"/>
+          </a:fillRef>
+          <a:effectRef idx="0">
+            <a:schemeClr val="accent1"/>
+          </a:effectRef>
+          <a:fontRef idx="minor">
+            <a:schemeClr val="lt1"/>
+          </a:fontRef>
+        </p:style>
+        <p:txBody>
+          <a:bodyPr rtlCol="0" anchor="ctr"/>
+          <a:lstStyle/>
+          <a:p>
+            <a:pPr algn="ctr"/>
+            <a:endParaRPr lang="en-US"/>
+          </a:p>
+        </p:txBody>
+      </p:sp>
+      <p:sp>
+        <p:nvSpPr>
+          <p:cNvPr id="87" name="Oval 86"/>
+          <p:cNvSpPr/>
+          <p:nvPr/>
+        </p:nvSpPr>
+        <p:spPr>
+          <a:xfrm>
+            <a:off x="6189757" y="1207743"/>
+            <a:ext cx="59764" cy="59764"/>
+          </a:xfrm>
+          <a:prstGeom prst="ellipse">
+            <a:avLst/>
+          </a:prstGeom>
+        </p:spPr>
+        <p:style>
+          <a:lnRef idx="2">
+            <a:schemeClr val="accent1">
+              <a:shade val="50000"/>
+            </a:schemeClr>
+          </a:lnRef>
+          <a:fillRef idx="1">
+            <a:schemeClr val="accent1"/>
+          </a:fillRef>
+          <a:effectRef idx="0">
+            <a:schemeClr val="accent1"/>
+          </a:effectRef>
+          <a:fontRef idx="minor">
+            <a:schemeClr val="lt1"/>
+          </a:fontRef>
+        </p:style>
+        <p:txBody>
+          <a:bodyPr rtlCol="0" anchor="ctr"/>
+          <a:lstStyle/>
+          <a:p>
+            <a:pPr algn="ctr"/>
+            <a:endParaRPr lang="en-US"/>
+          </a:p>
+        </p:txBody>
+      </p:sp>
+      <p:sp>
+        <p:nvSpPr>
+          <p:cNvPr id="88" name="Oval 87"/>
+          <p:cNvSpPr/>
+          <p:nvPr/>
+        </p:nvSpPr>
+        <p:spPr>
+          <a:xfrm>
+            <a:off x="6889845" y="1374822"/>
+            <a:ext cx="59764" cy="59764"/>
+          </a:xfrm>
+          <a:prstGeom prst="ellipse">
+            <a:avLst/>
+          </a:prstGeom>
+        </p:spPr>
+        <p:style>
+          <a:lnRef idx="2">
+            <a:schemeClr val="accent1">
+              <a:shade val="50000"/>
+            </a:schemeClr>
+          </a:lnRef>
+          <a:fillRef idx="1">
+            <a:schemeClr val="accent1"/>
+          </a:fillRef>
+          <a:effectRef idx="0">
+            <a:schemeClr val="accent1"/>
+          </a:effectRef>
+          <a:fontRef idx="minor">
+            <a:schemeClr val="lt1"/>
+          </a:fontRef>
+        </p:style>
+        <p:txBody>
+          <a:bodyPr rtlCol="0" anchor="ctr"/>
+          <a:lstStyle/>
+          <a:p>
+            <a:pPr algn="ctr"/>
+            <a:endParaRPr lang="en-US"/>
+          </a:p>
+        </p:txBody>
+      </p:sp>
+      <p:sp>
+        <p:nvSpPr>
+          <p:cNvPr id="89" name="Oval 88"/>
+          <p:cNvSpPr/>
+          <p:nvPr/>
+        </p:nvSpPr>
+        <p:spPr>
+          <a:xfrm>
+            <a:off x="7554891" y="1931442"/>
+            <a:ext cx="59764" cy="59764"/>
+          </a:xfrm>
+          <a:prstGeom prst="ellipse">
+            <a:avLst/>
+          </a:prstGeom>
+        </p:spPr>
+        <p:style>
+          <a:lnRef idx="2">
+            <a:schemeClr val="accent1">
+              <a:shade val="50000"/>
+            </a:schemeClr>
+          </a:lnRef>
+          <a:fillRef idx="1">
+            <a:schemeClr val="accent1"/>
+          </a:fillRef>
+          <a:effectRef idx="0">
+            <a:schemeClr val="accent1"/>
+          </a:effectRef>
+          <a:fontRef idx="minor">
+            <a:schemeClr val="lt1"/>
+          </a:fontRef>
+        </p:style>
+        <p:txBody>
+          <a:bodyPr rtlCol="0" anchor="ctr"/>
+          <a:lstStyle/>
+          <a:p>
+            <a:pPr algn="ctr"/>
+            <a:endParaRPr lang="en-US"/>
+          </a:p>
+        </p:txBody>
+      </p:sp>
+      <p:cxnSp>
+        <p:nvCxnSpPr>
+          <p:cNvPr id="90" name="Straight Arrow Connector 89"/>
+          <p:cNvCxnSpPr/>
+          <p:nvPr/>
+        </p:nvCxnSpPr>
+        <p:spPr>
+          <a:xfrm flipV="1">
+            <a:off x="2389138" y="1343603"/>
+            <a:ext cx="1094199" cy="172900"/>
+          </a:xfrm>
+          <a:prstGeom prst="straightConnector1">
+            <a:avLst/>
+          </a:prstGeom>
+          <a:ln>
+            <a:solidFill>
+              <a:schemeClr val="tx1"/>
+            </a:solidFill>
+            <a:tailEnd type="triangle"/>
+          </a:ln>
+        </p:spPr>
+        <p:style>
+          <a:lnRef idx="1">
+            <a:schemeClr val="accent1"/>
+          </a:lnRef>
+          <a:fillRef idx="0">
+            <a:schemeClr val="accent1"/>
+          </a:fillRef>
+          <a:effectRef idx="0">
+            <a:schemeClr val="accent1"/>
+          </a:effectRef>
+          <a:fontRef idx="minor">
+            <a:schemeClr val="tx1"/>
+          </a:fontRef>
+        </p:style>
+      </p:cxnSp>
+      <p:sp>
+        <p:nvSpPr>
+          <p:cNvPr id="91" name="TextBox 90"/>
+          <p:cNvSpPr txBox="1"/>
+          <p:nvPr/>
+        </p:nvSpPr>
+        <p:spPr>
+          <a:xfrm>
+            <a:off x="1640509" y="1301632"/>
+            <a:ext cx="989108" cy="369332"/>
+          </a:xfrm>
+          <a:prstGeom prst="rect">
+            <a:avLst/>
+          </a:prstGeom>
+          <a:noFill/>
+        </p:spPr>
+        <p:txBody>
+          <a:bodyPr wrap="square" rtlCol="0">
+            <a:spAutoFit/>
+          </a:bodyPr>
+          <a:lstStyle/>
+          <a:p>
+            <a:r>
+              <a:rPr lang="en-US" altLang="zh-CN" dirty="0"/>
+              <a:t>detour</a:t>
+            </a:r>
+            <a:endParaRPr lang="en-US" dirty="0"/>
+          </a:p>
+        </p:txBody>
+      </p:sp>
+      <p:sp>
+        <p:nvSpPr>
+          <p:cNvPr id="92" name="Freeform 91"/>
+          <p:cNvSpPr/>
+          <p:nvPr/>
+        </p:nvSpPr>
+        <p:spPr>
+          <a:xfrm>
+            <a:off x="3137623" y="876453"/>
+            <a:ext cx="516975" cy="467149"/>
+          </a:xfrm>
+          <a:custGeom>
+            <a:avLst/>
+            <a:gdLst>
+              <a:gd name="connsiteX0" fmla="*/ 0 w 621102"/>
+              <a:gd name="connsiteY0" fmla="*/ 0 h 465826"/>
+              <a:gd name="connsiteX1" fmla="*/ 172528 w 621102"/>
+              <a:gd name="connsiteY1" fmla="*/ 345056 h 465826"/>
+              <a:gd name="connsiteX2" fmla="*/ 621102 w 621102"/>
+              <a:gd name="connsiteY2" fmla="*/ 465826 h 465826"/>
+            </a:gdLst>
+            <a:ahLst/>
+            <a:cxnLst>
+              <a:cxn ang="0">
+                <a:pos x="connsiteX0" y="connsiteY0"/>
+              </a:cxn>
+              <a:cxn ang="0">
+                <a:pos x="connsiteX1" y="connsiteY1"/>
+              </a:cxn>
+              <a:cxn ang="0">
+                <a:pos x="connsiteX2" y="connsiteY2"/>
+              </a:cxn>
+            </a:cxnLst>
+            <a:rect l="l" t="t" r="r" b="b"/>
+            <a:pathLst>
+              <a:path w="621102" h="465826">
+                <a:moveTo>
+                  <a:pt x="0" y="0"/>
+                </a:moveTo>
+                <a:cubicBezTo>
+                  <a:pt x="34505" y="133709"/>
+                  <a:pt x="69011" y="267418"/>
+                  <a:pt x="172528" y="345056"/>
+                </a:cubicBezTo>
+                <a:cubicBezTo>
+                  <a:pt x="276045" y="422694"/>
+                  <a:pt x="448573" y="444260"/>
+                  <a:pt x="621102" y="465826"/>
+                </a:cubicBezTo>
+              </a:path>
+            </a:pathLst>
+          </a:custGeom>
+          <a:noFill/>
+        </p:spPr>
+        <p:style>
+          <a:lnRef idx="2">
+            <a:schemeClr val="accent1">
+              <a:shade val="50000"/>
+            </a:schemeClr>
+          </a:lnRef>
+          <a:fillRef idx="1">
+            <a:schemeClr val="accent1"/>
+          </a:fillRef>
+          <a:effectRef idx="0">
+            <a:schemeClr val="accent1"/>
+          </a:effectRef>
+          <a:fontRef idx="minor">
+            <a:schemeClr val="lt1"/>
+          </a:fontRef>
+        </p:style>
+        <p:txBody>
+          <a:bodyPr rtlCol="0" anchor="ctr"/>
+          <a:lstStyle/>
+          <a:p>
+            <a:pPr algn="ctr"/>
+            <a:endParaRPr lang="en-US"/>
+          </a:p>
+        </p:txBody>
+      </p:sp>
+      <p:sp>
+        <p:nvSpPr>
+          <p:cNvPr id="93" name="Freeform 92"/>
+          <p:cNvSpPr/>
+          <p:nvPr/>
+        </p:nvSpPr>
+        <p:spPr>
+          <a:xfrm>
+            <a:off x="4900431" y="1393895"/>
+            <a:ext cx="474086" cy="382906"/>
+          </a:xfrm>
+          <a:custGeom>
+            <a:avLst/>
+            <a:gdLst>
+              <a:gd name="connsiteX0" fmla="*/ 0 w 464820"/>
+              <a:gd name="connsiteY0" fmla="*/ 0 h 373380"/>
+              <a:gd name="connsiteX1" fmla="*/ 464820 w 464820"/>
+              <a:gd name="connsiteY1" fmla="*/ 373380 h 373380"/>
+              <a:gd name="connsiteX2" fmla="*/ 464820 w 464820"/>
+              <a:gd name="connsiteY2" fmla="*/ 373380 h 373380"/>
+            </a:gdLst>
+            <a:ahLst/>
+            <a:cxnLst>
+              <a:cxn ang="0">
+                <a:pos x="connsiteX0" y="connsiteY0"/>
+              </a:cxn>
+              <a:cxn ang="0">
+                <a:pos x="connsiteX1" y="connsiteY1"/>
+              </a:cxn>
+              <a:cxn ang="0">
+                <a:pos x="connsiteX2" y="connsiteY2"/>
+              </a:cxn>
+            </a:cxnLst>
+            <a:rect l="l" t="t" r="r" b="b"/>
+            <a:pathLst>
+              <a:path w="464820" h="373380">
+                <a:moveTo>
+                  <a:pt x="0" y="0"/>
+                </a:moveTo>
+                <a:lnTo>
+                  <a:pt x="464820" y="373380"/>
+                </a:lnTo>
+                <a:lnTo>
+                  <a:pt x="464820" y="373380"/>
+                </a:lnTo>
+              </a:path>
+            </a:pathLst>
+          </a:custGeom>
+          <a:noFill/>
+        </p:spPr>
+        <p:style>
+          <a:lnRef idx="2">
+            <a:schemeClr val="accent1">
+              <a:shade val="50000"/>
+            </a:schemeClr>
+          </a:lnRef>
+          <a:fillRef idx="1">
+            <a:schemeClr val="accent1"/>
+          </a:fillRef>
+          <a:effectRef idx="0">
+            <a:schemeClr val="accent1"/>
+          </a:effectRef>
+          <a:fontRef idx="minor">
+            <a:schemeClr val="lt1"/>
+          </a:fontRef>
+        </p:style>
+        <p:txBody>
+          <a:bodyPr rtlCol="0" anchor="ctr"/>
+          <a:lstStyle/>
+          <a:p>
+            <a:pPr algn="ctr"/>
+            <a:endParaRPr lang="en-US"/>
+          </a:p>
+        </p:txBody>
+      </p:sp>
+      <p:sp>
+        <p:nvSpPr>
+          <p:cNvPr id="94" name="Freeform 93"/>
+          <p:cNvSpPr/>
+          <p:nvPr/>
+        </p:nvSpPr>
+        <p:spPr>
+          <a:xfrm>
+            <a:off x="5376288" y="1776801"/>
+            <a:ext cx="1182446" cy="556260"/>
+          </a:xfrm>
+          <a:custGeom>
+            <a:avLst/>
+            <a:gdLst>
+              <a:gd name="connsiteX0" fmla="*/ 603326 w 1182446"/>
+              <a:gd name="connsiteY0" fmla="*/ 556260 h 556260"/>
+              <a:gd name="connsiteX1" fmla="*/ 16586 w 1182446"/>
+              <a:gd name="connsiteY1" fmla="*/ 0 h 556260"/>
+              <a:gd name="connsiteX2" fmla="*/ 1182446 w 1182446"/>
+              <a:gd name="connsiteY2" fmla="*/ 556260 h 556260"/>
+            </a:gdLst>
+            <a:ahLst/>
+            <a:cxnLst>
+              <a:cxn ang="0">
+                <a:pos x="connsiteX0" y="connsiteY0"/>
+              </a:cxn>
+              <a:cxn ang="0">
+                <a:pos x="connsiteX1" y="connsiteY1"/>
+              </a:cxn>
+              <a:cxn ang="0">
+                <a:pos x="connsiteX2" y="connsiteY2"/>
+              </a:cxn>
+            </a:cxnLst>
+            <a:rect l="l" t="t" r="r" b="b"/>
+            <a:pathLst>
+              <a:path w="1182446" h="556260">
+                <a:moveTo>
+                  <a:pt x="603326" y="556260"/>
+                </a:moveTo>
+                <a:cubicBezTo>
+                  <a:pt x="261696" y="278130"/>
+                  <a:pt x="-79934" y="0"/>
+                  <a:pt x="16586" y="0"/>
+                </a:cubicBezTo>
+                <a:cubicBezTo>
+                  <a:pt x="113106" y="0"/>
+                  <a:pt x="647776" y="278130"/>
+                  <a:pt x="1182446" y="556260"/>
+                </a:cubicBezTo>
+              </a:path>
+            </a:pathLst>
+          </a:custGeom>
+          <a:noFill/>
+          <a:ln>
+            <a:solidFill>
+              <a:srgbClr val="FF0000"/>
+            </a:solidFill>
+            <a:prstDash val="sysDash"/>
+          </a:ln>
+        </p:spPr>
+        <p:style>
+          <a:lnRef idx="2">
+            <a:schemeClr val="accent1">
+              <a:shade val="50000"/>
+            </a:schemeClr>
+          </a:lnRef>
+          <a:fillRef idx="1">
+            <a:schemeClr val="accent1"/>
+          </a:fillRef>
+          <a:effectRef idx="0">
+            <a:schemeClr val="accent1"/>
+          </a:effectRef>
+          <a:fontRef idx="minor">
+            <a:schemeClr val="lt1"/>
+          </a:fontRef>
+        </p:style>
+        <p:txBody>
+          <a:bodyPr rtlCol="0" anchor="ctr"/>
+          <a:lstStyle/>
+          <a:p>
+            <a:pPr algn="ctr"/>
+            <a:endParaRPr lang="en-US"/>
+          </a:p>
+        </p:txBody>
+      </p:sp>
+      <p:sp>
+        <p:nvSpPr>
+          <p:cNvPr id="95" name="Freeform 94"/>
+          <p:cNvSpPr/>
+          <p:nvPr/>
+        </p:nvSpPr>
+        <p:spPr>
+          <a:xfrm>
+            <a:off x="3299279" y="1349598"/>
+            <a:ext cx="384552" cy="883450"/>
+          </a:xfrm>
+          <a:custGeom>
+            <a:avLst/>
+            <a:gdLst>
+              <a:gd name="connsiteX0" fmla="*/ 0 w 384552"/>
+              <a:gd name="connsiteY0" fmla="*/ 540550 h 883450"/>
+              <a:gd name="connsiteX1" fmla="*/ 376237 w 384552"/>
+              <a:gd name="connsiteY1" fmla="*/ 7150 h 883450"/>
+              <a:gd name="connsiteX2" fmla="*/ 223837 w 384552"/>
+              <a:gd name="connsiteY2" fmla="*/ 883450 h 883450"/>
+            </a:gdLst>
+            <a:ahLst/>
+            <a:cxnLst>
+              <a:cxn ang="0">
+                <a:pos x="connsiteX0" y="connsiteY0"/>
+              </a:cxn>
+              <a:cxn ang="0">
+                <a:pos x="connsiteX1" y="connsiteY1"/>
+              </a:cxn>
+              <a:cxn ang="0">
+                <a:pos x="connsiteX2" y="connsiteY2"/>
+              </a:cxn>
+            </a:cxnLst>
+            <a:rect l="l" t="t" r="r" b="b"/>
+            <a:pathLst>
+              <a:path w="384552" h="883450">
+                <a:moveTo>
+                  <a:pt x="0" y="540550"/>
+                </a:moveTo>
+                <a:cubicBezTo>
+                  <a:pt x="169465" y="245275"/>
+                  <a:pt x="338931" y="-50000"/>
+                  <a:pt x="376237" y="7150"/>
+                </a:cubicBezTo>
+                <a:cubicBezTo>
+                  <a:pt x="413543" y="64300"/>
+                  <a:pt x="318690" y="473875"/>
+                  <a:pt x="223837" y="883450"/>
+                </a:cubicBezTo>
+              </a:path>
+            </a:pathLst>
+          </a:custGeom>
+          <a:noFill/>
+          <a:ln>
+            <a:solidFill>
+              <a:srgbClr val="FF0000"/>
+            </a:solidFill>
+            <a:prstDash val="sysDash"/>
+          </a:ln>
+        </p:spPr>
+        <p:style>
+          <a:lnRef idx="2">
+            <a:schemeClr val="accent1">
+              <a:shade val="50000"/>
+            </a:schemeClr>
+          </a:lnRef>
+          <a:fillRef idx="1">
+            <a:schemeClr val="accent1"/>
+          </a:fillRef>
+          <a:effectRef idx="0">
+            <a:schemeClr val="accent1"/>
+          </a:effectRef>
+          <a:fontRef idx="minor">
+            <a:schemeClr val="lt1"/>
+          </a:fontRef>
+        </p:style>
+        <p:txBody>
+          <a:bodyPr rtlCol="0" anchor="ctr"/>
+          <a:lstStyle/>
+          <a:p>
+            <a:pPr algn="ctr"/>
+            <a:endParaRPr lang="en-US"/>
+          </a:p>
+        </p:txBody>
+      </p:sp>
+      <p:pic>
+        <p:nvPicPr>
+          <p:cNvPr id="2" name="Picture 1" descr="\documentclass{article}&#10;\usepackage{amsmath}&#10;\pagestyle{empty}&#10;\begin{document}&#10;&#10;$$&#10;S_{task} \times S_g \times S_a \times \mathcal{B}&#10;$$&#10;&#10;&#10;\end{document}" title="IguanaTex Bitmap Display"/>
+          <p:cNvPicPr>
+            <a:picLocks noChangeAspect="1"/>
+          </p:cNvPicPr>
+          <p:nvPr>
+            <p:custDataLst>
+              <p:tags r:id="rId2"/>
+            </p:custDataLst>
+          </p:nvPr>
+        </p:nvPicPr>
+        <p:blipFill>
+          <a:blip r:embed="rId8" cstate="print">
+            <a:extLst>
+              <a:ext uri="{28A0092B-C50C-407E-A947-70E740481C1C}">
+                <a14:useLocalDpi xmlns:a14="http://schemas.microsoft.com/office/drawing/2010/main" val="0"/>
+              </a:ext>
+            </a:extLst>
+          </a:blip>
+          <a:stretch>
+            <a:fillRect/>
+          </a:stretch>
+        </p:blipFill>
+        <p:spPr>
+          <a:xfrm>
+            <a:off x="3513219" y="5414169"/>
+            <a:ext cx="2195201" cy="251429"/>
+          </a:xfrm>
+          <a:prstGeom prst="rect">
+            <a:avLst/>
+          </a:prstGeom>
+        </p:spPr>
+      </p:pic>
+    </p:spTree>
+    <p:extLst>
+      <p:ext uri="{BB962C8B-B14F-4D97-AF65-F5344CB8AC3E}">
+        <p14:creationId xmlns:p14="http://schemas.microsoft.com/office/powerpoint/2010/main" val="51954985"/>
+      </p:ext>
+    </p:extLst>
+  </p:cSld>
+  <p:clrMapOvr>
+    <a:masterClrMapping/>
+  </p:clrMapOvr>
+  <p:timing>
+    <p:tnLst>
+      <p:par>
+        <p:cTn id="1" dur="indefinite" restart="never" nodeType="tmRoot"/>
+      </p:par>
+    </p:tnLst>
+  </p:timing>
+</p:sld>
+</file>
+
+<file path=ppt/slides/slide27.xml><?xml version="1.0" encoding="utf-8"?>
 <p:sld xmlns:a="http://schemas.openxmlformats.org/drawingml/2006/main" xmlns:r="http://schemas.openxmlformats.org/officeDocument/2006/relationships" xmlns:p="http://schemas.openxmlformats.org/presentationml/2006/main">
   <p:cSld>
     <p:spTree>
@@ -31261,6 +33470,43 @@
 </p:tagLst>
 </file>
 
+<file path=ppt/tags/tag15.xml><?xml version="1.0" encoding="utf-8"?>
+<p:tagLst xmlns:a="http://schemas.openxmlformats.org/drawingml/2006/main" xmlns:r="http://schemas.openxmlformats.org/officeDocument/2006/relationships" xmlns:p="http://schemas.openxmlformats.org/presentationml/2006/main">
+  <p:tag name="OUTPUTDPI" val="2000"/>
+  <p:tag name="ORIGINALHEIGHT" val="206.2243"/>
+  <p:tag name="ORIGINALWIDTH" val="1085.864"/>
+  <p:tag name="LATEXADDIN" val="\documentclass{article}&#10;\usepackage{amsmath}&#10;\pagestyle{empty}&#10;\begin{document}&#10;&#10;$$&#10;S_g \times S_a \times \mathcal{B}&#10;$$&#10;&#10;&#10;\end{document}"/>
+  <p:tag name="IGUANATEXSIZE" val="20"/>
+  <p:tag name="IGUANATEXCURSOR" val="117"/>
+  <p:tag name="TRANSPARENCY" val="True"/>
+  <p:tag name="LATEXENGINEID" val="0"/>
+  <p:tag name="TEMPFOLDER" val="C:\Guangyao\Course Materials\Robotics\research\Presentation\LatexFormula\"/>
+  <p:tag name="LATEXFORMHEIGHT" val="312"/>
+  <p:tag name="LATEXFORMWIDTH" val="384"/>
+  <p:tag name="LATEXFORMWRAP" val="True"/>
+  <p:tag name="BITMAPVECTOR" val="0"/>
+</p:tagLst>
+</file>
+
+<file path=ppt/tags/tag16.xml><?xml version="1.0" encoding="utf-8"?>
+<p:tagLst xmlns:a="http://schemas.openxmlformats.org/drawingml/2006/main" xmlns:r="http://schemas.openxmlformats.org/officeDocument/2006/relationships" xmlns:p="http://schemas.openxmlformats.org/presentationml/2006/main">
+  <p:tag name="OUTPUTDPI" val="2000"/>
+  <p:tag name="ORIGINALHEIGHT" val="206.2243"/>
+  <p:tag name="ORIGINALWIDTH" val="1800.525"/>
+  <p:tag name="LATEXADDIN" val="\documentclass{article}&#10;\usepackage{amsmath}&#10;\pagestyle{empty}&#10;\begin{document}&#10;&#10;$$&#10;S_{task} \times S_g \times S_a \times \mathcal{B}&#10;$$&#10;&#10;&#10;\end{document}"/>
+  <p:tag name="IGUANATEXSIZE" val="20"/>
+  <p:tag name="IGUANATEXCURSOR" val="99"/>
+  <p:tag name="TRANSPARENCY" val="True"/>
+  <p:tag name="FILENAME" val=""/>
+  <p:tag name="LATEXENGINEID" val="0"/>
+  <p:tag name="TEMPFOLDER" val="c:\temp\"/>
+  <p:tag name="LATEXFORMHEIGHT" val="312"/>
+  <p:tag name="LATEXFORMWIDTH" val="384"/>
+  <p:tag name="LATEXFORMWRAP" val="True"/>
+  <p:tag name="BITMAPVECTOR" val="0"/>
+</p:tagLst>
+</file>
+
 <file path=ppt/tags/tag2.xml><?xml version="1.0" encoding="utf-8"?>
 <p:tagLst xmlns:a="http://schemas.openxmlformats.org/drawingml/2006/main" xmlns:r="http://schemas.openxmlformats.org/officeDocument/2006/relationships" xmlns:p="http://schemas.openxmlformats.org/presentationml/2006/main">
   <p:tag name="OUTPUTDPI" val="1200"/>
